--- a/DnDPresentation.pptx
+++ b/DnDPresentation.pptx
@@ -111,6 +111,11 @@
       </a:defRPr>
     </a:lvl9pPr>
   </p:defaultTextStyle>
+  <p:extLst>
+    <p:ext uri="{EFAFB233-063F-42B5-8137-9DF3F51BA10A}">
+      <p15:sldGuideLst xmlns:p15="http://schemas.microsoft.com/office/powerpoint/2012/main"/>
+    </p:ext>
+  </p:extLst>
 </p:presentation>
 </file>
 
@@ -245,7 +250,7 @@
           <a:p>
             <a:fld id="{161F4495-BD79-E742-A9B0-C9A49B39EDAA}" type="datetimeFigureOut">
               <a:rPr lang="en-US" smtClean="0"/>
-              <a:t>4/30/19</a:t>
+              <a:t>4/30/2019</a:t>
             </a:fld>
             <a:endParaRPr lang="en-US"/>
           </a:p>
@@ -415,7 +420,7 @@
           <a:p>
             <a:fld id="{161F4495-BD79-E742-A9B0-C9A49B39EDAA}" type="datetimeFigureOut">
               <a:rPr lang="en-US" smtClean="0"/>
-              <a:t>4/30/19</a:t>
+              <a:t>4/30/2019</a:t>
             </a:fld>
             <a:endParaRPr lang="en-US"/>
           </a:p>
@@ -595,7 +600,7 @@
           <a:p>
             <a:fld id="{161F4495-BD79-E742-A9B0-C9A49B39EDAA}" type="datetimeFigureOut">
               <a:rPr lang="en-US" smtClean="0"/>
-              <a:t>4/30/19</a:t>
+              <a:t>4/30/2019</a:t>
             </a:fld>
             <a:endParaRPr lang="en-US"/>
           </a:p>
@@ -765,7 +770,7 @@
           <a:p>
             <a:fld id="{161F4495-BD79-E742-A9B0-C9A49B39EDAA}" type="datetimeFigureOut">
               <a:rPr lang="en-US" smtClean="0"/>
-              <a:t>4/30/19</a:t>
+              <a:t>4/30/2019</a:t>
             </a:fld>
             <a:endParaRPr lang="en-US"/>
           </a:p>
@@ -1011,7 +1016,7 @@
           <a:p>
             <a:fld id="{161F4495-BD79-E742-A9B0-C9A49B39EDAA}" type="datetimeFigureOut">
               <a:rPr lang="en-US" smtClean="0"/>
-              <a:t>4/30/19</a:t>
+              <a:t>4/30/2019</a:t>
             </a:fld>
             <a:endParaRPr lang="en-US"/>
           </a:p>
@@ -1243,7 +1248,7 @@
           <a:p>
             <a:fld id="{161F4495-BD79-E742-A9B0-C9A49B39EDAA}" type="datetimeFigureOut">
               <a:rPr lang="en-US" smtClean="0"/>
-              <a:t>4/30/19</a:t>
+              <a:t>4/30/2019</a:t>
             </a:fld>
             <a:endParaRPr lang="en-US"/>
           </a:p>
@@ -1610,7 +1615,7 @@
           <a:p>
             <a:fld id="{161F4495-BD79-E742-A9B0-C9A49B39EDAA}" type="datetimeFigureOut">
               <a:rPr lang="en-US" smtClean="0"/>
-              <a:t>4/30/19</a:t>
+              <a:t>4/30/2019</a:t>
             </a:fld>
             <a:endParaRPr lang="en-US"/>
           </a:p>
@@ -1728,7 +1733,7 @@
           <a:p>
             <a:fld id="{161F4495-BD79-E742-A9B0-C9A49B39EDAA}" type="datetimeFigureOut">
               <a:rPr lang="en-US" smtClean="0"/>
-              <a:t>4/30/19</a:t>
+              <a:t>4/30/2019</a:t>
             </a:fld>
             <a:endParaRPr lang="en-US"/>
           </a:p>
@@ -1823,7 +1828,7 @@
           <a:p>
             <a:fld id="{161F4495-BD79-E742-A9B0-C9A49B39EDAA}" type="datetimeFigureOut">
               <a:rPr lang="en-US" smtClean="0"/>
-              <a:t>4/30/19</a:t>
+              <a:t>4/30/2019</a:t>
             </a:fld>
             <a:endParaRPr lang="en-US"/>
           </a:p>
@@ -2100,7 +2105,7 @@
           <a:p>
             <a:fld id="{161F4495-BD79-E742-A9B0-C9A49B39EDAA}" type="datetimeFigureOut">
               <a:rPr lang="en-US" smtClean="0"/>
-              <a:t>4/30/19</a:t>
+              <a:t>4/30/2019</a:t>
             </a:fld>
             <a:endParaRPr lang="en-US"/>
           </a:p>
@@ -2357,7 +2362,7 @@
           <a:p>
             <a:fld id="{161F4495-BD79-E742-A9B0-C9A49B39EDAA}" type="datetimeFigureOut">
               <a:rPr lang="en-US" smtClean="0"/>
-              <a:t>4/30/19</a:t>
+              <a:t>4/30/2019</a:t>
             </a:fld>
             <a:endParaRPr lang="en-US"/>
           </a:p>
@@ -2570,7 +2575,7 @@
           <a:p>
             <a:fld id="{161F4495-BD79-E742-A9B0-C9A49B39EDAA}" type="datetimeFigureOut">
               <a:rPr lang="en-US" smtClean="0"/>
-              <a:t>4/30/19</a:t>
+              <a:t>4/30/2019</a:t>
             </a:fld>
             <a:endParaRPr lang="en-US"/>
           </a:p>
@@ -2994,7 +2999,7 @@
                 <a16:creationId xmlns:a16="http://schemas.microsoft.com/office/drawing/2014/main" id="{D2C4BFA1-2075-4901-9E24-E41D1FDD51FD}"/>
               </a:ext>
               <a:ext uri="{C183D7F6-B498-43B3-948B-1728B52AA6E4}">
-                <adec:decorative xmlns:adec="http://schemas.microsoft.com/office/drawing/2017/decorative" val="1"/>
+                <adec:decorative xmlns:adec="http://schemas.microsoft.com/office/drawing/2017/decorative" xmlns="" val="1"/>
               </a:ext>
             </a:extLst>
           </p:cNvPr>
@@ -3025,7 +3030,7 @@
                   <a16:creationId xmlns:a16="http://schemas.microsoft.com/office/drawing/2014/main" id="{985A7375-E3AF-4F5C-85AE-17E8832952CA}"/>
                 </a:ext>
                 <a:ext uri="{C183D7F6-B498-43B3-948B-1728B52AA6E4}">
-                  <adec:decorative xmlns:adec="http://schemas.microsoft.com/office/drawing/2017/decorative" val="1"/>
+                  <adec:decorative xmlns:adec="http://schemas.microsoft.com/office/drawing/2017/decorative" xmlns="" val="1"/>
                 </a:ext>
               </a:extLst>
             </p:cNvPr>
@@ -3066,7 +3071,7 @@
                   <a16:creationId xmlns:a16="http://schemas.microsoft.com/office/drawing/2014/main" id="{F0307F65-8304-4FA8-A841-D4D7625411BE}"/>
                 </a:ext>
                 <a:ext uri="{C183D7F6-B498-43B3-948B-1728B52AA6E4}">
-                  <adec:decorative xmlns:adec="http://schemas.microsoft.com/office/drawing/2017/decorative" val="1"/>
+                  <adec:decorative xmlns:adec="http://schemas.microsoft.com/office/drawing/2017/decorative" xmlns="" val="1"/>
                 </a:ext>
               </a:extLst>
             </p:cNvPr>
@@ -3107,7 +3112,7 @@
                   <a16:creationId xmlns:a16="http://schemas.microsoft.com/office/drawing/2014/main" id="{C8B8394C-136F-4E05-A002-D93A5E79CD50}"/>
                 </a:ext>
                 <a:ext uri="{C183D7F6-B498-43B3-948B-1728B52AA6E4}">
-                  <adec:decorative xmlns:adec="http://schemas.microsoft.com/office/drawing/2017/decorative" val="1"/>
+                  <adec:decorative xmlns:adec="http://schemas.microsoft.com/office/drawing/2017/decorative" xmlns="" val="1"/>
                 </a:ext>
               </a:extLst>
             </p:cNvPr>
@@ -3184,7 +3189,7 @@
                 <a16:creationId xmlns:a16="http://schemas.microsoft.com/office/drawing/2014/main" id="{053FB2EE-284F-4C87-AB3D-BBF87A9FAB97}"/>
               </a:ext>
               <a:ext uri="{C183D7F6-B498-43B3-948B-1728B52AA6E4}">
-                <adec:decorative xmlns:adec="http://schemas.microsoft.com/office/drawing/2017/decorative" val="1"/>
+                <adec:decorative xmlns:adec="http://schemas.microsoft.com/office/drawing/2017/decorative" xmlns="" val="1"/>
               </a:ext>
             </a:extLst>
           </p:cNvPr>
@@ -3847,7 +3852,29 @@
           <a:bodyPr/>
           <a:lstStyle/>
           <a:p>
-            <a:endParaRPr lang="en-US"/>
+            <a:r>
+              <a:rPr lang="en-US" dirty="0" smtClean="0"/>
+              <a:t>Basic overview</a:t>
+            </a:r>
+          </a:p>
+          <a:p>
+            <a:r>
+              <a:rPr lang="en-US" dirty="0" smtClean="0"/>
+              <a:t>Technology</a:t>
+            </a:r>
+          </a:p>
+          <a:p>
+            <a:r>
+              <a:rPr lang="en-US" dirty="0" smtClean="0"/>
+              <a:t>Accomplished</a:t>
+            </a:r>
+            <a:r>
+              <a:rPr lang="en-US" dirty="0" smtClean="0"/>
+              <a:t>/not accomplished</a:t>
+            </a:r>
+          </a:p>
+          <a:p>
+            <a:endParaRPr lang="en-US" dirty="0"/>
           </a:p>
         </p:txBody>
       </p:sp>

--- a/DnDPresentation.pptx
+++ b/DnDPresentation.pptx
@@ -12,7 +12,6 @@
     <p:sldId id="260" r:id="rId6"/>
     <p:sldId id="261" r:id="rId7"/>
     <p:sldId id="262" r:id="rId8"/>
-    <p:sldId id="263" r:id="rId9"/>
   </p:sldIdLst>
   <p:sldSz cx="12192000" cy="6858000"/>
   <p:notesSz cx="6858000" cy="9144000"/>
@@ -112,6 +111,3010 @@
     </a:lvl9pPr>
   </p:defaultTextStyle>
 </p:presentation>
+</file>
+
+<file path=ppt/diagrams/colors1.xml><?xml version="1.0" encoding="utf-8"?>
+<dgm:colorsDef xmlns:dgm="http://schemas.openxmlformats.org/drawingml/2006/diagram" xmlns:a="http://schemas.openxmlformats.org/drawingml/2006/main" uniqueId="urn:microsoft.com/office/officeart/2005/8/colors/colorful2">
+  <dgm:title val=""/>
+  <dgm:desc val=""/>
+  <dgm:catLst>
+    <dgm:cat type="colorful" pri="10200"/>
+  </dgm:catLst>
+  <dgm:styleLbl name="node0">
+    <dgm:fillClrLst meth="repeat">
+      <a:schemeClr val="accent1"/>
+    </dgm:fillClrLst>
+    <dgm:linClrLst meth="repeat">
+      <a:schemeClr val="lt1"/>
+    </dgm:linClrLst>
+    <dgm:effectClrLst/>
+    <dgm:txLinClrLst/>
+    <dgm:txFillClrLst/>
+    <dgm:txEffectClrLst/>
+  </dgm:styleLbl>
+  <dgm:styleLbl name="node1">
+    <dgm:fillClrLst>
+      <a:schemeClr val="accent2"/>
+      <a:schemeClr val="accent3"/>
+    </dgm:fillClrLst>
+    <dgm:linClrLst meth="repeat">
+      <a:schemeClr val="lt1"/>
+    </dgm:linClrLst>
+    <dgm:effectClrLst/>
+    <dgm:txLinClrLst/>
+    <dgm:txFillClrLst/>
+    <dgm:txEffectClrLst/>
+  </dgm:styleLbl>
+  <dgm:styleLbl name="alignNode1">
+    <dgm:fillClrLst>
+      <a:schemeClr val="accent2"/>
+      <a:schemeClr val="accent3"/>
+    </dgm:fillClrLst>
+    <dgm:linClrLst>
+      <a:schemeClr val="accent2"/>
+      <a:schemeClr val="accent3"/>
+    </dgm:linClrLst>
+    <dgm:effectClrLst/>
+    <dgm:txLinClrLst/>
+    <dgm:txFillClrLst/>
+    <dgm:txEffectClrLst/>
+  </dgm:styleLbl>
+  <dgm:styleLbl name="lnNode1">
+    <dgm:fillClrLst>
+      <a:schemeClr val="accent2"/>
+      <a:schemeClr val="accent3"/>
+    </dgm:fillClrLst>
+    <dgm:linClrLst meth="repeat">
+      <a:schemeClr val="lt1"/>
+    </dgm:linClrLst>
+    <dgm:effectClrLst/>
+    <dgm:txLinClrLst/>
+    <dgm:txFillClrLst/>
+    <dgm:txEffectClrLst/>
+  </dgm:styleLbl>
+  <dgm:styleLbl name="vennNode1">
+    <dgm:fillClrLst>
+      <a:schemeClr val="accent2">
+        <a:alpha val="50000"/>
+      </a:schemeClr>
+      <a:schemeClr val="accent3">
+        <a:alpha val="50000"/>
+      </a:schemeClr>
+    </dgm:fillClrLst>
+    <dgm:linClrLst meth="repeat">
+      <a:schemeClr val="lt1"/>
+    </dgm:linClrLst>
+    <dgm:effectClrLst/>
+    <dgm:txLinClrLst/>
+    <dgm:txFillClrLst/>
+    <dgm:txEffectClrLst/>
+  </dgm:styleLbl>
+  <dgm:styleLbl name="node2">
+    <dgm:fillClrLst>
+      <a:schemeClr val="accent3"/>
+    </dgm:fillClrLst>
+    <dgm:linClrLst meth="repeat">
+      <a:schemeClr val="lt1"/>
+    </dgm:linClrLst>
+    <dgm:effectClrLst/>
+    <dgm:txLinClrLst/>
+    <dgm:txFillClrLst/>
+    <dgm:txEffectClrLst/>
+  </dgm:styleLbl>
+  <dgm:styleLbl name="node3">
+    <dgm:fillClrLst>
+      <a:schemeClr val="accent4"/>
+    </dgm:fillClrLst>
+    <dgm:linClrLst meth="repeat">
+      <a:schemeClr val="lt1"/>
+    </dgm:linClrLst>
+    <dgm:effectClrLst/>
+    <dgm:txLinClrLst/>
+    <dgm:txFillClrLst/>
+    <dgm:txEffectClrLst/>
+  </dgm:styleLbl>
+  <dgm:styleLbl name="node4">
+    <dgm:fillClrLst>
+      <a:schemeClr val="accent5"/>
+    </dgm:fillClrLst>
+    <dgm:linClrLst meth="repeat">
+      <a:schemeClr val="lt1"/>
+    </dgm:linClrLst>
+    <dgm:effectClrLst/>
+    <dgm:txLinClrLst/>
+    <dgm:txFillClrLst/>
+    <dgm:txEffectClrLst/>
+  </dgm:styleLbl>
+  <dgm:styleLbl name="fgImgPlace1">
+    <dgm:fillClrLst>
+      <a:schemeClr val="accent2">
+        <a:tint val="50000"/>
+      </a:schemeClr>
+      <a:schemeClr val="accent3">
+        <a:tint val="50000"/>
+      </a:schemeClr>
+    </dgm:fillClrLst>
+    <dgm:linClrLst meth="repeat">
+      <a:schemeClr val="lt1"/>
+    </dgm:linClrLst>
+    <dgm:effectClrLst/>
+    <dgm:txLinClrLst/>
+    <dgm:txFillClrLst meth="repeat">
+      <a:schemeClr val="lt1"/>
+    </dgm:txFillClrLst>
+    <dgm:txEffectClrLst/>
+  </dgm:styleLbl>
+  <dgm:styleLbl name="alignImgPlace1">
+    <dgm:fillClrLst>
+      <a:schemeClr val="accent2">
+        <a:tint val="50000"/>
+      </a:schemeClr>
+      <a:schemeClr val="accent3">
+        <a:tint val="20000"/>
+      </a:schemeClr>
+    </dgm:fillClrLst>
+    <dgm:linClrLst meth="repeat">
+      <a:schemeClr val="lt1"/>
+    </dgm:linClrLst>
+    <dgm:effectClrLst/>
+    <dgm:txLinClrLst/>
+    <dgm:txFillClrLst meth="repeat">
+      <a:schemeClr val="lt1"/>
+    </dgm:txFillClrLst>
+    <dgm:txEffectClrLst/>
+  </dgm:styleLbl>
+  <dgm:styleLbl name="bgImgPlace1">
+    <dgm:fillClrLst>
+      <a:schemeClr val="accent2">
+        <a:tint val="50000"/>
+      </a:schemeClr>
+      <a:schemeClr val="accent3">
+        <a:tint val="20000"/>
+      </a:schemeClr>
+    </dgm:fillClrLst>
+    <dgm:linClrLst meth="repeat">
+      <a:schemeClr val="lt1"/>
+    </dgm:linClrLst>
+    <dgm:effectClrLst/>
+    <dgm:txLinClrLst/>
+    <dgm:txFillClrLst meth="repeat">
+      <a:schemeClr val="lt1"/>
+    </dgm:txFillClrLst>
+    <dgm:txEffectClrLst/>
+  </dgm:styleLbl>
+  <dgm:styleLbl name="sibTrans2D1">
+    <dgm:fillClrLst>
+      <a:schemeClr val="accent2"/>
+      <a:schemeClr val="accent3"/>
+    </dgm:fillClrLst>
+    <dgm:linClrLst meth="repeat">
+      <a:schemeClr val="lt1"/>
+    </dgm:linClrLst>
+    <dgm:effectClrLst/>
+    <dgm:txLinClrLst/>
+    <dgm:txFillClrLst/>
+    <dgm:txEffectClrLst/>
+  </dgm:styleLbl>
+  <dgm:styleLbl name="fgSibTrans2D1">
+    <dgm:fillClrLst>
+      <a:schemeClr val="accent2"/>
+      <a:schemeClr val="accent3"/>
+    </dgm:fillClrLst>
+    <dgm:linClrLst meth="repeat">
+      <a:schemeClr val="lt1"/>
+    </dgm:linClrLst>
+    <dgm:effectClrLst/>
+    <dgm:txLinClrLst/>
+    <dgm:txFillClrLst meth="repeat">
+      <a:schemeClr val="lt1"/>
+    </dgm:txFillClrLst>
+    <dgm:txEffectClrLst/>
+  </dgm:styleLbl>
+  <dgm:styleLbl name="bgSibTrans2D1">
+    <dgm:fillClrLst>
+      <a:schemeClr val="accent2"/>
+      <a:schemeClr val="accent3"/>
+    </dgm:fillClrLst>
+    <dgm:linClrLst meth="repeat">
+      <a:schemeClr val="lt1"/>
+    </dgm:linClrLst>
+    <dgm:effectClrLst/>
+    <dgm:txLinClrLst/>
+    <dgm:txFillClrLst meth="repeat">
+      <a:schemeClr val="lt1"/>
+    </dgm:txFillClrLst>
+    <dgm:txEffectClrLst/>
+  </dgm:styleLbl>
+  <dgm:styleLbl name="sibTrans1D1">
+    <dgm:fillClrLst/>
+    <dgm:linClrLst>
+      <a:schemeClr val="accent2"/>
+      <a:schemeClr val="accent3"/>
+    </dgm:linClrLst>
+    <dgm:effectClrLst/>
+    <dgm:txLinClrLst/>
+    <dgm:txFillClrLst meth="repeat">
+      <a:schemeClr val="tx1"/>
+    </dgm:txFillClrLst>
+    <dgm:txEffectClrLst/>
+  </dgm:styleLbl>
+  <dgm:styleLbl name="callout">
+    <dgm:fillClrLst meth="repeat">
+      <a:schemeClr val="accent2"/>
+    </dgm:fillClrLst>
+    <dgm:linClrLst meth="repeat">
+      <a:schemeClr val="accent2">
+        <a:tint val="50000"/>
+      </a:schemeClr>
+    </dgm:linClrLst>
+    <dgm:effectClrLst/>
+    <dgm:txLinClrLst/>
+    <dgm:txFillClrLst meth="repeat">
+      <a:schemeClr val="tx1"/>
+    </dgm:txFillClrLst>
+    <dgm:txEffectClrLst/>
+  </dgm:styleLbl>
+  <dgm:styleLbl name="asst0">
+    <dgm:fillClrLst meth="repeat">
+      <a:schemeClr val="accent2"/>
+    </dgm:fillClrLst>
+    <dgm:linClrLst meth="repeat">
+      <a:schemeClr val="lt1">
+        <a:shade val="80000"/>
+      </a:schemeClr>
+    </dgm:linClrLst>
+    <dgm:effectClrLst/>
+    <dgm:txLinClrLst/>
+    <dgm:txFillClrLst/>
+    <dgm:txEffectClrLst/>
+  </dgm:styleLbl>
+  <dgm:styleLbl name="asst1">
+    <dgm:fillClrLst meth="repeat">
+      <a:schemeClr val="accent3"/>
+    </dgm:fillClrLst>
+    <dgm:linClrLst meth="repeat">
+      <a:schemeClr val="lt1">
+        <a:shade val="80000"/>
+      </a:schemeClr>
+    </dgm:linClrLst>
+    <dgm:effectClrLst/>
+    <dgm:txLinClrLst/>
+    <dgm:txFillClrLst/>
+    <dgm:txEffectClrLst/>
+  </dgm:styleLbl>
+  <dgm:styleLbl name="asst2">
+    <dgm:fillClrLst>
+      <a:schemeClr val="accent4"/>
+    </dgm:fillClrLst>
+    <dgm:linClrLst meth="repeat">
+      <a:schemeClr val="lt1"/>
+    </dgm:linClrLst>
+    <dgm:effectClrLst/>
+    <dgm:txLinClrLst/>
+    <dgm:txFillClrLst/>
+    <dgm:txEffectClrLst/>
+  </dgm:styleLbl>
+  <dgm:styleLbl name="asst3">
+    <dgm:fillClrLst>
+      <a:schemeClr val="accent5"/>
+    </dgm:fillClrLst>
+    <dgm:linClrLst meth="repeat">
+      <a:schemeClr val="lt1"/>
+    </dgm:linClrLst>
+    <dgm:effectClrLst/>
+    <dgm:txLinClrLst/>
+    <dgm:txFillClrLst/>
+    <dgm:txEffectClrLst/>
+  </dgm:styleLbl>
+  <dgm:styleLbl name="asst4">
+    <dgm:fillClrLst>
+      <a:schemeClr val="accent6"/>
+    </dgm:fillClrLst>
+    <dgm:linClrLst meth="repeat">
+      <a:schemeClr val="lt1"/>
+    </dgm:linClrLst>
+    <dgm:effectClrLst/>
+    <dgm:txLinClrLst/>
+    <dgm:txFillClrLst/>
+    <dgm:txEffectClrLst/>
+  </dgm:styleLbl>
+  <dgm:styleLbl name="parChTrans2D1">
+    <dgm:fillClrLst meth="repeat">
+      <a:schemeClr val="accent2"/>
+    </dgm:fillClrLst>
+    <dgm:linClrLst meth="repeat">
+      <a:schemeClr val="lt1"/>
+    </dgm:linClrLst>
+    <dgm:effectClrLst/>
+    <dgm:txLinClrLst/>
+    <dgm:txFillClrLst meth="repeat">
+      <a:schemeClr val="lt1"/>
+    </dgm:txFillClrLst>
+    <dgm:txEffectClrLst/>
+  </dgm:styleLbl>
+  <dgm:styleLbl name="parChTrans2D2">
+    <dgm:fillClrLst meth="repeat">
+      <a:schemeClr val="accent3"/>
+    </dgm:fillClrLst>
+    <dgm:linClrLst meth="repeat">
+      <a:schemeClr val="lt1"/>
+    </dgm:linClrLst>
+    <dgm:effectClrLst/>
+    <dgm:txLinClrLst/>
+    <dgm:txFillClrLst/>
+    <dgm:txEffectClrLst/>
+  </dgm:styleLbl>
+  <dgm:styleLbl name="parChTrans2D3">
+    <dgm:fillClrLst meth="repeat">
+      <a:schemeClr val="accent4"/>
+    </dgm:fillClrLst>
+    <dgm:linClrLst meth="repeat">
+      <a:schemeClr val="lt1"/>
+    </dgm:linClrLst>
+    <dgm:effectClrLst/>
+    <dgm:txLinClrLst/>
+    <dgm:txFillClrLst/>
+    <dgm:txEffectClrLst/>
+  </dgm:styleLbl>
+  <dgm:styleLbl name="parChTrans2D4">
+    <dgm:fillClrLst meth="repeat">
+      <a:schemeClr val="accent5"/>
+    </dgm:fillClrLst>
+    <dgm:linClrLst meth="repeat">
+      <a:schemeClr val="lt1"/>
+    </dgm:linClrLst>
+    <dgm:effectClrLst/>
+    <dgm:txLinClrLst/>
+    <dgm:txFillClrLst meth="repeat">
+      <a:schemeClr val="lt1"/>
+    </dgm:txFillClrLst>
+    <dgm:txEffectClrLst/>
+  </dgm:styleLbl>
+  <dgm:styleLbl name="parChTrans1D1">
+    <dgm:fillClrLst meth="repeat">
+      <a:schemeClr val="accent2"/>
+    </dgm:fillClrLst>
+    <dgm:linClrLst meth="repeat">
+      <a:schemeClr val="accent2"/>
+    </dgm:linClrLst>
+    <dgm:effectClrLst/>
+    <dgm:txLinClrLst/>
+    <dgm:txFillClrLst meth="repeat">
+      <a:schemeClr val="tx1"/>
+    </dgm:txFillClrLst>
+    <dgm:txEffectClrLst/>
+  </dgm:styleLbl>
+  <dgm:styleLbl name="parChTrans1D2">
+    <dgm:fillClrLst meth="repeat">
+      <a:schemeClr val="accent2">
+        <a:tint val="90000"/>
+      </a:schemeClr>
+    </dgm:fillClrLst>
+    <dgm:linClrLst meth="repeat">
+      <a:schemeClr val="accent3"/>
+    </dgm:linClrLst>
+    <dgm:effectClrLst/>
+    <dgm:txLinClrLst/>
+    <dgm:txFillClrLst meth="repeat">
+      <a:schemeClr val="tx1"/>
+    </dgm:txFillClrLst>
+    <dgm:txEffectClrLst/>
+  </dgm:styleLbl>
+  <dgm:styleLbl name="parChTrans1D3">
+    <dgm:fillClrLst meth="repeat">
+      <a:schemeClr val="accent2">
+        <a:tint val="70000"/>
+      </a:schemeClr>
+    </dgm:fillClrLst>
+    <dgm:linClrLst meth="repeat">
+      <a:schemeClr val="accent4"/>
+    </dgm:linClrLst>
+    <dgm:effectClrLst/>
+    <dgm:txLinClrLst/>
+    <dgm:txFillClrLst meth="repeat">
+      <a:schemeClr val="tx1"/>
+    </dgm:txFillClrLst>
+    <dgm:txEffectClrLst/>
+  </dgm:styleLbl>
+  <dgm:styleLbl name="parChTrans1D4">
+    <dgm:fillClrLst meth="repeat">
+      <a:schemeClr val="accent2">
+        <a:tint val="50000"/>
+      </a:schemeClr>
+    </dgm:fillClrLst>
+    <dgm:linClrLst meth="repeat">
+      <a:schemeClr val="accent5"/>
+    </dgm:linClrLst>
+    <dgm:effectClrLst/>
+    <dgm:txLinClrLst/>
+    <dgm:txFillClrLst meth="repeat">
+      <a:schemeClr val="tx1"/>
+    </dgm:txFillClrLst>
+    <dgm:txEffectClrLst/>
+  </dgm:styleLbl>
+  <dgm:styleLbl name="fgAcc1">
+    <dgm:fillClrLst meth="repeat">
+      <a:schemeClr val="lt1">
+        <a:alpha val="90000"/>
+      </a:schemeClr>
+    </dgm:fillClrLst>
+    <dgm:linClrLst>
+      <a:schemeClr val="accent2"/>
+      <a:schemeClr val="accent3"/>
+    </dgm:linClrLst>
+    <dgm:effectClrLst/>
+    <dgm:txLinClrLst/>
+    <dgm:txFillClrLst meth="repeat">
+      <a:schemeClr val="dk1"/>
+    </dgm:txFillClrLst>
+    <dgm:txEffectClrLst/>
+  </dgm:styleLbl>
+  <dgm:styleLbl name="conFgAcc1">
+    <dgm:fillClrLst meth="repeat">
+      <a:schemeClr val="lt1">
+        <a:alpha val="90000"/>
+      </a:schemeClr>
+    </dgm:fillClrLst>
+    <dgm:linClrLst>
+      <a:schemeClr val="accent2"/>
+      <a:schemeClr val="accent3"/>
+    </dgm:linClrLst>
+    <dgm:effectClrLst/>
+    <dgm:txLinClrLst/>
+    <dgm:txFillClrLst meth="repeat">
+      <a:schemeClr val="dk1"/>
+    </dgm:txFillClrLst>
+    <dgm:txEffectClrLst/>
+  </dgm:styleLbl>
+  <dgm:styleLbl name="alignAcc1">
+    <dgm:fillClrLst meth="repeat">
+      <a:schemeClr val="lt1">
+        <a:alpha val="90000"/>
+      </a:schemeClr>
+    </dgm:fillClrLst>
+    <dgm:linClrLst>
+      <a:schemeClr val="accent2"/>
+      <a:schemeClr val="accent3"/>
+    </dgm:linClrLst>
+    <dgm:effectClrLst/>
+    <dgm:txLinClrLst/>
+    <dgm:txFillClrLst meth="repeat">
+      <a:schemeClr val="dk1"/>
+    </dgm:txFillClrLst>
+    <dgm:txEffectClrLst/>
+  </dgm:styleLbl>
+  <dgm:styleLbl name="trAlignAcc1">
+    <dgm:fillClrLst meth="repeat">
+      <a:schemeClr val="lt1">
+        <a:alpha val="40000"/>
+      </a:schemeClr>
+    </dgm:fillClrLst>
+    <dgm:linClrLst meth="repeat">
+      <a:schemeClr val="accent2"/>
+    </dgm:linClrLst>
+    <dgm:effectClrLst/>
+    <dgm:txLinClrLst/>
+    <dgm:txFillClrLst meth="repeat">
+      <a:schemeClr val="dk1"/>
+    </dgm:txFillClrLst>
+    <dgm:txEffectClrLst/>
+  </dgm:styleLbl>
+  <dgm:styleLbl name="bgAcc1">
+    <dgm:fillClrLst meth="repeat">
+      <a:schemeClr val="lt1">
+        <a:alpha val="90000"/>
+      </a:schemeClr>
+    </dgm:fillClrLst>
+    <dgm:linClrLst>
+      <a:schemeClr val="accent2"/>
+      <a:schemeClr val="accent3"/>
+    </dgm:linClrLst>
+    <dgm:effectClrLst/>
+    <dgm:txLinClrLst/>
+    <dgm:txFillClrLst meth="repeat">
+      <a:schemeClr val="dk1"/>
+    </dgm:txFillClrLst>
+    <dgm:txEffectClrLst/>
+  </dgm:styleLbl>
+  <dgm:styleLbl name="solidFgAcc1">
+    <dgm:fillClrLst meth="repeat">
+      <a:schemeClr val="lt1"/>
+    </dgm:fillClrLst>
+    <dgm:linClrLst>
+      <a:schemeClr val="accent2"/>
+      <a:schemeClr val="accent3"/>
+    </dgm:linClrLst>
+    <dgm:effectClrLst/>
+    <dgm:txLinClrLst/>
+    <dgm:txFillClrLst meth="repeat">
+      <a:schemeClr val="dk1"/>
+    </dgm:txFillClrLst>
+    <dgm:txEffectClrLst/>
+  </dgm:styleLbl>
+  <dgm:styleLbl name="solidAlignAcc1">
+    <dgm:fillClrLst meth="repeat">
+      <a:schemeClr val="lt1"/>
+    </dgm:fillClrLst>
+    <dgm:linClrLst>
+      <a:schemeClr val="accent2"/>
+      <a:schemeClr val="accent3"/>
+    </dgm:linClrLst>
+    <dgm:effectClrLst/>
+    <dgm:txLinClrLst/>
+    <dgm:txFillClrLst meth="repeat">
+      <a:schemeClr val="dk1"/>
+    </dgm:txFillClrLst>
+    <dgm:txEffectClrLst/>
+  </dgm:styleLbl>
+  <dgm:styleLbl name="solidBgAcc1">
+    <dgm:fillClrLst meth="repeat">
+      <a:schemeClr val="lt1"/>
+    </dgm:fillClrLst>
+    <dgm:linClrLst>
+      <a:schemeClr val="accent2"/>
+      <a:schemeClr val="accent3"/>
+    </dgm:linClrLst>
+    <dgm:effectClrLst/>
+    <dgm:txLinClrLst/>
+    <dgm:txFillClrLst meth="repeat">
+      <a:schemeClr val="dk1"/>
+    </dgm:txFillClrLst>
+    <dgm:txEffectClrLst/>
+  </dgm:styleLbl>
+  <dgm:styleLbl name="fgAccFollowNode1">
+    <dgm:fillClrLst>
+      <a:schemeClr val="accent2">
+        <a:tint val="40000"/>
+        <a:alpha val="90000"/>
+      </a:schemeClr>
+      <a:schemeClr val="accent3">
+        <a:tint val="40000"/>
+        <a:alpha val="90000"/>
+      </a:schemeClr>
+    </dgm:fillClrLst>
+    <dgm:linClrLst>
+      <a:schemeClr val="accent2">
+        <a:tint val="40000"/>
+        <a:alpha val="90000"/>
+      </a:schemeClr>
+      <a:schemeClr val="accent3">
+        <a:tint val="40000"/>
+        <a:alpha val="90000"/>
+      </a:schemeClr>
+    </dgm:linClrLst>
+    <dgm:effectClrLst/>
+    <dgm:txLinClrLst/>
+    <dgm:txFillClrLst meth="repeat">
+      <a:schemeClr val="dk1"/>
+    </dgm:txFillClrLst>
+    <dgm:txEffectClrLst/>
+  </dgm:styleLbl>
+  <dgm:styleLbl name="alignAccFollowNode1">
+    <dgm:fillClrLst>
+      <a:schemeClr val="accent2">
+        <a:tint val="40000"/>
+        <a:alpha val="90000"/>
+      </a:schemeClr>
+      <a:schemeClr val="accent3">
+        <a:tint val="40000"/>
+        <a:alpha val="90000"/>
+      </a:schemeClr>
+    </dgm:fillClrLst>
+    <dgm:linClrLst>
+      <a:schemeClr val="accent2">
+        <a:tint val="40000"/>
+        <a:alpha val="90000"/>
+      </a:schemeClr>
+      <a:schemeClr val="accent3">
+        <a:tint val="40000"/>
+        <a:alpha val="90000"/>
+      </a:schemeClr>
+    </dgm:linClrLst>
+    <dgm:effectClrLst/>
+    <dgm:txLinClrLst/>
+    <dgm:txFillClrLst meth="repeat">
+      <a:schemeClr val="dk1"/>
+    </dgm:txFillClrLst>
+    <dgm:txEffectClrLst/>
+  </dgm:styleLbl>
+  <dgm:styleLbl name="bgAccFollowNode1">
+    <dgm:fillClrLst>
+      <a:schemeClr val="accent2">
+        <a:tint val="40000"/>
+        <a:alpha val="90000"/>
+      </a:schemeClr>
+      <a:schemeClr val="accent3">
+        <a:tint val="40000"/>
+        <a:alpha val="90000"/>
+      </a:schemeClr>
+    </dgm:fillClrLst>
+    <dgm:linClrLst>
+      <a:schemeClr val="accent2">
+        <a:tint val="40000"/>
+        <a:alpha val="90000"/>
+      </a:schemeClr>
+      <a:schemeClr val="accent3">
+        <a:tint val="40000"/>
+        <a:alpha val="90000"/>
+      </a:schemeClr>
+    </dgm:linClrLst>
+    <dgm:effectClrLst/>
+    <dgm:txLinClrLst/>
+    <dgm:txFillClrLst meth="repeat">
+      <a:schemeClr val="dk1"/>
+    </dgm:txFillClrLst>
+    <dgm:txEffectClrLst/>
+  </dgm:styleLbl>
+  <dgm:styleLbl name="fgAcc0">
+    <dgm:fillClrLst meth="repeat">
+      <a:schemeClr val="lt1">
+        <a:alpha val="90000"/>
+      </a:schemeClr>
+    </dgm:fillClrLst>
+    <dgm:linClrLst>
+      <a:schemeClr val="accent1"/>
+    </dgm:linClrLst>
+    <dgm:effectClrLst/>
+    <dgm:txLinClrLst/>
+    <dgm:txFillClrLst meth="repeat">
+      <a:schemeClr val="dk1"/>
+    </dgm:txFillClrLst>
+    <dgm:txEffectClrLst/>
+  </dgm:styleLbl>
+  <dgm:styleLbl name="fgAcc2">
+    <dgm:fillClrLst meth="repeat">
+      <a:schemeClr val="lt1">
+        <a:alpha val="90000"/>
+      </a:schemeClr>
+    </dgm:fillClrLst>
+    <dgm:linClrLst>
+      <a:schemeClr val="accent3"/>
+    </dgm:linClrLst>
+    <dgm:effectClrLst/>
+    <dgm:txLinClrLst/>
+    <dgm:txFillClrLst meth="repeat">
+      <a:schemeClr val="dk1"/>
+    </dgm:txFillClrLst>
+    <dgm:txEffectClrLst/>
+  </dgm:styleLbl>
+  <dgm:styleLbl name="fgAcc3">
+    <dgm:fillClrLst meth="repeat">
+      <a:schemeClr val="lt1">
+        <a:alpha val="90000"/>
+      </a:schemeClr>
+    </dgm:fillClrLst>
+    <dgm:linClrLst>
+      <a:schemeClr val="accent4"/>
+    </dgm:linClrLst>
+    <dgm:effectClrLst/>
+    <dgm:txLinClrLst/>
+    <dgm:txFillClrLst meth="repeat">
+      <a:schemeClr val="dk1"/>
+    </dgm:txFillClrLst>
+    <dgm:txEffectClrLst/>
+  </dgm:styleLbl>
+  <dgm:styleLbl name="fgAcc4">
+    <dgm:fillClrLst meth="repeat">
+      <a:schemeClr val="lt1">
+        <a:alpha val="90000"/>
+      </a:schemeClr>
+    </dgm:fillClrLst>
+    <dgm:linClrLst>
+      <a:schemeClr val="accent5"/>
+    </dgm:linClrLst>
+    <dgm:effectClrLst/>
+    <dgm:txLinClrLst/>
+    <dgm:txFillClrLst meth="repeat">
+      <a:schemeClr val="dk1"/>
+    </dgm:txFillClrLst>
+    <dgm:txEffectClrLst/>
+  </dgm:styleLbl>
+  <dgm:styleLbl name="bgShp">
+    <dgm:fillClrLst meth="repeat">
+      <a:schemeClr val="accent2">
+        <a:tint val="40000"/>
+      </a:schemeClr>
+    </dgm:fillClrLst>
+    <dgm:linClrLst meth="repeat">
+      <a:schemeClr val="dk1"/>
+    </dgm:linClrLst>
+    <dgm:effectClrLst/>
+    <dgm:txLinClrLst/>
+    <dgm:txFillClrLst meth="repeat">
+      <a:schemeClr val="dk1"/>
+    </dgm:txFillClrLst>
+    <dgm:txEffectClrLst/>
+  </dgm:styleLbl>
+  <dgm:styleLbl name="dkBgShp">
+    <dgm:fillClrLst meth="repeat">
+      <a:schemeClr val="accent2">
+        <a:shade val="90000"/>
+      </a:schemeClr>
+    </dgm:fillClrLst>
+    <dgm:linClrLst meth="repeat">
+      <a:schemeClr val="dk1"/>
+    </dgm:linClrLst>
+    <dgm:effectClrLst/>
+    <dgm:txLinClrLst/>
+    <dgm:txFillClrLst meth="repeat">
+      <a:schemeClr val="lt1"/>
+    </dgm:txFillClrLst>
+    <dgm:txEffectClrLst/>
+  </dgm:styleLbl>
+  <dgm:styleLbl name="trBgShp">
+    <dgm:fillClrLst meth="repeat">
+      <a:schemeClr val="accent2">
+        <a:tint val="50000"/>
+        <a:alpha val="40000"/>
+      </a:schemeClr>
+    </dgm:fillClrLst>
+    <dgm:linClrLst meth="repeat">
+      <a:schemeClr val="accent2"/>
+    </dgm:linClrLst>
+    <dgm:effectClrLst/>
+    <dgm:txLinClrLst/>
+    <dgm:txFillClrLst meth="repeat">
+      <a:schemeClr val="lt1"/>
+    </dgm:txFillClrLst>
+    <dgm:txEffectClrLst/>
+  </dgm:styleLbl>
+  <dgm:styleLbl name="fgShp">
+    <dgm:fillClrLst meth="repeat">
+      <a:schemeClr val="accent2">
+        <a:tint val="40000"/>
+      </a:schemeClr>
+    </dgm:fillClrLst>
+    <dgm:linClrLst meth="repeat">
+      <a:schemeClr val="lt1"/>
+    </dgm:linClrLst>
+    <dgm:effectClrLst/>
+    <dgm:txLinClrLst/>
+    <dgm:txFillClrLst meth="repeat">
+      <a:schemeClr val="dk1"/>
+    </dgm:txFillClrLst>
+    <dgm:txEffectClrLst/>
+  </dgm:styleLbl>
+  <dgm:styleLbl name="revTx">
+    <dgm:fillClrLst meth="repeat">
+      <a:schemeClr val="lt1">
+        <a:alpha val="0"/>
+      </a:schemeClr>
+    </dgm:fillClrLst>
+    <dgm:linClrLst meth="repeat">
+      <a:schemeClr val="dk1">
+        <a:alpha val="0"/>
+      </a:schemeClr>
+    </dgm:linClrLst>
+    <dgm:effectClrLst/>
+    <dgm:txLinClrLst/>
+    <dgm:txFillClrLst meth="repeat">
+      <a:schemeClr val="tx1"/>
+    </dgm:txFillClrLst>
+    <dgm:txEffectClrLst/>
+  </dgm:styleLbl>
+</dgm:colorsDef>
+</file>
+
+<file path=ppt/diagrams/data1.xml><?xml version="1.0" encoding="utf-8"?>
+<dgm:dataModel xmlns:dgm="http://schemas.openxmlformats.org/drawingml/2006/diagram" xmlns:a="http://schemas.openxmlformats.org/drawingml/2006/main">
+  <dgm:ptLst>
+    <dgm:pt modelId="{F3B25AA1-CD04-490B-BD9F-5324DE695098}" type="doc">
+      <dgm:prSet loTypeId="urn:microsoft.com/office/officeart/2008/layout/LinedList" loCatId="list" qsTypeId="urn:microsoft.com/office/officeart/2005/8/quickstyle/simple1" qsCatId="simple" csTypeId="urn:microsoft.com/office/officeart/2005/8/colors/colorful2" csCatId="colorful" phldr="1"/>
+      <dgm:spPr/>
+      <dgm:t>
+        <a:bodyPr/>
+        <a:lstStyle/>
+        <a:p>
+          <a:endParaRPr lang="en-US"/>
+        </a:p>
+      </dgm:t>
+    </dgm:pt>
+    <dgm:pt modelId="{E64DA6DE-15C4-49DC-B537-406D1C73F5A4}">
+      <dgm:prSet/>
+      <dgm:spPr/>
+      <dgm:t>
+        <a:bodyPr/>
+        <a:lstStyle/>
+        <a:p>
+          <a:r>
+            <a:rPr lang="en-US" dirty="0"/>
+            <a:t>Chris did the Class portion, the overall Character class, and leveling up</a:t>
+          </a:r>
+        </a:p>
+      </dgm:t>
+    </dgm:pt>
+    <dgm:pt modelId="{0D9F6A2A-B593-4AD6-82BD-5D55E3F0D4E6}" type="parTrans" cxnId="{028EE4DB-BF86-4C48-9D8B-D8203CCB08BA}">
+      <dgm:prSet/>
+      <dgm:spPr/>
+      <dgm:t>
+        <a:bodyPr/>
+        <a:lstStyle/>
+        <a:p>
+          <a:endParaRPr lang="en-US"/>
+        </a:p>
+      </dgm:t>
+    </dgm:pt>
+    <dgm:pt modelId="{3EDB7FAD-F292-4D43-944B-F7DC8924AD99}" type="sibTrans" cxnId="{028EE4DB-BF86-4C48-9D8B-D8203CCB08BA}">
+      <dgm:prSet/>
+      <dgm:spPr/>
+      <dgm:t>
+        <a:bodyPr/>
+        <a:lstStyle/>
+        <a:p>
+          <a:endParaRPr lang="en-US"/>
+        </a:p>
+      </dgm:t>
+    </dgm:pt>
+    <dgm:pt modelId="{E6A65F7E-A4A2-4E18-9868-C9AA74278F26}">
+      <dgm:prSet/>
+      <dgm:spPr/>
+      <dgm:t>
+        <a:bodyPr/>
+        <a:lstStyle/>
+        <a:p>
+          <a:r>
+            <a:rPr lang="en-US" dirty="0"/>
+            <a:t>Dylan did the Race portion and languages</a:t>
+          </a:r>
+        </a:p>
+      </dgm:t>
+    </dgm:pt>
+    <dgm:pt modelId="{D86CC82D-04E5-45C1-8EDF-FD1974B30503}" type="parTrans" cxnId="{A725D9B1-3030-4517-A20E-8D61AA02E9CD}">
+      <dgm:prSet/>
+      <dgm:spPr/>
+      <dgm:t>
+        <a:bodyPr/>
+        <a:lstStyle/>
+        <a:p>
+          <a:endParaRPr lang="en-US"/>
+        </a:p>
+      </dgm:t>
+    </dgm:pt>
+    <dgm:pt modelId="{36454640-7FDF-484E-A2E4-0B626CD524CC}" type="sibTrans" cxnId="{A725D9B1-3030-4517-A20E-8D61AA02E9CD}">
+      <dgm:prSet/>
+      <dgm:spPr/>
+      <dgm:t>
+        <a:bodyPr/>
+        <a:lstStyle/>
+        <a:p>
+          <a:endParaRPr lang="en-US"/>
+        </a:p>
+      </dgm:t>
+    </dgm:pt>
+    <dgm:pt modelId="{87565053-DBDB-46EF-AA44-A79454BC75DF}">
+      <dgm:prSet/>
+      <dgm:spPr/>
+      <dgm:t>
+        <a:bodyPr/>
+        <a:lstStyle/>
+        <a:p>
+          <a:r>
+            <a:rPr lang="en-US" dirty="0"/>
+            <a:t>Catherine did the Equipment portion, design, and validation</a:t>
+          </a:r>
+        </a:p>
+      </dgm:t>
+    </dgm:pt>
+    <dgm:pt modelId="{AEF355F7-3E03-4464-A0D2-D7F7100AB504}" type="parTrans" cxnId="{3318AB23-C345-4AF4-A53E-C3328B586487}">
+      <dgm:prSet/>
+      <dgm:spPr/>
+      <dgm:t>
+        <a:bodyPr/>
+        <a:lstStyle/>
+        <a:p>
+          <a:endParaRPr lang="en-US"/>
+        </a:p>
+      </dgm:t>
+    </dgm:pt>
+    <dgm:pt modelId="{49FC1CCD-F732-424F-A6D2-1D0639D57AC4}" type="sibTrans" cxnId="{3318AB23-C345-4AF4-A53E-C3328B586487}">
+      <dgm:prSet/>
+      <dgm:spPr/>
+      <dgm:t>
+        <a:bodyPr/>
+        <a:lstStyle/>
+        <a:p>
+          <a:endParaRPr lang="en-US"/>
+        </a:p>
+      </dgm:t>
+    </dgm:pt>
+    <dgm:pt modelId="{F741FF63-0F93-4D8F-942F-21703C8EB748}">
+      <dgm:prSet/>
+      <dgm:spPr/>
+      <dgm:t>
+        <a:bodyPr/>
+        <a:lstStyle/>
+        <a:p>
+          <a:r>
+            <a:rPr lang="en-US" dirty="0"/>
+            <a:t>Jack did the Background portion, Skills, PDF filling, and loading from PDF</a:t>
+          </a:r>
+        </a:p>
+      </dgm:t>
+    </dgm:pt>
+    <dgm:pt modelId="{D0894F47-0F01-4304-A990-3011304259B8}" type="parTrans" cxnId="{04BD4154-C298-4B14-B015-77A2C7CD12A5}">
+      <dgm:prSet/>
+      <dgm:spPr/>
+      <dgm:t>
+        <a:bodyPr/>
+        <a:lstStyle/>
+        <a:p>
+          <a:endParaRPr lang="en-US"/>
+        </a:p>
+      </dgm:t>
+    </dgm:pt>
+    <dgm:pt modelId="{29A92DEB-FA86-46E3-B868-9B326C109A30}" type="sibTrans" cxnId="{04BD4154-C298-4B14-B015-77A2C7CD12A5}">
+      <dgm:prSet/>
+      <dgm:spPr/>
+      <dgm:t>
+        <a:bodyPr/>
+        <a:lstStyle/>
+        <a:p>
+          <a:endParaRPr lang="en-US"/>
+        </a:p>
+      </dgm:t>
+    </dgm:pt>
+    <dgm:pt modelId="{9FFAEB4A-6C49-7141-A566-16B424C186DC}" type="pres">
+      <dgm:prSet presAssocID="{F3B25AA1-CD04-490B-BD9F-5324DE695098}" presName="vert0" presStyleCnt="0">
+        <dgm:presLayoutVars>
+          <dgm:dir/>
+          <dgm:animOne val="branch"/>
+          <dgm:animLvl val="lvl"/>
+        </dgm:presLayoutVars>
+      </dgm:prSet>
+      <dgm:spPr/>
+    </dgm:pt>
+    <dgm:pt modelId="{00B57CD0-4814-9F41-9033-C75796539023}" type="pres">
+      <dgm:prSet presAssocID="{E64DA6DE-15C4-49DC-B537-406D1C73F5A4}" presName="thickLine" presStyleLbl="alignNode1" presStyleIdx="0" presStyleCnt="4"/>
+      <dgm:spPr/>
+    </dgm:pt>
+    <dgm:pt modelId="{F25F1738-F4F7-B843-8038-C989D3437B0D}" type="pres">
+      <dgm:prSet presAssocID="{E64DA6DE-15C4-49DC-B537-406D1C73F5A4}" presName="horz1" presStyleCnt="0"/>
+      <dgm:spPr/>
+    </dgm:pt>
+    <dgm:pt modelId="{AF02F712-2429-7D4A-877B-37EE6A042FA8}" type="pres">
+      <dgm:prSet presAssocID="{E64DA6DE-15C4-49DC-B537-406D1C73F5A4}" presName="tx1" presStyleLbl="revTx" presStyleIdx="0" presStyleCnt="4"/>
+      <dgm:spPr/>
+    </dgm:pt>
+    <dgm:pt modelId="{3226415B-5ECD-E74C-8C72-9FBA265200CD}" type="pres">
+      <dgm:prSet presAssocID="{E64DA6DE-15C4-49DC-B537-406D1C73F5A4}" presName="vert1" presStyleCnt="0"/>
+      <dgm:spPr/>
+    </dgm:pt>
+    <dgm:pt modelId="{DACC38BB-5D1A-554A-B51E-E5E0D7251A51}" type="pres">
+      <dgm:prSet presAssocID="{E6A65F7E-A4A2-4E18-9868-C9AA74278F26}" presName="thickLine" presStyleLbl="alignNode1" presStyleIdx="1" presStyleCnt="4"/>
+      <dgm:spPr/>
+    </dgm:pt>
+    <dgm:pt modelId="{5C45A5C1-450C-BC4A-8DCF-E102A68BB20D}" type="pres">
+      <dgm:prSet presAssocID="{E6A65F7E-A4A2-4E18-9868-C9AA74278F26}" presName="horz1" presStyleCnt="0"/>
+      <dgm:spPr/>
+    </dgm:pt>
+    <dgm:pt modelId="{3E05C64A-90F3-7C4A-9DF3-AC7B30A48B94}" type="pres">
+      <dgm:prSet presAssocID="{E6A65F7E-A4A2-4E18-9868-C9AA74278F26}" presName="tx1" presStyleLbl="revTx" presStyleIdx="1" presStyleCnt="4"/>
+      <dgm:spPr/>
+    </dgm:pt>
+    <dgm:pt modelId="{36515B35-3162-D14C-8987-0BCEF0C0518F}" type="pres">
+      <dgm:prSet presAssocID="{E6A65F7E-A4A2-4E18-9868-C9AA74278F26}" presName="vert1" presStyleCnt="0"/>
+      <dgm:spPr/>
+    </dgm:pt>
+    <dgm:pt modelId="{751768AB-E74F-8048-AFF3-2E14AD7E742D}" type="pres">
+      <dgm:prSet presAssocID="{87565053-DBDB-46EF-AA44-A79454BC75DF}" presName="thickLine" presStyleLbl="alignNode1" presStyleIdx="2" presStyleCnt="4"/>
+      <dgm:spPr/>
+    </dgm:pt>
+    <dgm:pt modelId="{9B857B36-4533-B345-AF8E-7B8465AE8D2C}" type="pres">
+      <dgm:prSet presAssocID="{87565053-DBDB-46EF-AA44-A79454BC75DF}" presName="horz1" presStyleCnt="0"/>
+      <dgm:spPr/>
+    </dgm:pt>
+    <dgm:pt modelId="{0253A16D-357C-D54A-A3F5-8FDB8B19AAA0}" type="pres">
+      <dgm:prSet presAssocID="{87565053-DBDB-46EF-AA44-A79454BC75DF}" presName="tx1" presStyleLbl="revTx" presStyleIdx="2" presStyleCnt="4"/>
+      <dgm:spPr/>
+    </dgm:pt>
+    <dgm:pt modelId="{D8183B97-F1AE-FD42-8460-BB9212B23196}" type="pres">
+      <dgm:prSet presAssocID="{87565053-DBDB-46EF-AA44-A79454BC75DF}" presName="vert1" presStyleCnt="0"/>
+      <dgm:spPr/>
+    </dgm:pt>
+    <dgm:pt modelId="{BDD30803-BBF9-3E44-B026-9649BF78C772}" type="pres">
+      <dgm:prSet presAssocID="{F741FF63-0F93-4D8F-942F-21703C8EB748}" presName="thickLine" presStyleLbl="alignNode1" presStyleIdx="3" presStyleCnt="4"/>
+      <dgm:spPr/>
+    </dgm:pt>
+    <dgm:pt modelId="{D0D6F0AC-6B6C-4D47-BD40-BD9F37F978B5}" type="pres">
+      <dgm:prSet presAssocID="{F741FF63-0F93-4D8F-942F-21703C8EB748}" presName="horz1" presStyleCnt="0"/>
+      <dgm:spPr/>
+    </dgm:pt>
+    <dgm:pt modelId="{E5B1A149-057A-8541-924B-F7997D7222C8}" type="pres">
+      <dgm:prSet presAssocID="{F741FF63-0F93-4D8F-942F-21703C8EB748}" presName="tx1" presStyleLbl="revTx" presStyleIdx="3" presStyleCnt="4"/>
+      <dgm:spPr/>
+    </dgm:pt>
+    <dgm:pt modelId="{65543C68-EC4A-E047-AC7C-56AF4B8A8775}" type="pres">
+      <dgm:prSet presAssocID="{F741FF63-0F93-4D8F-942F-21703C8EB748}" presName="vert1" presStyleCnt="0"/>
+      <dgm:spPr/>
+    </dgm:pt>
+  </dgm:ptLst>
+  <dgm:cxnLst>
+    <dgm:cxn modelId="{7CC01D06-21F1-C449-9EDE-1CD1E3218FD6}" type="presOf" srcId="{F3B25AA1-CD04-490B-BD9F-5324DE695098}" destId="{9FFAEB4A-6C49-7141-A566-16B424C186DC}" srcOrd="0" destOrd="0" presId="urn:microsoft.com/office/officeart/2008/layout/LinedList"/>
+    <dgm:cxn modelId="{3318AB23-C345-4AF4-A53E-C3328B586487}" srcId="{F3B25AA1-CD04-490B-BD9F-5324DE695098}" destId="{87565053-DBDB-46EF-AA44-A79454BC75DF}" srcOrd="2" destOrd="0" parTransId="{AEF355F7-3E03-4464-A0D2-D7F7100AB504}" sibTransId="{49FC1CCD-F732-424F-A6D2-1D0639D57AC4}"/>
+    <dgm:cxn modelId="{04BD4154-C298-4B14-B015-77A2C7CD12A5}" srcId="{F3B25AA1-CD04-490B-BD9F-5324DE695098}" destId="{F741FF63-0F93-4D8F-942F-21703C8EB748}" srcOrd="3" destOrd="0" parTransId="{D0894F47-0F01-4304-A990-3011304259B8}" sibTransId="{29A92DEB-FA86-46E3-B868-9B326C109A30}"/>
+    <dgm:cxn modelId="{1959055D-9177-A04C-A5C3-9351F60E2DF3}" type="presOf" srcId="{E64DA6DE-15C4-49DC-B537-406D1C73F5A4}" destId="{AF02F712-2429-7D4A-877B-37EE6A042FA8}" srcOrd="0" destOrd="0" presId="urn:microsoft.com/office/officeart/2008/layout/LinedList"/>
+    <dgm:cxn modelId="{54387C8D-24BB-E54E-9962-A2AE7E2B4363}" type="presOf" srcId="{87565053-DBDB-46EF-AA44-A79454BC75DF}" destId="{0253A16D-357C-D54A-A3F5-8FDB8B19AAA0}" srcOrd="0" destOrd="0" presId="urn:microsoft.com/office/officeart/2008/layout/LinedList"/>
+    <dgm:cxn modelId="{A725D9B1-3030-4517-A20E-8D61AA02E9CD}" srcId="{F3B25AA1-CD04-490B-BD9F-5324DE695098}" destId="{E6A65F7E-A4A2-4E18-9868-C9AA74278F26}" srcOrd="1" destOrd="0" parTransId="{D86CC82D-04E5-45C1-8EDF-FD1974B30503}" sibTransId="{36454640-7FDF-484E-A2E4-0B626CD524CC}"/>
+    <dgm:cxn modelId="{220C17C0-F83E-364A-AFE3-79D8E5F9BE55}" type="presOf" srcId="{F741FF63-0F93-4D8F-942F-21703C8EB748}" destId="{E5B1A149-057A-8541-924B-F7997D7222C8}" srcOrd="0" destOrd="0" presId="urn:microsoft.com/office/officeart/2008/layout/LinedList"/>
+    <dgm:cxn modelId="{028EE4DB-BF86-4C48-9D8B-D8203CCB08BA}" srcId="{F3B25AA1-CD04-490B-BD9F-5324DE695098}" destId="{E64DA6DE-15C4-49DC-B537-406D1C73F5A4}" srcOrd="0" destOrd="0" parTransId="{0D9F6A2A-B593-4AD6-82BD-5D55E3F0D4E6}" sibTransId="{3EDB7FAD-F292-4D43-944B-F7DC8924AD99}"/>
+    <dgm:cxn modelId="{4A91E3DF-5445-9F48-A34A-D9ACDACA2BF7}" type="presOf" srcId="{E6A65F7E-A4A2-4E18-9868-C9AA74278F26}" destId="{3E05C64A-90F3-7C4A-9DF3-AC7B30A48B94}" srcOrd="0" destOrd="0" presId="urn:microsoft.com/office/officeart/2008/layout/LinedList"/>
+    <dgm:cxn modelId="{097D4FA3-1929-DA43-BD12-03BD362D51D2}" type="presParOf" srcId="{9FFAEB4A-6C49-7141-A566-16B424C186DC}" destId="{00B57CD0-4814-9F41-9033-C75796539023}" srcOrd="0" destOrd="0" presId="urn:microsoft.com/office/officeart/2008/layout/LinedList"/>
+    <dgm:cxn modelId="{60EFEC3F-761E-6849-85BB-353BD24ACA32}" type="presParOf" srcId="{9FFAEB4A-6C49-7141-A566-16B424C186DC}" destId="{F25F1738-F4F7-B843-8038-C989D3437B0D}" srcOrd="1" destOrd="0" presId="urn:microsoft.com/office/officeart/2008/layout/LinedList"/>
+    <dgm:cxn modelId="{FC68AD20-EECA-7046-9D2C-190DB458EA01}" type="presParOf" srcId="{F25F1738-F4F7-B843-8038-C989D3437B0D}" destId="{AF02F712-2429-7D4A-877B-37EE6A042FA8}" srcOrd="0" destOrd="0" presId="urn:microsoft.com/office/officeart/2008/layout/LinedList"/>
+    <dgm:cxn modelId="{DF603043-9861-4A42-8658-23C64DCB5190}" type="presParOf" srcId="{F25F1738-F4F7-B843-8038-C989D3437B0D}" destId="{3226415B-5ECD-E74C-8C72-9FBA265200CD}" srcOrd="1" destOrd="0" presId="urn:microsoft.com/office/officeart/2008/layout/LinedList"/>
+    <dgm:cxn modelId="{BAED6921-6B97-AE4F-AD25-8E37C1CBE559}" type="presParOf" srcId="{9FFAEB4A-6C49-7141-A566-16B424C186DC}" destId="{DACC38BB-5D1A-554A-B51E-E5E0D7251A51}" srcOrd="2" destOrd="0" presId="urn:microsoft.com/office/officeart/2008/layout/LinedList"/>
+    <dgm:cxn modelId="{8D1659B7-1391-0E44-9E44-4DFC9EAC7924}" type="presParOf" srcId="{9FFAEB4A-6C49-7141-A566-16B424C186DC}" destId="{5C45A5C1-450C-BC4A-8DCF-E102A68BB20D}" srcOrd="3" destOrd="0" presId="urn:microsoft.com/office/officeart/2008/layout/LinedList"/>
+    <dgm:cxn modelId="{F983B959-FA64-3047-A1C5-68DE87DD9213}" type="presParOf" srcId="{5C45A5C1-450C-BC4A-8DCF-E102A68BB20D}" destId="{3E05C64A-90F3-7C4A-9DF3-AC7B30A48B94}" srcOrd="0" destOrd="0" presId="urn:microsoft.com/office/officeart/2008/layout/LinedList"/>
+    <dgm:cxn modelId="{F5C8FB56-E8B6-EE48-BA77-933943011C03}" type="presParOf" srcId="{5C45A5C1-450C-BC4A-8DCF-E102A68BB20D}" destId="{36515B35-3162-D14C-8987-0BCEF0C0518F}" srcOrd="1" destOrd="0" presId="urn:microsoft.com/office/officeart/2008/layout/LinedList"/>
+    <dgm:cxn modelId="{6F879B25-5F65-AC42-9909-3C7BCC9AA4AD}" type="presParOf" srcId="{9FFAEB4A-6C49-7141-A566-16B424C186DC}" destId="{751768AB-E74F-8048-AFF3-2E14AD7E742D}" srcOrd="4" destOrd="0" presId="urn:microsoft.com/office/officeart/2008/layout/LinedList"/>
+    <dgm:cxn modelId="{C8904A71-5CBA-3844-BCC0-86A5B3487237}" type="presParOf" srcId="{9FFAEB4A-6C49-7141-A566-16B424C186DC}" destId="{9B857B36-4533-B345-AF8E-7B8465AE8D2C}" srcOrd="5" destOrd="0" presId="urn:microsoft.com/office/officeart/2008/layout/LinedList"/>
+    <dgm:cxn modelId="{61338310-8AD7-7D45-8302-A247E1E1BAAA}" type="presParOf" srcId="{9B857B36-4533-B345-AF8E-7B8465AE8D2C}" destId="{0253A16D-357C-D54A-A3F5-8FDB8B19AAA0}" srcOrd="0" destOrd="0" presId="urn:microsoft.com/office/officeart/2008/layout/LinedList"/>
+    <dgm:cxn modelId="{B322BC0A-AC88-4B47-8238-68D0C840771B}" type="presParOf" srcId="{9B857B36-4533-B345-AF8E-7B8465AE8D2C}" destId="{D8183B97-F1AE-FD42-8460-BB9212B23196}" srcOrd="1" destOrd="0" presId="urn:microsoft.com/office/officeart/2008/layout/LinedList"/>
+    <dgm:cxn modelId="{EB69D053-EF04-1F47-A7EE-D4CC30514C89}" type="presParOf" srcId="{9FFAEB4A-6C49-7141-A566-16B424C186DC}" destId="{BDD30803-BBF9-3E44-B026-9649BF78C772}" srcOrd="6" destOrd="0" presId="urn:microsoft.com/office/officeart/2008/layout/LinedList"/>
+    <dgm:cxn modelId="{C6EC02B2-6FF5-A241-9C89-297FB607243B}" type="presParOf" srcId="{9FFAEB4A-6C49-7141-A566-16B424C186DC}" destId="{D0D6F0AC-6B6C-4D47-BD40-BD9F37F978B5}" srcOrd="7" destOrd="0" presId="urn:microsoft.com/office/officeart/2008/layout/LinedList"/>
+    <dgm:cxn modelId="{3340581E-F767-0E4E-977E-F620E62FBD1C}" type="presParOf" srcId="{D0D6F0AC-6B6C-4D47-BD40-BD9F37F978B5}" destId="{E5B1A149-057A-8541-924B-F7997D7222C8}" srcOrd="0" destOrd="0" presId="urn:microsoft.com/office/officeart/2008/layout/LinedList"/>
+    <dgm:cxn modelId="{2AB7D2BF-626B-8943-83B3-7F5B3EA8CDBD}" type="presParOf" srcId="{D0D6F0AC-6B6C-4D47-BD40-BD9F37F978B5}" destId="{65543C68-EC4A-E047-AC7C-56AF4B8A8775}" srcOrd="1" destOrd="0" presId="urn:microsoft.com/office/officeart/2008/layout/LinedList"/>
+  </dgm:cxnLst>
+  <dgm:bg/>
+  <dgm:whole/>
+  <dgm:extLst>
+    <a:ext uri="http://schemas.microsoft.com/office/drawing/2008/diagram">
+      <dsp:dataModelExt xmlns:dsp="http://schemas.microsoft.com/office/drawing/2008/diagram" relId="rId6" minVer="http://schemas.openxmlformats.org/drawingml/2006/diagram"/>
+    </a:ext>
+  </dgm:extLst>
+</dgm:dataModel>
+</file>
+
+<file path=ppt/diagrams/drawing1.xml><?xml version="1.0" encoding="utf-8"?>
+<dsp:drawing xmlns:dgm="http://schemas.openxmlformats.org/drawingml/2006/diagram" xmlns:dsp="http://schemas.microsoft.com/office/drawing/2008/diagram" xmlns:a="http://schemas.openxmlformats.org/drawingml/2006/main">
+  <dsp:spTree>
+    <dsp:nvGrpSpPr>
+      <dsp:cNvPr id="0" name=""/>
+      <dsp:cNvGrpSpPr/>
+    </dsp:nvGrpSpPr>
+    <dsp:grpSpPr/>
+    <dsp:sp modelId="{00B57CD0-4814-9F41-9033-C75796539023}">
+      <dsp:nvSpPr>
+        <dsp:cNvPr id="0" name=""/>
+        <dsp:cNvSpPr/>
+      </dsp:nvSpPr>
+      <dsp:spPr>
+        <a:xfrm>
+          <a:off x="0" y="0"/>
+          <a:ext cx="6492875" cy="0"/>
+        </a:xfrm>
+        <a:prstGeom prst="line">
+          <a:avLst/>
+        </a:prstGeom>
+        <a:solidFill>
+          <a:schemeClr val="accent2">
+            <a:hueOff val="0"/>
+            <a:satOff val="0"/>
+            <a:lumOff val="0"/>
+            <a:alphaOff val="0"/>
+          </a:schemeClr>
+        </a:solidFill>
+        <a:ln w="12700" cap="flat" cmpd="sng" algn="ctr">
+          <a:solidFill>
+            <a:schemeClr val="accent2">
+              <a:hueOff val="0"/>
+              <a:satOff val="0"/>
+              <a:lumOff val="0"/>
+              <a:alphaOff val="0"/>
+            </a:schemeClr>
+          </a:solidFill>
+          <a:prstDash val="solid"/>
+          <a:miter lim="800000"/>
+        </a:ln>
+        <a:effectLst/>
+      </dsp:spPr>
+      <dsp:style>
+        <a:lnRef idx="2">
+          <a:scrgbClr r="0" g="0" b="0"/>
+        </a:lnRef>
+        <a:fillRef idx="1">
+          <a:scrgbClr r="0" g="0" b="0"/>
+        </a:fillRef>
+        <a:effectRef idx="0">
+          <a:scrgbClr r="0" g="0" b="0"/>
+        </a:effectRef>
+        <a:fontRef idx="minor">
+          <a:schemeClr val="lt1"/>
+        </a:fontRef>
+      </dsp:style>
+    </dsp:sp>
+    <dsp:sp modelId="{AF02F712-2429-7D4A-877B-37EE6A042FA8}">
+      <dsp:nvSpPr>
+        <dsp:cNvPr id="0" name=""/>
+        <dsp:cNvSpPr/>
+      </dsp:nvSpPr>
+      <dsp:spPr>
+        <a:xfrm>
+          <a:off x="0" y="0"/>
+          <a:ext cx="6492875" cy="1276350"/>
+        </a:xfrm>
+        <a:prstGeom prst="rect">
+          <a:avLst/>
+        </a:prstGeom>
+        <a:noFill/>
+        <a:ln>
+          <a:noFill/>
+        </a:ln>
+        <a:effectLst/>
+      </dsp:spPr>
+      <dsp:style>
+        <a:lnRef idx="0">
+          <a:scrgbClr r="0" g="0" b="0"/>
+        </a:lnRef>
+        <a:fillRef idx="0">
+          <a:scrgbClr r="0" g="0" b="0"/>
+        </a:fillRef>
+        <a:effectRef idx="0">
+          <a:scrgbClr r="0" g="0" b="0"/>
+        </a:effectRef>
+        <a:fontRef idx="minor"/>
+      </dsp:style>
+      <dsp:txBody>
+        <a:bodyPr spcFirstLastPara="0" vert="horz" wrap="square" lIns="118110" tIns="118110" rIns="118110" bIns="118110" numCol="1" spcCol="1270" anchor="t" anchorCtr="0">
+          <a:noAutofit/>
+        </a:bodyPr>
+        <a:lstStyle/>
+        <a:p>
+          <a:pPr marL="0" lvl="0" indent="0" algn="l" defTabSz="1377950">
+            <a:lnSpc>
+              <a:spcPct val="90000"/>
+            </a:lnSpc>
+            <a:spcBef>
+              <a:spcPct val="0"/>
+            </a:spcBef>
+            <a:spcAft>
+              <a:spcPct val="35000"/>
+            </a:spcAft>
+            <a:buNone/>
+          </a:pPr>
+          <a:r>
+            <a:rPr lang="en-US" sz="3100" kern="1200" dirty="0"/>
+            <a:t>Chris did the Class portion, the overall Character class, and leveling up</a:t>
+          </a:r>
+        </a:p>
+      </dsp:txBody>
+      <dsp:txXfrm>
+        <a:off x="0" y="0"/>
+        <a:ext cx="6492875" cy="1276350"/>
+      </dsp:txXfrm>
+    </dsp:sp>
+    <dsp:sp modelId="{DACC38BB-5D1A-554A-B51E-E5E0D7251A51}">
+      <dsp:nvSpPr>
+        <dsp:cNvPr id="0" name=""/>
+        <dsp:cNvSpPr/>
+      </dsp:nvSpPr>
+      <dsp:spPr>
+        <a:xfrm>
+          <a:off x="0" y="1276350"/>
+          <a:ext cx="6492875" cy="0"/>
+        </a:xfrm>
+        <a:prstGeom prst="line">
+          <a:avLst/>
+        </a:prstGeom>
+        <a:solidFill>
+          <a:schemeClr val="accent2">
+            <a:hueOff val="-2329705"/>
+            <a:satOff val="0"/>
+            <a:lumOff val="1895"/>
+            <a:alphaOff val="0"/>
+          </a:schemeClr>
+        </a:solidFill>
+        <a:ln w="12700" cap="flat" cmpd="sng" algn="ctr">
+          <a:solidFill>
+            <a:schemeClr val="accent2">
+              <a:hueOff val="-2329705"/>
+              <a:satOff val="0"/>
+              <a:lumOff val="1895"/>
+              <a:alphaOff val="0"/>
+            </a:schemeClr>
+          </a:solidFill>
+          <a:prstDash val="solid"/>
+          <a:miter lim="800000"/>
+        </a:ln>
+        <a:effectLst/>
+      </dsp:spPr>
+      <dsp:style>
+        <a:lnRef idx="2">
+          <a:scrgbClr r="0" g="0" b="0"/>
+        </a:lnRef>
+        <a:fillRef idx="1">
+          <a:scrgbClr r="0" g="0" b="0"/>
+        </a:fillRef>
+        <a:effectRef idx="0">
+          <a:scrgbClr r="0" g="0" b="0"/>
+        </a:effectRef>
+        <a:fontRef idx="minor">
+          <a:schemeClr val="lt1"/>
+        </a:fontRef>
+      </dsp:style>
+    </dsp:sp>
+    <dsp:sp modelId="{3E05C64A-90F3-7C4A-9DF3-AC7B30A48B94}">
+      <dsp:nvSpPr>
+        <dsp:cNvPr id="0" name=""/>
+        <dsp:cNvSpPr/>
+      </dsp:nvSpPr>
+      <dsp:spPr>
+        <a:xfrm>
+          <a:off x="0" y="1276350"/>
+          <a:ext cx="6492875" cy="1276350"/>
+        </a:xfrm>
+        <a:prstGeom prst="rect">
+          <a:avLst/>
+        </a:prstGeom>
+        <a:noFill/>
+        <a:ln>
+          <a:noFill/>
+        </a:ln>
+        <a:effectLst/>
+      </dsp:spPr>
+      <dsp:style>
+        <a:lnRef idx="0">
+          <a:scrgbClr r="0" g="0" b="0"/>
+        </a:lnRef>
+        <a:fillRef idx="0">
+          <a:scrgbClr r="0" g="0" b="0"/>
+        </a:fillRef>
+        <a:effectRef idx="0">
+          <a:scrgbClr r="0" g="0" b="0"/>
+        </a:effectRef>
+        <a:fontRef idx="minor"/>
+      </dsp:style>
+      <dsp:txBody>
+        <a:bodyPr spcFirstLastPara="0" vert="horz" wrap="square" lIns="118110" tIns="118110" rIns="118110" bIns="118110" numCol="1" spcCol="1270" anchor="t" anchorCtr="0">
+          <a:noAutofit/>
+        </a:bodyPr>
+        <a:lstStyle/>
+        <a:p>
+          <a:pPr marL="0" lvl="0" indent="0" algn="l" defTabSz="1377950">
+            <a:lnSpc>
+              <a:spcPct val="90000"/>
+            </a:lnSpc>
+            <a:spcBef>
+              <a:spcPct val="0"/>
+            </a:spcBef>
+            <a:spcAft>
+              <a:spcPct val="35000"/>
+            </a:spcAft>
+            <a:buNone/>
+          </a:pPr>
+          <a:r>
+            <a:rPr lang="en-US" sz="3100" kern="1200" dirty="0"/>
+            <a:t>Dylan did the Race portion and languages</a:t>
+          </a:r>
+        </a:p>
+      </dsp:txBody>
+      <dsp:txXfrm>
+        <a:off x="0" y="1276350"/>
+        <a:ext cx="6492875" cy="1276350"/>
+      </dsp:txXfrm>
+    </dsp:sp>
+    <dsp:sp modelId="{751768AB-E74F-8048-AFF3-2E14AD7E742D}">
+      <dsp:nvSpPr>
+        <dsp:cNvPr id="0" name=""/>
+        <dsp:cNvSpPr/>
+      </dsp:nvSpPr>
+      <dsp:spPr>
+        <a:xfrm>
+          <a:off x="0" y="2552700"/>
+          <a:ext cx="6492875" cy="0"/>
+        </a:xfrm>
+        <a:prstGeom prst="line">
+          <a:avLst/>
+        </a:prstGeom>
+        <a:solidFill>
+          <a:schemeClr val="accent2">
+            <a:hueOff val="-4659411"/>
+            <a:satOff val="0"/>
+            <a:lumOff val="3791"/>
+            <a:alphaOff val="0"/>
+          </a:schemeClr>
+        </a:solidFill>
+        <a:ln w="12700" cap="flat" cmpd="sng" algn="ctr">
+          <a:solidFill>
+            <a:schemeClr val="accent2">
+              <a:hueOff val="-4659411"/>
+              <a:satOff val="0"/>
+              <a:lumOff val="3791"/>
+              <a:alphaOff val="0"/>
+            </a:schemeClr>
+          </a:solidFill>
+          <a:prstDash val="solid"/>
+          <a:miter lim="800000"/>
+        </a:ln>
+        <a:effectLst/>
+      </dsp:spPr>
+      <dsp:style>
+        <a:lnRef idx="2">
+          <a:scrgbClr r="0" g="0" b="0"/>
+        </a:lnRef>
+        <a:fillRef idx="1">
+          <a:scrgbClr r="0" g="0" b="0"/>
+        </a:fillRef>
+        <a:effectRef idx="0">
+          <a:scrgbClr r="0" g="0" b="0"/>
+        </a:effectRef>
+        <a:fontRef idx="minor">
+          <a:schemeClr val="lt1"/>
+        </a:fontRef>
+      </dsp:style>
+    </dsp:sp>
+    <dsp:sp modelId="{0253A16D-357C-D54A-A3F5-8FDB8B19AAA0}">
+      <dsp:nvSpPr>
+        <dsp:cNvPr id="0" name=""/>
+        <dsp:cNvSpPr/>
+      </dsp:nvSpPr>
+      <dsp:spPr>
+        <a:xfrm>
+          <a:off x="0" y="2552700"/>
+          <a:ext cx="6492875" cy="1276350"/>
+        </a:xfrm>
+        <a:prstGeom prst="rect">
+          <a:avLst/>
+        </a:prstGeom>
+        <a:noFill/>
+        <a:ln>
+          <a:noFill/>
+        </a:ln>
+        <a:effectLst/>
+      </dsp:spPr>
+      <dsp:style>
+        <a:lnRef idx="0">
+          <a:scrgbClr r="0" g="0" b="0"/>
+        </a:lnRef>
+        <a:fillRef idx="0">
+          <a:scrgbClr r="0" g="0" b="0"/>
+        </a:fillRef>
+        <a:effectRef idx="0">
+          <a:scrgbClr r="0" g="0" b="0"/>
+        </a:effectRef>
+        <a:fontRef idx="minor"/>
+      </dsp:style>
+      <dsp:txBody>
+        <a:bodyPr spcFirstLastPara="0" vert="horz" wrap="square" lIns="118110" tIns="118110" rIns="118110" bIns="118110" numCol="1" spcCol="1270" anchor="t" anchorCtr="0">
+          <a:noAutofit/>
+        </a:bodyPr>
+        <a:lstStyle/>
+        <a:p>
+          <a:pPr marL="0" lvl="0" indent="0" algn="l" defTabSz="1377950">
+            <a:lnSpc>
+              <a:spcPct val="90000"/>
+            </a:lnSpc>
+            <a:spcBef>
+              <a:spcPct val="0"/>
+            </a:spcBef>
+            <a:spcAft>
+              <a:spcPct val="35000"/>
+            </a:spcAft>
+            <a:buNone/>
+          </a:pPr>
+          <a:r>
+            <a:rPr lang="en-US" sz="3100" kern="1200" dirty="0"/>
+            <a:t>Catherine did the Equipment portion, design, and validation</a:t>
+          </a:r>
+        </a:p>
+      </dsp:txBody>
+      <dsp:txXfrm>
+        <a:off x="0" y="2552700"/>
+        <a:ext cx="6492875" cy="1276350"/>
+      </dsp:txXfrm>
+    </dsp:sp>
+    <dsp:sp modelId="{BDD30803-BBF9-3E44-B026-9649BF78C772}">
+      <dsp:nvSpPr>
+        <dsp:cNvPr id="0" name=""/>
+        <dsp:cNvSpPr/>
+      </dsp:nvSpPr>
+      <dsp:spPr>
+        <a:xfrm>
+          <a:off x="0" y="3829050"/>
+          <a:ext cx="6492875" cy="0"/>
+        </a:xfrm>
+        <a:prstGeom prst="line">
+          <a:avLst/>
+        </a:prstGeom>
+        <a:solidFill>
+          <a:schemeClr val="accent2">
+            <a:hueOff val="-6989116"/>
+            <a:satOff val="0"/>
+            <a:lumOff val="5686"/>
+            <a:alphaOff val="0"/>
+          </a:schemeClr>
+        </a:solidFill>
+        <a:ln w="12700" cap="flat" cmpd="sng" algn="ctr">
+          <a:solidFill>
+            <a:schemeClr val="accent2">
+              <a:hueOff val="-6989116"/>
+              <a:satOff val="0"/>
+              <a:lumOff val="5686"/>
+              <a:alphaOff val="0"/>
+            </a:schemeClr>
+          </a:solidFill>
+          <a:prstDash val="solid"/>
+          <a:miter lim="800000"/>
+        </a:ln>
+        <a:effectLst/>
+      </dsp:spPr>
+      <dsp:style>
+        <a:lnRef idx="2">
+          <a:scrgbClr r="0" g="0" b="0"/>
+        </a:lnRef>
+        <a:fillRef idx="1">
+          <a:scrgbClr r="0" g="0" b="0"/>
+        </a:fillRef>
+        <a:effectRef idx="0">
+          <a:scrgbClr r="0" g="0" b="0"/>
+        </a:effectRef>
+        <a:fontRef idx="minor">
+          <a:schemeClr val="lt1"/>
+        </a:fontRef>
+      </dsp:style>
+    </dsp:sp>
+    <dsp:sp modelId="{E5B1A149-057A-8541-924B-F7997D7222C8}">
+      <dsp:nvSpPr>
+        <dsp:cNvPr id="0" name=""/>
+        <dsp:cNvSpPr/>
+      </dsp:nvSpPr>
+      <dsp:spPr>
+        <a:xfrm>
+          <a:off x="0" y="3829050"/>
+          <a:ext cx="6492875" cy="1276350"/>
+        </a:xfrm>
+        <a:prstGeom prst="rect">
+          <a:avLst/>
+        </a:prstGeom>
+        <a:noFill/>
+        <a:ln>
+          <a:noFill/>
+        </a:ln>
+        <a:effectLst/>
+      </dsp:spPr>
+      <dsp:style>
+        <a:lnRef idx="0">
+          <a:scrgbClr r="0" g="0" b="0"/>
+        </a:lnRef>
+        <a:fillRef idx="0">
+          <a:scrgbClr r="0" g="0" b="0"/>
+        </a:fillRef>
+        <a:effectRef idx="0">
+          <a:scrgbClr r="0" g="0" b="0"/>
+        </a:effectRef>
+        <a:fontRef idx="minor"/>
+      </dsp:style>
+      <dsp:txBody>
+        <a:bodyPr spcFirstLastPara="0" vert="horz" wrap="square" lIns="118110" tIns="118110" rIns="118110" bIns="118110" numCol="1" spcCol="1270" anchor="t" anchorCtr="0">
+          <a:noAutofit/>
+        </a:bodyPr>
+        <a:lstStyle/>
+        <a:p>
+          <a:pPr marL="0" lvl="0" indent="0" algn="l" defTabSz="1377950">
+            <a:lnSpc>
+              <a:spcPct val="90000"/>
+            </a:lnSpc>
+            <a:spcBef>
+              <a:spcPct val="0"/>
+            </a:spcBef>
+            <a:spcAft>
+              <a:spcPct val="35000"/>
+            </a:spcAft>
+            <a:buNone/>
+          </a:pPr>
+          <a:r>
+            <a:rPr lang="en-US" sz="3100" kern="1200" dirty="0"/>
+            <a:t>Jack did the Background portion, Skills, PDF filling, and loading from PDF</a:t>
+          </a:r>
+        </a:p>
+      </dsp:txBody>
+      <dsp:txXfrm>
+        <a:off x="0" y="3829050"/>
+        <a:ext cx="6492875" cy="1276350"/>
+      </dsp:txXfrm>
+    </dsp:sp>
+  </dsp:spTree>
+</dsp:drawing>
+</file>
+
+<file path=ppt/diagrams/layout1.xml><?xml version="1.0" encoding="utf-8"?>
+<dgm:layoutDef xmlns:dgm="http://schemas.openxmlformats.org/drawingml/2006/diagram" xmlns:a="http://schemas.openxmlformats.org/drawingml/2006/main" uniqueId="urn:microsoft.com/office/officeart/2008/layout/LinedList">
+  <dgm:title val=""/>
+  <dgm:desc val=""/>
+  <dgm:catLst>
+    <dgm:cat type="hierarchy" pri="8000"/>
+    <dgm:cat type="list" pri="2500"/>
+  </dgm:catLst>
+  <dgm:sampData>
+    <dgm:dataModel>
+      <dgm:ptLst>
+        <dgm:pt modelId="0" type="doc"/>
+        <dgm:pt modelId="1">
+          <dgm:prSet phldr="1"/>
+        </dgm:pt>
+        <dgm:pt modelId="11">
+          <dgm:prSet phldr="1"/>
+        </dgm:pt>
+        <dgm:pt modelId="12">
+          <dgm:prSet phldr="1"/>
+        </dgm:pt>
+        <dgm:pt modelId="13">
+          <dgm:prSet phldr="1"/>
+        </dgm:pt>
+      </dgm:ptLst>
+      <dgm:cxnLst>
+        <dgm:cxn modelId="2" srcId="0" destId="1" srcOrd="0" destOrd="0"/>
+        <dgm:cxn modelId="3" srcId="1" destId="11" srcOrd="0" destOrd="0"/>
+        <dgm:cxn modelId="4" srcId="1" destId="12" srcOrd="1" destOrd="0"/>
+        <dgm:cxn modelId="5" srcId="1" destId="13" srcOrd="2" destOrd="0"/>
+      </dgm:cxnLst>
+      <dgm:bg/>
+      <dgm:whole/>
+    </dgm:dataModel>
+  </dgm:sampData>
+  <dgm:styleData>
+    <dgm:dataModel>
+      <dgm:ptLst>
+        <dgm:pt modelId="0" type="doc"/>
+        <dgm:pt modelId="1">
+          <dgm:prSet phldr="1"/>
+        </dgm:pt>
+        <dgm:pt modelId="11">
+          <dgm:prSet phldr="1"/>
+        </dgm:pt>
+        <dgm:pt modelId="12">
+          <dgm:prSet phldr="1"/>
+        </dgm:pt>
+      </dgm:ptLst>
+      <dgm:cxnLst>
+        <dgm:cxn modelId="2" srcId="0" destId="1" srcOrd="0" destOrd="0"/>
+        <dgm:cxn modelId="3" srcId="1" destId="11" srcOrd="0" destOrd="0"/>
+        <dgm:cxn modelId="4" srcId="1" destId="12" srcOrd="1" destOrd="0"/>
+      </dgm:cxnLst>
+      <dgm:bg/>
+      <dgm:whole/>
+    </dgm:dataModel>
+  </dgm:styleData>
+  <dgm:clrData>
+    <dgm:dataModel>
+      <dgm:ptLst>
+        <dgm:pt modelId="0" type="doc"/>
+        <dgm:pt modelId="1">
+          <dgm:prSet phldr="1"/>
+        </dgm:pt>
+        <dgm:pt modelId="11">
+          <dgm:prSet phldr="1"/>
+        </dgm:pt>
+        <dgm:pt modelId="12">
+          <dgm:prSet phldr="1"/>
+        </dgm:pt>
+      </dgm:ptLst>
+      <dgm:cxnLst>
+        <dgm:cxn modelId="2" srcId="0" destId="1" srcOrd="0" destOrd="0"/>
+        <dgm:cxn modelId="3" srcId="1" destId="11" srcOrd="0" destOrd="0"/>
+        <dgm:cxn modelId="4" srcId="1" destId="12" srcOrd="1" destOrd="0"/>
+      </dgm:cxnLst>
+      <dgm:bg/>
+      <dgm:whole/>
+    </dgm:dataModel>
+  </dgm:clrData>
+  <dgm:layoutNode name="vert0">
+    <dgm:varLst>
+      <dgm:dir/>
+      <dgm:animOne val="branch"/>
+      <dgm:animLvl val="lvl"/>
+    </dgm:varLst>
+    <dgm:choose name="Name0">
+      <dgm:if name="Name1" func="var" arg="dir" op="equ" val="norm">
+        <dgm:alg type="lin">
+          <dgm:param type="linDir" val="fromT"/>
+          <dgm:param type="nodeHorzAlign" val="l"/>
+        </dgm:alg>
+      </dgm:if>
+      <dgm:else name="Name2">
+        <dgm:alg type="lin">
+          <dgm:param type="linDir" val="fromT"/>
+          <dgm:param type="nodeHorzAlign" val="r"/>
+        </dgm:alg>
+      </dgm:else>
+    </dgm:choose>
+    <dgm:shape xmlns:r="http://schemas.openxmlformats.org/officeDocument/2006/relationships" r:blip="">
+      <dgm:adjLst/>
+    </dgm:shape>
+    <dgm:presOf/>
+    <dgm:constrLst>
+      <dgm:constr type="w" for="ch" forName="horz1" refType="w"/>
+      <dgm:constr type="h" for="ch" forName="horz1" refType="h"/>
+      <dgm:constr type="h" for="des" forName="vert1" refType="h"/>
+      <dgm:constr type="h" for="des" forName="tx1" refType="h"/>
+      <dgm:constr type="h" for="des" forName="horz2" refType="h"/>
+      <dgm:constr type="h" for="des" forName="vert2" refType="h"/>
+      <dgm:constr type="h" for="des" forName="horz3" refType="h"/>
+      <dgm:constr type="h" for="des" forName="vert3" refType="h"/>
+      <dgm:constr type="h" for="des" forName="horz4" refType="h"/>
+      <dgm:constr type="h" for="des" ptType="node" refType="h"/>
+      <dgm:constr type="primFontSz" for="des" forName="tx1" op="equ" val="65"/>
+      <dgm:constr type="primFontSz" for="des" forName="tx2" op="equ" val="65"/>
+      <dgm:constr type="primFontSz" for="des" forName="tx3" op="equ" val="65"/>
+      <dgm:constr type="primFontSz" for="des" forName="tx4" op="equ" val="65"/>
+      <dgm:constr type="w" for="des" forName="thickLine" refType="w"/>
+      <dgm:constr type="h" for="des" forName="thickLine"/>
+      <dgm:constr type="h" for="des" forName="thinLine1"/>
+      <dgm:constr type="h" for="des" forName="thinLine2b"/>
+      <dgm:constr type="h" for="des" forName="thinLine3"/>
+      <dgm:constr type="h" for="des" forName="vertSpace2a" refType="h" fact="0.05"/>
+      <dgm:constr type="h" for="des" forName="vertSpace2b" refType="h" refFor="des" refForName="vertSpace2a"/>
+    </dgm:constrLst>
+    <dgm:forEach name="Name3" axis="ch" ptType="node">
+      <dgm:layoutNode name="thickLine" styleLbl="alignNode1">
+        <dgm:alg type="sp"/>
+        <dgm:shape xmlns:r="http://schemas.openxmlformats.org/officeDocument/2006/relationships" type="line" r:blip="">
+          <dgm:adjLst/>
+        </dgm:shape>
+        <dgm:presOf/>
+      </dgm:layoutNode>
+      <dgm:layoutNode name="horz1">
+        <dgm:choose name="Name4">
+          <dgm:if name="Name5" func="var" arg="dir" op="equ" val="norm">
+            <dgm:alg type="lin">
+              <dgm:param type="linDir" val="fromL"/>
+              <dgm:param type="nodeVertAlign" val="t"/>
+            </dgm:alg>
+          </dgm:if>
+          <dgm:else name="Name6">
+            <dgm:alg type="lin">
+              <dgm:param type="linDir" val="fromR"/>
+              <dgm:param type="nodeVertAlign" val="t"/>
+            </dgm:alg>
+          </dgm:else>
+        </dgm:choose>
+        <dgm:shape xmlns:r="http://schemas.openxmlformats.org/officeDocument/2006/relationships" r:blip="">
+          <dgm:adjLst/>
+        </dgm:shape>
+        <dgm:presOf/>
+        <dgm:choose name="Name7">
+          <dgm:if name="Name8" axis="root des" func="maxDepth" op="equ" val="1">
+            <dgm:constrLst>
+              <dgm:constr type="w" for="ch" forName="tx1" refType="w"/>
+            </dgm:constrLst>
+          </dgm:if>
+          <dgm:if name="Name9" axis="root des" func="maxDepth" op="equ" val="2">
+            <dgm:constrLst>
+              <dgm:constr type="w" for="ch" forName="tx1" refType="w" fact="0.2"/>
+              <dgm:constr type="w" for="des" forName="tx2" refType="w" fact="0.785"/>
+              <dgm:constr type="w" for="des" forName="horzSpace2" refType="w" fact="0.015"/>
+              <dgm:constr type="w" for="des" forName="thinLine2b" refType="w" fact="0.8"/>
+            </dgm:constrLst>
+          </dgm:if>
+          <dgm:if name="Name10" axis="root des" func="maxDepth" op="equ" val="3">
+            <dgm:constrLst>
+              <dgm:constr type="w" for="ch" forName="tx1" refType="w" fact="0.2"/>
+              <dgm:constr type="w" for="des" forName="tx2" refType="w" fact="0.385"/>
+              <dgm:constr type="w" for="des" forName="tx3" refType="w" fact="0.385"/>
+              <dgm:constr type="w" for="des" forName="horzSpace2" refType="w" fact="0.015"/>
+              <dgm:constr type="w" for="des" forName="horzSpace3" refType="w" fact="0.015"/>
+              <dgm:constr type="w" for="des" forName="thinLine2b" refType="w" fact="0.8"/>
+              <dgm:constr type="w" for="des" forName="thinLine3" refType="w" fact="0.385"/>
+            </dgm:constrLst>
+          </dgm:if>
+          <dgm:if name="Name11" axis="root des" func="maxDepth" op="gte" val="4">
+            <dgm:constrLst>
+              <dgm:constr type="w" for="ch" forName="tx1" refType="w" fact="0.2"/>
+              <dgm:constr type="w" for="des" forName="tx2" refType="w" fact="0.2516"/>
+              <dgm:constr type="w" for="des" forName="tx3" refType="w" fact="0.2516"/>
+              <dgm:constr type="w" for="des" forName="tx4" refType="w" fact="0.2516"/>
+              <dgm:constr type="w" for="des" forName="horzSpace2" refType="w" fact="0.015"/>
+              <dgm:constr type="w" for="des" forName="horzSpace3" refType="w" fact="0.015"/>
+              <dgm:constr type="w" for="des" forName="horzSpace4" refType="w" fact="0.015"/>
+              <dgm:constr type="w" for="des" forName="thinLine2b" refType="w" fact="0.8"/>
+              <dgm:constr type="w" for="des" forName="thinLine3" refType="w" fact="0.5332"/>
+            </dgm:constrLst>
+          </dgm:if>
+          <dgm:else name="Name12"/>
+        </dgm:choose>
+        <dgm:layoutNode name="tx1" styleLbl="revTx">
+          <dgm:alg type="tx">
+            <dgm:param type="parTxLTRAlign" val="l"/>
+            <dgm:param type="parTxRTLAlign" val="r"/>
+            <dgm:param type="txAnchorVert" val="t"/>
+          </dgm:alg>
+          <dgm:shape xmlns:r="http://schemas.openxmlformats.org/officeDocument/2006/relationships" type="rect" r:blip="">
+            <dgm:adjLst/>
+          </dgm:shape>
+          <dgm:presOf axis="self"/>
+          <dgm:constrLst>
+            <dgm:constr type="tMarg" refType="primFontSz" fact="0.3"/>
+            <dgm:constr type="bMarg" refType="primFontSz" fact="0.3"/>
+            <dgm:constr type="lMarg" refType="primFontSz" fact="0.3"/>
+            <dgm:constr type="rMarg" refType="primFontSz" fact="0.3"/>
+          </dgm:constrLst>
+          <dgm:ruleLst>
+            <dgm:rule type="primFontSz" val="5" fact="NaN" max="NaN"/>
+          </dgm:ruleLst>
+        </dgm:layoutNode>
+        <dgm:layoutNode name="vert1">
+          <dgm:choose name="Name13">
+            <dgm:if name="Name14" func="var" arg="dir" op="equ" val="norm">
+              <dgm:alg type="lin">
+                <dgm:param type="linDir" val="fromT"/>
+                <dgm:param type="nodeHorzAlign" val="l"/>
+              </dgm:alg>
+            </dgm:if>
+            <dgm:else name="Name15">
+              <dgm:alg type="lin">
+                <dgm:param type="linDir" val="fromT"/>
+                <dgm:param type="nodeHorzAlign" val="r"/>
+              </dgm:alg>
+            </dgm:else>
+          </dgm:choose>
+          <dgm:shape xmlns:r="http://schemas.openxmlformats.org/officeDocument/2006/relationships" r:blip="">
+            <dgm:adjLst/>
+          </dgm:shape>
+          <dgm:presOf/>
+          <dgm:forEach name="Name16" axis="ch" ptType="node">
+            <dgm:choose name="Name17">
+              <dgm:if name="Name18" axis="self" ptType="node" func="pos" op="equ" val="1">
+                <dgm:layoutNode name="vertSpace2a">
+                  <dgm:alg type="sp"/>
+                  <dgm:shape xmlns:r="http://schemas.openxmlformats.org/officeDocument/2006/relationships" r:blip="">
+                    <dgm:adjLst/>
+                  </dgm:shape>
+                  <dgm:presOf/>
+                </dgm:layoutNode>
+              </dgm:if>
+              <dgm:else name="Name19"/>
+            </dgm:choose>
+            <dgm:layoutNode name="horz2">
+              <dgm:choose name="Name20">
+                <dgm:if name="Name21" func="var" arg="dir" op="equ" val="norm">
+                  <dgm:alg type="lin">
+                    <dgm:param type="linDir" val="fromL"/>
+                    <dgm:param type="nodeVertAlign" val="t"/>
+                  </dgm:alg>
+                </dgm:if>
+                <dgm:else name="Name22">
+                  <dgm:alg type="lin">
+                    <dgm:param type="linDir" val="fromR"/>
+                    <dgm:param type="nodeVertAlign" val="t"/>
+                  </dgm:alg>
+                </dgm:else>
+              </dgm:choose>
+              <dgm:shape xmlns:r="http://schemas.openxmlformats.org/officeDocument/2006/relationships" r:blip="">
+                <dgm:adjLst/>
+              </dgm:shape>
+              <dgm:presOf/>
+              <dgm:layoutNode name="horzSpace2">
+                <dgm:alg type="sp"/>
+                <dgm:shape xmlns:r="http://schemas.openxmlformats.org/officeDocument/2006/relationships" r:blip="">
+                  <dgm:adjLst/>
+                </dgm:shape>
+                <dgm:presOf/>
+              </dgm:layoutNode>
+              <dgm:layoutNode name="tx2" styleLbl="revTx">
+                <dgm:alg type="tx">
+                  <dgm:param type="parTxLTRAlign" val="l"/>
+                  <dgm:param type="parTxRTLAlign" val="r"/>
+                  <dgm:param type="txAnchorVert" val="t"/>
+                </dgm:alg>
+                <dgm:shape xmlns:r="http://schemas.openxmlformats.org/officeDocument/2006/relationships" type="rect" r:blip="">
+                  <dgm:adjLst/>
+                </dgm:shape>
+                <dgm:presOf axis="self"/>
+                <dgm:constrLst>
+                  <dgm:constr type="tMarg" refType="primFontSz" fact="0.3"/>
+                  <dgm:constr type="bMarg" refType="primFontSz" fact="0.3"/>
+                  <dgm:constr type="lMarg" refType="primFontSz" fact="0.3"/>
+                  <dgm:constr type="rMarg" refType="primFontSz" fact="0.3"/>
+                </dgm:constrLst>
+                <dgm:ruleLst>
+                  <dgm:rule type="primFontSz" val="5" fact="NaN" max="NaN"/>
+                </dgm:ruleLst>
+              </dgm:layoutNode>
+              <dgm:layoutNode name="vert2">
+                <dgm:choose name="Name23">
+                  <dgm:if name="Name24" func="var" arg="dir" op="equ" val="norm">
+                    <dgm:alg type="lin">
+                      <dgm:param type="linDir" val="fromT"/>
+                      <dgm:param type="nodeHorzAlign" val="l"/>
+                    </dgm:alg>
+                  </dgm:if>
+                  <dgm:else name="Name25">
+                    <dgm:alg type="lin">
+                      <dgm:param type="linDir" val="fromT"/>
+                      <dgm:param type="nodeHorzAlign" val="r"/>
+                    </dgm:alg>
+                  </dgm:else>
+                </dgm:choose>
+                <dgm:shape xmlns:r="http://schemas.openxmlformats.org/officeDocument/2006/relationships" r:blip="">
+                  <dgm:adjLst/>
+                </dgm:shape>
+                <dgm:presOf/>
+                <dgm:forEach name="Name26" axis="ch" ptType="node">
+                  <dgm:layoutNode name="horz3">
+                    <dgm:choose name="Name27">
+                      <dgm:if name="Name28" func="var" arg="dir" op="equ" val="norm">
+                        <dgm:alg type="lin">
+                          <dgm:param type="linDir" val="fromL"/>
+                          <dgm:param type="nodeVertAlign" val="t"/>
+                        </dgm:alg>
+                      </dgm:if>
+                      <dgm:else name="Name29">
+                        <dgm:alg type="lin">
+                          <dgm:param type="linDir" val="fromR"/>
+                          <dgm:param type="nodeVertAlign" val="t"/>
+                        </dgm:alg>
+                      </dgm:else>
+                    </dgm:choose>
+                    <dgm:shape xmlns:r="http://schemas.openxmlformats.org/officeDocument/2006/relationships" r:blip="">
+                      <dgm:adjLst/>
+                    </dgm:shape>
+                    <dgm:presOf/>
+                    <dgm:layoutNode name="horzSpace3">
+                      <dgm:alg type="sp"/>
+                      <dgm:shape xmlns:r="http://schemas.openxmlformats.org/officeDocument/2006/relationships" r:blip="">
+                        <dgm:adjLst/>
+                      </dgm:shape>
+                      <dgm:presOf/>
+                    </dgm:layoutNode>
+                    <dgm:layoutNode name="tx3" styleLbl="revTx">
+                      <dgm:alg type="tx">
+                        <dgm:param type="parTxLTRAlign" val="l"/>
+                        <dgm:param type="parTxRTLAlign" val="r"/>
+                        <dgm:param type="txAnchorVert" val="t"/>
+                      </dgm:alg>
+                      <dgm:shape xmlns:r="http://schemas.openxmlformats.org/officeDocument/2006/relationships" type="rect" r:blip="">
+                        <dgm:adjLst/>
+                      </dgm:shape>
+                      <dgm:presOf axis="self"/>
+                      <dgm:constrLst>
+                        <dgm:constr type="tMarg" refType="primFontSz" fact="0.3"/>
+                        <dgm:constr type="bMarg" refType="primFontSz" fact="0.3"/>
+                        <dgm:constr type="lMarg" refType="primFontSz" fact="0.3"/>
+                        <dgm:constr type="rMarg" refType="primFontSz" fact="0.3"/>
+                      </dgm:constrLst>
+                      <dgm:ruleLst>
+                        <dgm:rule type="primFontSz" val="5" fact="NaN" max="NaN"/>
+                      </dgm:ruleLst>
+                    </dgm:layoutNode>
+                    <dgm:layoutNode name="vert3">
+                      <dgm:choose name="Name30">
+                        <dgm:if name="Name31" func="var" arg="dir" op="equ" val="norm">
+                          <dgm:alg type="lin">
+                            <dgm:param type="linDir" val="fromT"/>
+                            <dgm:param type="nodeHorzAlign" val="l"/>
+                          </dgm:alg>
+                        </dgm:if>
+                        <dgm:else name="Name32">
+                          <dgm:alg type="lin">
+                            <dgm:param type="linDir" val="fromT"/>
+                            <dgm:param type="nodeHorzAlign" val="r"/>
+                          </dgm:alg>
+                        </dgm:else>
+                      </dgm:choose>
+                      <dgm:shape xmlns:r="http://schemas.openxmlformats.org/officeDocument/2006/relationships" r:blip="">
+                        <dgm:adjLst/>
+                      </dgm:shape>
+                      <dgm:presOf/>
+                      <dgm:forEach name="Name33" axis="ch" ptType="node">
+                        <dgm:layoutNode name="horz4">
+                          <dgm:choose name="Name34">
+                            <dgm:if name="Name35" func="var" arg="dir" op="equ" val="norm">
+                              <dgm:alg type="lin">
+                                <dgm:param type="linDir" val="fromL"/>
+                                <dgm:param type="nodeVertAlign" val="t"/>
+                              </dgm:alg>
+                            </dgm:if>
+                            <dgm:else name="Name36">
+                              <dgm:alg type="lin">
+                                <dgm:param type="linDir" val="fromR"/>
+                                <dgm:param type="nodeVertAlign" val="t"/>
+                              </dgm:alg>
+                            </dgm:else>
+                          </dgm:choose>
+                          <dgm:shape xmlns:r="http://schemas.openxmlformats.org/officeDocument/2006/relationships" r:blip="">
+                            <dgm:adjLst/>
+                          </dgm:shape>
+                          <dgm:presOf/>
+                          <dgm:layoutNode name="horzSpace4">
+                            <dgm:alg type="sp"/>
+                            <dgm:shape xmlns:r="http://schemas.openxmlformats.org/officeDocument/2006/relationships" r:blip="">
+                              <dgm:adjLst/>
+                            </dgm:shape>
+                            <dgm:presOf/>
+                          </dgm:layoutNode>
+                          <dgm:layoutNode name="tx4" styleLbl="revTx">
+                            <dgm:varLst>
+                              <dgm:bulletEnabled val="1"/>
+                            </dgm:varLst>
+                            <dgm:alg type="tx">
+                              <dgm:param type="parTxLTRAlign" val="l"/>
+                              <dgm:param type="parTxRTLAlign" val="r"/>
+                              <dgm:param type="txAnchorVert" val="t"/>
+                            </dgm:alg>
+                            <dgm:shape xmlns:r="http://schemas.openxmlformats.org/officeDocument/2006/relationships" type="rect" r:blip="">
+                              <dgm:adjLst/>
+                            </dgm:shape>
+                            <dgm:presOf axis="desOrSelf" ptType="node"/>
+                            <dgm:constrLst>
+                              <dgm:constr type="tMarg" refType="primFontSz" fact="0.3"/>
+                              <dgm:constr type="bMarg" refType="primFontSz" fact="0.3"/>
+                              <dgm:constr type="lMarg" refType="primFontSz" fact="0.3"/>
+                              <dgm:constr type="rMarg" refType="primFontSz" fact="0.3"/>
+                            </dgm:constrLst>
+                            <dgm:ruleLst>
+                              <dgm:rule type="primFontSz" val="5" fact="NaN" max="NaN"/>
+                            </dgm:ruleLst>
+                          </dgm:layoutNode>
+                        </dgm:layoutNode>
+                      </dgm:forEach>
+                    </dgm:layoutNode>
+                  </dgm:layoutNode>
+                  <dgm:forEach name="Name37" axis="followSib" ptType="sibTrans" cnt="1">
+                    <dgm:layoutNode name="thinLine3" styleLbl="callout">
+                      <dgm:alg type="sp"/>
+                      <dgm:shape xmlns:r="http://schemas.openxmlformats.org/officeDocument/2006/relationships" type="line" r:blip="">
+                        <dgm:adjLst/>
+                      </dgm:shape>
+                      <dgm:presOf/>
+                    </dgm:layoutNode>
+                  </dgm:forEach>
+                </dgm:forEach>
+              </dgm:layoutNode>
+            </dgm:layoutNode>
+            <dgm:layoutNode name="thinLine2b" styleLbl="callout">
+              <dgm:alg type="sp"/>
+              <dgm:shape xmlns:r="http://schemas.openxmlformats.org/officeDocument/2006/relationships" type="line" r:blip="">
+                <dgm:adjLst/>
+              </dgm:shape>
+              <dgm:presOf/>
+            </dgm:layoutNode>
+            <dgm:layoutNode name="vertSpace2b">
+              <dgm:alg type="sp"/>
+              <dgm:shape xmlns:r="http://schemas.openxmlformats.org/officeDocument/2006/relationships" r:blip="">
+                <dgm:adjLst/>
+              </dgm:shape>
+              <dgm:presOf/>
+            </dgm:layoutNode>
+          </dgm:forEach>
+        </dgm:layoutNode>
+      </dgm:layoutNode>
+    </dgm:forEach>
+  </dgm:layoutNode>
+</dgm:layoutDef>
+</file>
+
+<file path=ppt/diagrams/quickStyle1.xml><?xml version="1.0" encoding="utf-8"?>
+<dgm:styleDef xmlns:dgm="http://schemas.openxmlformats.org/drawingml/2006/diagram" xmlns:a="http://schemas.openxmlformats.org/drawingml/2006/main" uniqueId="urn:microsoft.com/office/officeart/2005/8/quickstyle/simple1">
+  <dgm:title val=""/>
+  <dgm:desc val=""/>
+  <dgm:catLst>
+    <dgm:cat type="simple" pri="10100"/>
+  </dgm:catLst>
+  <dgm:scene3d>
+    <a:camera prst="orthographicFront"/>
+    <a:lightRig rig="threePt" dir="t"/>
+  </dgm:scene3d>
+  <dgm:styleLbl name="node0">
+    <dgm:scene3d>
+      <a:camera prst="orthographicFront"/>
+      <a:lightRig rig="threePt" dir="t"/>
+    </dgm:scene3d>
+    <dgm:sp3d/>
+    <dgm:txPr/>
+    <dgm:style>
+      <a:lnRef idx="2">
+        <a:scrgbClr r="0" g="0" b="0"/>
+      </a:lnRef>
+      <a:fillRef idx="1">
+        <a:scrgbClr r="0" g="0" b="0"/>
+      </a:fillRef>
+      <a:effectRef idx="0">
+        <a:scrgbClr r="0" g="0" b="0"/>
+      </a:effectRef>
+      <a:fontRef idx="minor">
+        <a:schemeClr val="lt1"/>
+      </a:fontRef>
+    </dgm:style>
+  </dgm:styleLbl>
+  <dgm:styleLbl name="lnNode1">
+    <dgm:scene3d>
+      <a:camera prst="orthographicFront"/>
+      <a:lightRig rig="threePt" dir="t"/>
+    </dgm:scene3d>
+    <dgm:sp3d/>
+    <dgm:txPr/>
+    <dgm:style>
+      <a:lnRef idx="2">
+        <a:scrgbClr r="0" g="0" b="0"/>
+      </a:lnRef>
+      <a:fillRef idx="1">
+        <a:scrgbClr r="0" g="0" b="0"/>
+      </a:fillRef>
+      <a:effectRef idx="0">
+        <a:scrgbClr r="0" g="0" b="0"/>
+      </a:effectRef>
+      <a:fontRef idx="minor">
+        <a:schemeClr val="lt1"/>
+      </a:fontRef>
+    </dgm:style>
+  </dgm:styleLbl>
+  <dgm:styleLbl name="vennNode1">
+    <dgm:scene3d>
+      <a:camera prst="orthographicFront"/>
+      <a:lightRig rig="threePt" dir="t"/>
+    </dgm:scene3d>
+    <dgm:sp3d/>
+    <dgm:txPr/>
+    <dgm:style>
+      <a:lnRef idx="2">
+        <a:scrgbClr r="0" g="0" b="0"/>
+      </a:lnRef>
+      <a:fillRef idx="1">
+        <a:scrgbClr r="0" g="0" b="0"/>
+      </a:fillRef>
+      <a:effectRef idx="0">
+        <a:scrgbClr r="0" g="0" b="0"/>
+      </a:effectRef>
+      <a:fontRef idx="minor">
+        <a:schemeClr val="tx1"/>
+      </a:fontRef>
+    </dgm:style>
+  </dgm:styleLbl>
+  <dgm:styleLbl name="alignNode1">
+    <dgm:scene3d>
+      <a:camera prst="orthographicFront"/>
+      <a:lightRig rig="threePt" dir="t"/>
+    </dgm:scene3d>
+    <dgm:sp3d/>
+    <dgm:txPr/>
+    <dgm:style>
+      <a:lnRef idx="2">
+        <a:scrgbClr r="0" g="0" b="0"/>
+      </a:lnRef>
+      <a:fillRef idx="1">
+        <a:scrgbClr r="0" g="0" b="0"/>
+      </a:fillRef>
+      <a:effectRef idx="0">
+        <a:scrgbClr r="0" g="0" b="0"/>
+      </a:effectRef>
+      <a:fontRef idx="minor">
+        <a:schemeClr val="lt1"/>
+      </a:fontRef>
+    </dgm:style>
+  </dgm:styleLbl>
+  <dgm:styleLbl name="node1">
+    <dgm:scene3d>
+      <a:camera prst="orthographicFront"/>
+      <a:lightRig rig="threePt" dir="t"/>
+    </dgm:scene3d>
+    <dgm:sp3d/>
+    <dgm:txPr/>
+    <dgm:style>
+      <a:lnRef idx="2">
+        <a:scrgbClr r="0" g="0" b="0"/>
+      </a:lnRef>
+      <a:fillRef idx="1">
+        <a:scrgbClr r="0" g="0" b="0"/>
+      </a:fillRef>
+      <a:effectRef idx="0">
+        <a:scrgbClr r="0" g="0" b="0"/>
+      </a:effectRef>
+      <a:fontRef idx="minor">
+        <a:schemeClr val="lt1"/>
+      </a:fontRef>
+    </dgm:style>
+  </dgm:styleLbl>
+  <dgm:styleLbl name="node2">
+    <dgm:scene3d>
+      <a:camera prst="orthographicFront"/>
+      <a:lightRig rig="threePt" dir="t"/>
+    </dgm:scene3d>
+    <dgm:sp3d/>
+    <dgm:txPr/>
+    <dgm:style>
+      <a:lnRef idx="2">
+        <a:scrgbClr r="0" g="0" b="0"/>
+      </a:lnRef>
+      <a:fillRef idx="1">
+        <a:scrgbClr r="0" g="0" b="0"/>
+      </a:fillRef>
+      <a:effectRef idx="0">
+        <a:scrgbClr r="0" g="0" b="0"/>
+      </a:effectRef>
+      <a:fontRef idx="minor">
+        <a:schemeClr val="lt1"/>
+      </a:fontRef>
+    </dgm:style>
+  </dgm:styleLbl>
+  <dgm:styleLbl name="node3">
+    <dgm:scene3d>
+      <a:camera prst="orthographicFront"/>
+      <a:lightRig rig="threePt" dir="t"/>
+    </dgm:scene3d>
+    <dgm:sp3d/>
+    <dgm:txPr/>
+    <dgm:style>
+      <a:lnRef idx="2">
+        <a:scrgbClr r="0" g="0" b="0"/>
+      </a:lnRef>
+      <a:fillRef idx="1">
+        <a:scrgbClr r="0" g="0" b="0"/>
+      </a:fillRef>
+      <a:effectRef idx="0">
+        <a:scrgbClr r="0" g="0" b="0"/>
+      </a:effectRef>
+      <a:fontRef idx="minor">
+        <a:schemeClr val="lt1"/>
+      </a:fontRef>
+    </dgm:style>
+  </dgm:styleLbl>
+  <dgm:styleLbl name="node4">
+    <dgm:scene3d>
+      <a:camera prst="orthographicFront"/>
+      <a:lightRig rig="threePt" dir="t"/>
+    </dgm:scene3d>
+    <dgm:sp3d/>
+    <dgm:txPr/>
+    <dgm:style>
+      <a:lnRef idx="2">
+        <a:scrgbClr r="0" g="0" b="0"/>
+      </a:lnRef>
+      <a:fillRef idx="1">
+        <a:scrgbClr r="0" g="0" b="0"/>
+      </a:fillRef>
+      <a:effectRef idx="0">
+        <a:scrgbClr r="0" g="0" b="0"/>
+      </a:effectRef>
+      <a:fontRef idx="minor">
+        <a:schemeClr val="lt1"/>
+      </a:fontRef>
+    </dgm:style>
+  </dgm:styleLbl>
+  <dgm:styleLbl name="fgImgPlace1">
+    <dgm:scene3d>
+      <a:camera prst="orthographicFront"/>
+      <a:lightRig rig="threePt" dir="t"/>
+    </dgm:scene3d>
+    <dgm:sp3d/>
+    <dgm:txPr/>
+    <dgm:style>
+      <a:lnRef idx="2">
+        <a:scrgbClr r="0" g="0" b="0"/>
+      </a:lnRef>
+      <a:fillRef idx="1">
+        <a:scrgbClr r="0" g="0" b="0"/>
+      </a:fillRef>
+      <a:effectRef idx="0">
+        <a:scrgbClr r="0" g="0" b="0"/>
+      </a:effectRef>
+      <a:fontRef idx="minor"/>
+    </dgm:style>
+  </dgm:styleLbl>
+  <dgm:styleLbl name="alignImgPlace1">
+    <dgm:scene3d>
+      <a:camera prst="orthographicFront"/>
+      <a:lightRig rig="threePt" dir="t"/>
+    </dgm:scene3d>
+    <dgm:sp3d/>
+    <dgm:txPr/>
+    <dgm:style>
+      <a:lnRef idx="2">
+        <a:scrgbClr r="0" g="0" b="0"/>
+      </a:lnRef>
+      <a:fillRef idx="1">
+        <a:scrgbClr r="0" g="0" b="0"/>
+      </a:fillRef>
+      <a:effectRef idx="0">
+        <a:scrgbClr r="0" g="0" b="0"/>
+      </a:effectRef>
+      <a:fontRef idx="minor"/>
+    </dgm:style>
+  </dgm:styleLbl>
+  <dgm:styleLbl name="bgImgPlace1">
+    <dgm:scene3d>
+      <a:camera prst="orthographicFront"/>
+      <a:lightRig rig="threePt" dir="t"/>
+    </dgm:scene3d>
+    <dgm:sp3d/>
+    <dgm:txPr/>
+    <dgm:style>
+      <a:lnRef idx="2">
+        <a:scrgbClr r="0" g="0" b="0"/>
+      </a:lnRef>
+      <a:fillRef idx="1">
+        <a:scrgbClr r="0" g="0" b="0"/>
+      </a:fillRef>
+      <a:effectRef idx="0">
+        <a:scrgbClr r="0" g="0" b="0"/>
+      </a:effectRef>
+      <a:fontRef idx="minor"/>
+    </dgm:style>
+  </dgm:styleLbl>
+  <dgm:styleLbl name="sibTrans2D1">
+    <dgm:scene3d>
+      <a:camera prst="orthographicFront"/>
+      <a:lightRig rig="threePt" dir="t"/>
+    </dgm:scene3d>
+    <dgm:sp3d/>
+    <dgm:txPr/>
+    <dgm:style>
+      <a:lnRef idx="0">
+        <a:scrgbClr r="0" g="0" b="0"/>
+      </a:lnRef>
+      <a:fillRef idx="1">
+        <a:scrgbClr r="0" g="0" b="0"/>
+      </a:fillRef>
+      <a:effectRef idx="0">
+        <a:scrgbClr r="0" g="0" b="0"/>
+      </a:effectRef>
+      <a:fontRef idx="minor">
+        <a:schemeClr val="lt1"/>
+      </a:fontRef>
+    </dgm:style>
+  </dgm:styleLbl>
+  <dgm:styleLbl name="fgSibTrans2D1">
+    <dgm:scene3d>
+      <a:camera prst="orthographicFront"/>
+      <a:lightRig rig="threePt" dir="t"/>
+    </dgm:scene3d>
+    <dgm:sp3d/>
+    <dgm:txPr/>
+    <dgm:style>
+      <a:lnRef idx="0">
+        <a:scrgbClr r="0" g="0" b="0"/>
+      </a:lnRef>
+      <a:fillRef idx="1">
+        <a:scrgbClr r="0" g="0" b="0"/>
+      </a:fillRef>
+      <a:effectRef idx="0">
+        <a:scrgbClr r="0" g="0" b="0"/>
+      </a:effectRef>
+      <a:fontRef idx="minor">
+        <a:schemeClr val="lt1"/>
+      </a:fontRef>
+    </dgm:style>
+  </dgm:styleLbl>
+  <dgm:styleLbl name="bgSibTrans2D1">
+    <dgm:scene3d>
+      <a:camera prst="orthographicFront"/>
+      <a:lightRig rig="threePt" dir="t"/>
+    </dgm:scene3d>
+    <dgm:sp3d/>
+    <dgm:txPr/>
+    <dgm:style>
+      <a:lnRef idx="0">
+        <a:scrgbClr r="0" g="0" b="0"/>
+      </a:lnRef>
+      <a:fillRef idx="1">
+        <a:scrgbClr r="0" g="0" b="0"/>
+      </a:fillRef>
+      <a:effectRef idx="0">
+        <a:scrgbClr r="0" g="0" b="0"/>
+      </a:effectRef>
+      <a:fontRef idx="minor">
+        <a:schemeClr val="lt1"/>
+      </a:fontRef>
+    </dgm:style>
+  </dgm:styleLbl>
+  <dgm:styleLbl name="sibTrans1D1">
+    <dgm:scene3d>
+      <a:camera prst="orthographicFront"/>
+      <a:lightRig rig="threePt" dir="t"/>
+    </dgm:scene3d>
+    <dgm:sp3d/>
+    <dgm:txPr/>
+    <dgm:style>
+      <a:lnRef idx="1">
+        <a:scrgbClr r="0" g="0" b="0"/>
+      </a:lnRef>
+      <a:fillRef idx="0">
+        <a:scrgbClr r="0" g="0" b="0"/>
+      </a:fillRef>
+      <a:effectRef idx="0">
+        <a:scrgbClr r="0" g="0" b="0"/>
+      </a:effectRef>
+      <a:fontRef idx="minor"/>
+    </dgm:style>
+  </dgm:styleLbl>
+  <dgm:styleLbl name="callout">
+    <dgm:scene3d>
+      <a:camera prst="orthographicFront"/>
+      <a:lightRig rig="threePt" dir="t"/>
+    </dgm:scene3d>
+    <dgm:sp3d/>
+    <dgm:txPr/>
+    <dgm:style>
+      <a:lnRef idx="2">
+        <a:scrgbClr r="0" g="0" b="0"/>
+      </a:lnRef>
+      <a:fillRef idx="1">
+        <a:scrgbClr r="0" g="0" b="0"/>
+      </a:fillRef>
+      <a:effectRef idx="0">
+        <a:scrgbClr r="0" g="0" b="0"/>
+      </a:effectRef>
+      <a:fontRef idx="minor"/>
+    </dgm:style>
+  </dgm:styleLbl>
+  <dgm:styleLbl name="asst0">
+    <dgm:scene3d>
+      <a:camera prst="orthographicFront"/>
+      <a:lightRig rig="threePt" dir="t"/>
+    </dgm:scene3d>
+    <dgm:sp3d/>
+    <dgm:txPr/>
+    <dgm:style>
+      <a:lnRef idx="2">
+        <a:scrgbClr r="0" g="0" b="0"/>
+      </a:lnRef>
+      <a:fillRef idx="1">
+        <a:scrgbClr r="0" g="0" b="0"/>
+      </a:fillRef>
+      <a:effectRef idx="0">
+        <a:scrgbClr r="0" g="0" b="0"/>
+      </a:effectRef>
+      <a:fontRef idx="minor">
+        <a:schemeClr val="lt1"/>
+      </a:fontRef>
+    </dgm:style>
+  </dgm:styleLbl>
+  <dgm:styleLbl name="asst1">
+    <dgm:scene3d>
+      <a:camera prst="orthographicFront"/>
+      <a:lightRig rig="threePt" dir="t"/>
+    </dgm:scene3d>
+    <dgm:sp3d/>
+    <dgm:txPr/>
+    <dgm:style>
+      <a:lnRef idx="2">
+        <a:scrgbClr r="0" g="0" b="0"/>
+      </a:lnRef>
+      <a:fillRef idx="1">
+        <a:scrgbClr r="0" g="0" b="0"/>
+      </a:fillRef>
+      <a:effectRef idx="0">
+        <a:scrgbClr r="0" g="0" b="0"/>
+      </a:effectRef>
+      <a:fontRef idx="minor">
+        <a:schemeClr val="lt1"/>
+      </a:fontRef>
+    </dgm:style>
+  </dgm:styleLbl>
+  <dgm:styleLbl name="asst2">
+    <dgm:scene3d>
+      <a:camera prst="orthographicFront"/>
+      <a:lightRig rig="threePt" dir="t"/>
+    </dgm:scene3d>
+    <dgm:sp3d/>
+    <dgm:txPr/>
+    <dgm:style>
+      <a:lnRef idx="2">
+        <a:scrgbClr r="0" g="0" b="0"/>
+      </a:lnRef>
+      <a:fillRef idx="1">
+        <a:scrgbClr r="0" g="0" b="0"/>
+      </a:fillRef>
+      <a:effectRef idx="0">
+        <a:scrgbClr r="0" g="0" b="0"/>
+      </a:effectRef>
+      <a:fontRef idx="minor">
+        <a:schemeClr val="lt1"/>
+      </a:fontRef>
+    </dgm:style>
+  </dgm:styleLbl>
+  <dgm:styleLbl name="asst3">
+    <dgm:scene3d>
+      <a:camera prst="orthographicFront"/>
+      <a:lightRig rig="threePt" dir="t"/>
+    </dgm:scene3d>
+    <dgm:sp3d/>
+    <dgm:txPr/>
+    <dgm:style>
+      <a:lnRef idx="2">
+        <a:scrgbClr r="0" g="0" b="0"/>
+      </a:lnRef>
+      <a:fillRef idx="1">
+        <a:scrgbClr r="0" g="0" b="0"/>
+      </a:fillRef>
+      <a:effectRef idx="0">
+        <a:scrgbClr r="0" g="0" b="0"/>
+      </a:effectRef>
+      <a:fontRef idx="minor">
+        <a:schemeClr val="lt1"/>
+      </a:fontRef>
+    </dgm:style>
+  </dgm:styleLbl>
+  <dgm:styleLbl name="asst4">
+    <dgm:scene3d>
+      <a:camera prst="orthographicFront"/>
+      <a:lightRig rig="threePt" dir="t"/>
+    </dgm:scene3d>
+    <dgm:sp3d/>
+    <dgm:txPr/>
+    <dgm:style>
+      <a:lnRef idx="2">
+        <a:scrgbClr r="0" g="0" b="0"/>
+      </a:lnRef>
+      <a:fillRef idx="1">
+        <a:scrgbClr r="0" g="0" b="0"/>
+      </a:fillRef>
+      <a:effectRef idx="0">
+        <a:scrgbClr r="0" g="0" b="0"/>
+      </a:effectRef>
+      <a:fontRef idx="minor">
+        <a:schemeClr val="lt1"/>
+      </a:fontRef>
+    </dgm:style>
+  </dgm:styleLbl>
+  <dgm:styleLbl name="parChTrans2D1">
+    <dgm:scene3d>
+      <a:camera prst="orthographicFront"/>
+      <a:lightRig rig="threePt" dir="t"/>
+    </dgm:scene3d>
+    <dgm:sp3d/>
+    <dgm:txPr/>
+    <dgm:style>
+      <a:lnRef idx="2">
+        <a:scrgbClr r="0" g="0" b="0"/>
+      </a:lnRef>
+      <a:fillRef idx="1">
+        <a:scrgbClr r="0" g="0" b="0"/>
+      </a:fillRef>
+      <a:effectRef idx="0">
+        <a:scrgbClr r="0" g="0" b="0"/>
+      </a:effectRef>
+      <a:fontRef idx="minor">
+        <a:schemeClr val="lt1"/>
+      </a:fontRef>
+    </dgm:style>
+  </dgm:styleLbl>
+  <dgm:styleLbl name="parChTrans2D2">
+    <dgm:scene3d>
+      <a:camera prst="orthographicFront"/>
+      <a:lightRig rig="threePt" dir="t"/>
+    </dgm:scene3d>
+    <dgm:sp3d/>
+    <dgm:txPr/>
+    <dgm:style>
+      <a:lnRef idx="2">
+        <a:scrgbClr r="0" g="0" b="0"/>
+      </a:lnRef>
+      <a:fillRef idx="1">
+        <a:scrgbClr r="0" g="0" b="0"/>
+      </a:fillRef>
+      <a:effectRef idx="0">
+        <a:scrgbClr r="0" g="0" b="0"/>
+      </a:effectRef>
+      <a:fontRef idx="minor">
+        <a:schemeClr val="lt1"/>
+      </a:fontRef>
+    </dgm:style>
+  </dgm:styleLbl>
+  <dgm:styleLbl name="parChTrans2D3">
+    <dgm:scene3d>
+      <a:camera prst="orthographicFront"/>
+      <a:lightRig rig="threePt" dir="t"/>
+    </dgm:scene3d>
+    <dgm:sp3d/>
+    <dgm:txPr/>
+    <dgm:style>
+      <a:lnRef idx="2">
+        <a:scrgbClr r="0" g="0" b="0"/>
+      </a:lnRef>
+      <a:fillRef idx="1">
+        <a:scrgbClr r="0" g="0" b="0"/>
+      </a:fillRef>
+      <a:effectRef idx="0">
+        <a:scrgbClr r="0" g="0" b="0"/>
+      </a:effectRef>
+      <a:fontRef idx="minor">
+        <a:schemeClr val="lt1"/>
+      </a:fontRef>
+    </dgm:style>
+  </dgm:styleLbl>
+  <dgm:styleLbl name="parChTrans2D4">
+    <dgm:scene3d>
+      <a:camera prst="orthographicFront"/>
+      <a:lightRig rig="threePt" dir="t"/>
+    </dgm:scene3d>
+    <dgm:sp3d/>
+    <dgm:txPr/>
+    <dgm:style>
+      <a:lnRef idx="2">
+        <a:scrgbClr r="0" g="0" b="0"/>
+      </a:lnRef>
+      <a:fillRef idx="1">
+        <a:scrgbClr r="0" g="0" b="0"/>
+      </a:fillRef>
+      <a:effectRef idx="0">
+        <a:scrgbClr r="0" g="0" b="0"/>
+      </a:effectRef>
+      <a:fontRef idx="minor">
+        <a:schemeClr val="lt1"/>
+      </a:fontRef>
+    </dgm:style>
+  </dgm:styleLbl>
+  <dgm:styleLbl name="parChTrans1D1">
+    <dgm:scene3d>
+      <a:camera prst="orthographicFront"/>
+      <a:lightRig rig="threePt" dir="t"/>
+    </dgm:scene3d>
+    <dgm:sp3d/>
+    <dgm:txPr/>
+    <dgm:style>
+      <a:lnRef idx="2">
+        <a:scrgbClr r="0" g="0" b="0"/>
+      </a:lnRef>
+      <a:fillRef idx="0">
+        <a:scrgbClr r="0" g="0" b="0"/>
+      </a:fillRef>
+      <a:effectRef idx="0">
+        <a:scrgbClr r="0" g="0" b="0"/>
+      </a:effectRef>
+      <a:fontRef idx="minor"/>
+    </dgm:style>
+  </dgm:styleLbl>
+  <dgm:styleLbl name="parChTrans1D2">
+    <dgm:scene3d>
+      <a:camera prst="orthographicFront"/>
+      <a:lightRig rig="threePt" dir="t"/>
+    </dgm:scene3d>
+    <dgm:sp3d/>
+    <dgm:txPr/>
+    <dgm:style>
+      <a:lnRef idx="2">
+        <a:scrgbClr r="0" g="0" b="0"/>
+      </a:lnRef>
+      <a:fillRef idx="0">
+        <a:scrgbClr r="0" g="0" b="0"/>
+      </a:fillRef>
+      <a:effectRef idx="0">
+        <a:scrgbClr r="0" g="0" b="0"/>
+      </a:effectRef>
+      <a:fontRef idx="minor"/>
+    </dgm:style>
+  </dgm:styleLbl>
+  <dgm:styleLbl name="parChTrans1D3">
+    <dgm:scene3d>
+      <a:camera prst="orthographicFront"/>
+      <a:lightRig rig="threePt" dir="t"/>
+    </dgm:scene3d>
+    <dgm:sp3d/>
+    <dgm:txPr/>
+    <dgm:style>
+      <a:lnRef idx="2">
+        <a:scrgbClr r="0" g="0" b="0"/>
+      </a:lnRef>
+      <a:fillRef idx="0">
+        <a:scrgbClr r="0" g="0" b="0"/>
+      </a:fillRef>
+      <a:effectRef idx="0">
+        <a:scrgbClr r="0" g="0" b="0"/>
+      </a:effectRef>
+      <a:fontRef idx="minor"/>
+    </dgm:style>
+  </dgm:styleLbl>
+  <dgm:styleLbl name="parChTrans1D4">
+    <dgm:scene3d>
+      <a:camera prst="orthographicFront"/>
+      <a:lightRig rig="threePt" dir="t"/>
+    </dgm:scene3d>
+    <dgm:sp3d/>
+    <dgm:txPr/>
+    <dgm:style>
+      <a:lnRef idx="2">
+        <a:scrgbClr r="0" g="0" b="0"/>
+      </a:lnRef>
+      <a:fillRef idx="0">
+        <a:scrgbClr r="0" g="0" b="0"/>
+      </a:fillRef>
+      <a:effectRef idx="0">
+        <a:scrgbClr r="0" g="0" b="0"/>
+      </a:effectRef>
+      <a:fontRef idx="minor"/>
+    </dgm:style>
+  </dgm:styleLbl>
+  <dgm:styleLbl name="fgAcc1">
+    <dgm:scene3d>
+      <a:camera prst="orthographicFront"/>
+      <a:lightRig rig="threePt" dir="t"/>
+    </dgm:scene3d>
+    <dgm:sp3d/>
+    <dgm:txPr/>
+    <dgm:style>
+      <a:lnRef idx="2">
+        <a:scrgbClr r="0" g="0" b="0"/>
+      </a:lnRef>
+      <a:fillRef idx="1">
+        <a:scrgbClr r="0" g="0" b="0"/>
+      </a:fillRef>
+      <a:effectRef idx="0">
+        <a:scrgbClr r="0" g="0" b="0"/>
+      </a:effectRef>
+      <a:fontRef idx="minor"/>
+    </dgm:style>
+  </dgm:styleLbl>
+  <dgm:styleLbl name="conFgAcc1">
+    <dgm:scene3d>
+      <a:camera prst="orthographicFront"/>
+      <a:lightRig rig="threePt" dir="t"/>
+    </dgm:scene3d>
+    <dgm:sp3d/>
+    <dgm:txPr/>
+    <dgm:style>
+      <a:lnRef idx="2">
+        <a:scrgbClr r="0" g="0" b="0"/>
+      </a:lnRef>
+      <a:fillRef idx="1">
+        <a:scrgbClr r="0" g="0" b="0"/>
+      </a:fillRef>
+      <a:effectRef idx="0">
+        <a:scrgbClr r="0" g="0" b="0"/>
+      </a:effectRef>
+      <a:fontRef idx="minor"/>
+    </dgm:style>
+  </dgm:styleLbl>
+  <dgm:styleLbl name="alignAcc1">
+    <dgm:scene3d>
+      <a:camera prst="orthographicFront"/>
+      <a:lightRig rig="threePt" dir="t"/>
+    </dgm:scene3d>
+    <dgm:sp3d/>
+    <dgm:txPr/>
+    <dgm:style>
+      <a:lnRef idx="2">
+        <a:scrgbClr r="0" g="0" b="0"/>
+      </a:lnRef>
+      <a:fillRef idx="1">
+        <a:scrgbClr r="0" g="0" b="0"/>
+      </a:fillRef>
+      <a:effectRef idx="0">
+        <a:scrgbClr r="0" g="0" b="0"/>
+      </a:effectRef>
+      <a:fontRef idx="minor"/>
+    </dgm:style>
+  </dgm:styleLbl>
+  <dgm:styleLbl name="trAlignAcc1">
+    <dgm:scene3d>
+      <a:camera prst="orthographicFront"/>
+      <a:lightRig rig="threePt" dir="t"/>
+    </dgm:scene3d>
+    <dgm:sp3d/>
+    <dgm:txPr/>
+    <dgm:style>
+      <a:lnRef idx="1">
+        <a:scrgbClr r="0" g="0" b="0"/>
+      </a:lnRef>
+      <a:fillRef idx="1">
+        <a:scrgbClr r="0" g="0" b="0"/>
+      </a:fillRef>
+      <a:effectRef idx="0">
+        <a:scrgbClr r="0" g="0" b="0"/>
+      </a:effectRef>
+      <a:fontRef idx="minor"/>
+    </dgm:style>
+  </dgm:styleLbl>
+  <dgm:styleLbl name="bgAcc1">
+    <dgm:scene3d>
+      <a:camera prst="orthographicFront"/>
+      <a:lightRig rig="threePt" dir="t"/>
+    </dgm:scene3d>
+    <dgm:sp3d/>
+    <dgm:txPr/>
+    <dgm:style>
+      <a:lnRef idx="2">
+        <a:scrgbClr r="0" g="0" b="0"/>
+      </a:lnRef>
+      <a:fillRef idx="1">
+        <a:scrgbClr r="0" g="0" b="0"/>
+      </a:fillRef>
+      <a:effectRef idx="0">
+        <a:scrgbClr r="0" g="0" b="0"/>
+      </a:effectRef>
+      <a:fontRef idx="minor"/>
+    </dgm:style>
+  </dgm:styleLbl>
+  <dgm:styleLbl name="solidFgAcc1">
+    <dgm:scene3d>
+      <a:camera prst="orthographicFront"/>
+      <a:lightRig rig="threePt" dir="t"/>
+    </dgm:scene3d>
+    <dgm:sp3d/>
+    <dgm:txPr/>
+    <dgm:style>
+      <a:lnRef idx="2">
+        <a:scrgbClr r="0" g="0" b="0"/>
+      </a:lnRef>
+      <a:fillRef idx="1">
+        <a:scrgbClr r="0" g="0" b="0"/>
+      </a:fillRef>
+      <a:effectRef idx="0">
+        <a:scrgbClr r="0" g="0" b="0"/>
+      </a:effectRef>
+      <a:fontRef idx="minor"/>
+    </dgm:style>
+  </dgm:styleLbl>
+  <dgm:styleLbl name="solidAlignAcc1">
+    <dgm:scene3d>
+      <a:camera prst="orthographicFront"/>
+      <a:lightRig rig="threePt" dir="t"/>
+    </dgm:scene3d>
+    <dgm:sp3d/>
+    <dgm:txPr/>
+    <dgm:style>
+      <a:lnRef idx="2">
+        <a:scrgbClr r="0" g="0" b="0"/>
+      </a:lnRef>
+      <a:fillRef idx="1">
+        <a:scrgbClr r="0" g="0" b="0"/>
+      </a:fillRef>
+      <a:effectRef idx="0">
+        <a:scrgbClr r="0" g="0" b="0"/>
+      </a:effectRef>
+      <a:fontRef idx="minor"/>
+    </dgm:style>
+  </dgm:styleLbl>
+  <dgm:styleLbl name="solidBgAcc1">
+    <dgm:scene3d>
+      <a:camera prst="orthographicFront"/>
+      <a:lightRig rig="threePt" dir="t"/>
+    </dgm:scene3d>
+    <dgm:sp3d/>
+    <dgm:txPr/>
+    <dgm:style>
+      <a:lnRef idx="2">
+        <a:scrgbClr r="0" g="0" b="0"/>
+      </a:lnRef>
+      <a:fillRef idx="1">
+        <a:scrgbClr r="0" g="0" b="0"/>
+      </a:fillRef>
+      <a:effectRef idx="0">
+        <a:scrgbClr r="0" g="0" b="0"/>
+      </a:effectRef>
+      <a:fontRef idx="minor"/>
+    </dgm:style>
+  </dgm:styleLbl>
+  <dgm:styleLbl name="fgAccFollowNode1">
+    <dgm:scene3d>
+      <a:camera prst="orthographicFront"/>
+      <a:lightRig rig="threePt" dir="t"/>
+    </dgm:scene3d>
+    <dgm:sp3d/>
+    <dgm:txPr/>
+    <dgm:style>
+      <a:lnRef idx="2">
+        <a:scrgbClr r="0" g="0" b="0"/>
+      </a:lnRef>
+      <a:fillRef idx="1">
+        <a:scrgbClr r="0" g="0" b="0"/>
+      </a:fillRef>
+      <a:effectRef idx="0">
+        <a:scrgbClr r="0" g="0" b="0"/>
+      </a:effectRef>
+      <a:fontRef idx="minor"/>
+    </dgm:style>
+  </dgm:styleLbl>
+  <dgm:styleLbl name="alignAccFollowNode1">
+    <dgm:scene3d>
+      <a:camera prst="orthographicFront"/>
+      <a:lightRig rig="threePt" dir="t"/>
+    </dgm:scene3d>
+    <dgm:sp3d/>
+    <dgm:txPr/>
+    <dgm:style>
+      <a:lnRef idx="2">
+        <a:scrgbClr r="0" g="0" b="0"/>
+      </a:lnRef>
+      <a:fillRef idx="1">
+        <a:scrgbClr r="0" g="0" b="0"/>
+      </a:fillRef>
+      <a:effectRef idx="0">
+        <a:scrgbClr r="0" g="0" b="0"/>
+      </a:effectRef>
+      <a:fontRef idx="minor"/>
+    </dgm:style>
+  </dgm:styleLbl>
+  <dgm:styleLbl name="bgAccFollowNode1">
+    <dgm:scene3d>
+      <a:camera prst="orthographicFront"/>
+      <a:lightRig rig="threePt" dir="t"/>
+    </dgm:scene3d>
+    <dgm:sp3d/>
+    <dgm:txPr/>
+    <dgm:style>
+      <a:lnRef idx="2">
+        <a:scrgbClr r="0" g="0" b="0"/>
+      </a:lnRef>
+      <a:fillRef idx="1">
+        <a:scrgbClr r="0" g="0" b="0"/>
+      </a:fillRef>
+      <a:effectRef idx="0">
+        <a:scrgbClr r="0" g="0" b="0"/>
+      </a:effectRef>
+      <a:fontRef idx="minor"/>
+    </dgm:style>
+  </dgm:styleLbl>
+  <dgm:styleLbl name="fgAcc0">
+    <dgm:scene3d>
+      <a:camera prst="orthographicFront"/>
+      <a:lightRig rig="threePt" dir="t"/>
+    </dgm:scene3d>
+    <dgm:sp3d/>
+    <dgm:txPr/>
+    <dgm:style>
+      <a:lnRef idx="2">
+        <a:scrgbClr r="0" g="0" b="0"/>
+      </a:lnRef>
+      <a:fillRef idx="1">
+        <a:scrgbClr r="0" g="0" b="0"/>
+      </a:fillRef>
+      <a:effectRef idx="0">
+        <a:scrgbClr r="0" g="0" b="0"/>
+      </a:effectRef>
+      <a:fontRef idx="minor"/>
+    </dgm:style>
+  </dgm:styleLbl>
+  <dgm:styleLbl name="fgAcc2">
+    <dgm:scene3d>
+      <a:camera prst="orthographicFront"/>
+      <a:lightRig rig="threePt" dir="t"/>
+    </dgm:scene3d>
+    <dgm:sp3d/>
+    <dgm:txPr/>
+    <dgm:style>
+      <a:lnRef idx="2">
+        <a:scrgbClr r="0" g="0" b="0"/>
+      </a:lnRef>
+      <a:fillRef idx="1">
+        <a:scrgbClr r="0" g="0" b="0"/>
+      </a:fillRef>
+      <a:effectRef idx="0">
+        <a:scrgbClr r="0" g="0" b="0"/>
+      </a:effectRef>
+      <a:fontRef idx="minor"/>
+    </dgm:style>
+  </dgm:styleLbl>
+  <dgm:styleLbl name="fgAcc3">
+    <dgm:scene3d>
+      <a:camera prst="orthographicFront"/>
+      <a:lightRig rig="threePt" dir="t"/>
+    </dgm:scene3d>
+    <dgm:sp3d/>
+    <dgm:txPr/>
+    <dgm:style>
+      <a:lnRef idx="2">
+        <a:scrgbClr r="0" g="0" b="0"/>
+      </a:lnRef>
+      <a:fillRef idx="1">
+        <a:scrgbClr r="0" g="0" b="0"/>
+      </a:fillRef>
+      <a:effectRef idx="0">
+        <a:scrgbClr r="0" g="0" b="0"/>
+      </a:effectRef>
+      <a:fontRef idx="minor"/>
+    </dgm:style>
+  </dgm:styleLbl>
+  <dgm:styleLbl name="fgAcc4">
+    <dgm:scene3d>
+      <a:camera prst="orthographicFront"/>
+      <a:lightRig rig="threePt" dir="t"/>
+    </dgm:scene3d>
+    <dgm:sp3d/>
+    <dgm:txPr/>
+    <dgm:style>
+      <a:lnRef idx="2">
+        <a:scrgbClr r="0" g="0" b="0"/>
+      </a:lnRef>
+      <a:fillRef idx="1">
+        <a:scrgbClr r="0" g="0" b="0"/>
+      </a:fillRef>
+      <a:effectRef idx="0">
+        <a:scrgbClr r="0" g="0" b="0"/>
+      </a:effectRef>
+      <a:fontRef idx="minor"/>
+    </dgm:style>
+  </dgm:styleLbl>
+  <dgm:styleLbl name="bgShp">
+    <dgm:scene3d>
+      <a:camera prst="orthographicFront"/>
+      <a:lightRig rig="threePt" dir="t"/>
+    </dgm:scene3d>
+    <dgm:sp3d/>
+    <dgm:txPr/>
+    <dgm:style>
+      <a:lnRef idx="0">
+        <a:scrgbClr r="0" g="0" b="0"/>
+      </a:lnRef>
+      <a:fillRef idx="1">
+        <a:scrgbClr r="0" g="0" b="0"/>
+      </a:fillRef>
+      <a:effectRef idx="0">
+        <a:scrgbClr r="0" g="0" b="0"/>
+      </a:effectRef>
+      <a:fontRef idx="minor"/>
+    </dgm:style>
+  </dgm:styleLbl>
+  <dgm:styleLbl name="dkBgShp">
+    <dgm:scene3d>
+      <a:camera prst="orthographicFront"/>
+      <a:lightRig rig="threePt" dir="t"/>
+    </dgm:scene3d>
+    <dgm:sp3d/>
+    <dgm:txPr/>
+    <dgm:style>
+      <a:lnRef idx="0">
+        <a:scrgbClr r="0" g="0" b="0"/>
+      </a:lnRef>
+      <a:fillRef idx="1">
+        <a:scrgbClr r="0" g="0" b="0"/>
+      </a:fillRef>
+      <a:effectRef idx="0">
+        <a:scrgbClr r="0" g="0" b="0"/>
+      </a:effectRef>
+      <a:fontRef idx="minor"/>
+    </dgm:style>
+  </dgm:styleLbl>
+  <dgm:styleLbl name="trBgShp">
+    <dgm:scene3d>
+      <a:camera prst="orthographicFront"/>
+      <a:lightRig rig="threePt" dir="t"/>
+    </dgm:scene3d>
+    <dgm:sp3d/>
+    <dgm:txPr/>
+    <dgm:style>
+      <a:lnRef idx="0">
+        <a:scrgbClr r="0" g="0" b="0"/>
+      </a:lnRef>
+      <a:fillRef idx="1">
+        <a:scrgbClr r="0" g="0" b="0"/>
+      </a:fillRef>
+      <a:effectRef idx="0">
+        <a:scrgbClr r="0" g="0" b="0"/>
+      </a:effectRef>
+      <a:fontRef idx="minor"/>
+    </dgm:style>
+  </dgm:styleLbl>
+  <dgm:styleLbl name="fgShp">
+    <dgm:scene3d>
+      <a:camera prst="orthographicFront"/>
+      <a:lightRig rig="threePt" dir="t"/>
+    </dgm:scene3d>
+    <dgm:sp3d/>
+    <dgm:txPr/>
+    <dgm:style>
+      <a:lnRef idx="2">
+        <a:scrgbClr r="0" g="0" b="0"/>
+      </a:lnRef>
+      <a:fillRef idx="1">
+        <a:scrgbClr r="0" g="0" b="0"/>
+      </a:fillRef>
+      <a:effectRef idx="0">
+        <a:scrgbClr r="0" g="0" b="0"/>
+      </a:effectRef>
+      <a:fontRef idx="minor"/>
+    </dgm:style>
+  </dgm:styleLbl>
+  <dgm:styleLbl name="revTx">
+    <dgm:scene3d>
+      <a:camera prst="orthographicFront"/>
+      <a:lightRig rig="threePt" dir="t"/>
+    </dgm:scene3d>
+    <dgm:sp3d/>
+    <dgm:txPr/>
+    <dgm:style>
+      <a:lnRef idx="0">
+        <a:scrgbClr r="0" g="0" b="0"/>
+      </a:lnRef>
+      <a:fillRef idx="0">
+        <a:scrgbClr r="0" g="0" b="0"/>
+      </a:fillRef>
+      <a:effectRef idx="0">
+        <a:scrgbClr r="0" g="0" b="0"/>
+      </a:effectRef>
+      <a:fontRef idx="minor"/>
+    </dgm:style>
+  </dgm:styleLbl>
+</dgm:styleDef>
 </file>
 
 <file path=ppt/slideLayouts/slideLayout1.xml><?xml version="1.0" encoding="utf-8"?>
@@ -2988,7 +5991,7 @@
       </p:grpSpPr>
       <p:grpSp>
         <p:nvGrpSpPr>
-          <p:cNvPr id="5" name="Group 7">
+          <p:cNvPr id="27" name="Group 26">
             <a:extLst>
               <a:ext uri="{FF2B5EF4-FFF2-40B4-BE49-F238E27FC236}">
                 <a16:creationId xmlns:a16="http://schemas.microsoft.com/office/drawing/2014/main" id="{D2C4BFA1-2075-4901-9E24-E41D1FDD51FD}"/>
@@ -3019,7 +6022,7 @@
         </p:grpSpPr>
         <p:sp>
           <p:nvSpPr>
-            <p:cNvPr id="9" name="Oval 5">
+            <p:cNvPr id="28" name="Oval 5">
               <a:extLst>
                 <a:ext uri="{FF2B5EF4-FFF2-40B4-BE49-F238E27FC236}">
                   <a16:creationId xmlns:a16="http://schemas.microsoft.com/office/drawing/2014/main" id="{985A7375-E3AF-4F5C-85AE-17E8832952CA}"/>
@@ -3060,7 +6063,7 @@
         </p:sp>
         <p:sp>
           <p:nvSpPr>
-            <p:cNvPr id="6" name="Oval 9">
+            <p:cNvPr id="29" name="Oval 28">
               <a:extLst>
                 <a:ext uri="{FF2B5EF4-FFF2-40B4-BE49-F238E27FC236}">
                   <a16:creationId xmlns:a16="http://schemas.microsoft.com/office/drawing/2014/main" id="{F0307F65-8304-4FA8-A841-D4D7625411BE}"/>
@@ -3101,7 +6104,7 @@
         </p:sp>
         <p:sp>
           <p:nvSpPr>
-            <p:cNvPr id="11" name="Oval 5">
+            <p:cNvPr id="30" name="Oval 5">
               <a:extLst>
                 <a:ext uri="{FF2B5EF4-FFF2-40B4-BE49-F238E27FC236}">
                   <a16:creationId xmlns:a16="http://schemas.microsoft.com/office/drawing/2014/main" id="{C8B8394C-136F-4E05-A002-D93A5E79CD50}"/>
@@ -3170,15 +6173,23 @@
           <a:lstStyle/>
           <a:p>
             <a:r>
-              <a:rPr lang="en-US" sz="1800"/>
-              <a:t>Christopher Sousa, John Canducci, Catherine Gallaher, Dylan Bryant</a:t>
+              <a:rPr lang="en-US" sz="1800" dirty="0"/>
+              <a:t>Christopher Sousa, John </a:t>
+            </a:r>
+            <a:r>
+              <a:rPr lang="en-US" sz="1800" dirty="0" err="1"/>
+              <a:t>Canducci</a:t>
+            </a:r>
+            <a:r>
+              <a:rPr lang="en-US" sz="1800" dirty="0"/>
+              <a:t>, Catherine Gallaher, Dylan Bryant</a:t>
             </a:r>
           </a:p>
         </p:txBody>
       </p:sp>
       <p:sp>
         <p:nvSpPr>
-          <p:cNvPr id="13" name="Rectangle 12">
+          <p:cNvPr id="32" name="Rectangle 31">
             <a:extLst>
               <a:ext uri="{FF2B5EF4-FFF2-40B4-BE49-F238E27FC236}">
                 <a16:creationId xmlns:a16="http://schemas.microsoft.com/office/drawing/2014/main" id="{053FB2EE-284F-4C87-AB3D-BBF87A9FAB97}"/>
@@ -3260,7 +6271,7 @@
           <a:lstStyle/>
           <a:p>
             <a:r>
-              <a:rPr lang="en-US" sz="4000">
+              <a:rPr lang="en-US" sz="4000" dirty="0">
                 <a:solidFill>
                   <a:schemeClr val="bg2"/>
                 </a:solidFill>
@@ -3286,6 +6297,17 @@
 <file path=ppt/slides/slide2.xml><?xml version="1.0" encoding="utf-8"?>
 <p:sld xmlns:a="http://schemas.openxmlformats.org/drawingml/2006/main" xmlns:r="http://schemas.openxmlformats.org/officeDocument/2006/relationships" xmlns:p="http://schemas.openxmlformats.org/presentationml/2006/main">
   <p:cSld>
+    <p:bg>
+      <p:bgPr>
+        <a:solidFill>
+          <a:schemeClr val="bg1">
+            <a:tint val="95000"/>
+            <a:satMod val="170000"/>
+          </a:schemeClr>
+        </a:solidFill>
+        <a:effectLst/>
+      </p:bgPr>
+    </p:bg>
     <p:spTree>
       <p:nvGrpSpPr>
         <p:cNvPr id="1" name=""/>
@@ -3302,6 +6324,173 @@
       </p:grpSpPr>
       <p:sp>
         <p:nvSpPr>
+          <p:cNvPr id="31" name="Freeform: Shape 30">
+            <a:extLst>
+              <a:ext uri="{FF2B5EF4-FFF2-40B4-BE49-F238E27FC236}">
+                <a16:creationId xmlns:a16="http://schemas.microsoft.com/office/drawing/2014/main" id="{48A740BC-A0AA-45E0-B899-2AE9C6FE11CA}"/>
+              </a:ext>
+              <a:ext uri="{C183D7F6-B498-43B3-948B-1728B52AA6E4}">
+                <adec:decorative xmlns:adec="http://schemas.microsoft.com/office/drawing/2017/decorative" val="1"/>
+              </a:ext>
+            </a:extLst>
+          </p:cNvPr>
+          <p:cNvSpPr>
+            <a:spLocks noGrp="1" noRot="1" noChangeAspect="1" noMove="1" noResize="1" noEditPoints="1" noAdjustHandles="1" noChangeArrowheads="1" noChangeShapeType="1" noTextEdit="1"/>
+          </p:cNvSpPr>
+          <p:nvPr>
+            <p:extLst>
+              <p:ext uri="{386F3935-93C4-4BCD-93E2-E3B085C9AB24}">
+                <p16:designElem xmlns:p16="http://schemas.microsoft.com/office/powerpoint/2015/main" val="1"/>
+              </p:ext>
+            </p:extLst>
+          </p:nvPr>
+        </p:nvSpPr>
+        <p:spPr>
+          <a:xfrm>
+            <a:off x="5913121" y="-2"/>
+            <a:ext cx="6278879" cy="6858002"/>
+          </a:xfrm>
+          <a:custGeom>
+            <a:avLst/>
+            <a:gdLst>
+              <a:gd name="connsiteX0" fmla="*/ 45572 w 6278879"/>
+              <a:gd name="connsiteY0" fmla="*/ 0 h 6858002"/>
+              <a:gd name="connsiteX1" fmla="*/ 6278879 w 6278879"/>
+              <a:gd name="connsiteY1" fmla="*/ 0 h 6858002"/>
+              <a:gd name="connsiteX2" fmla="*/ 6278879 w 6278879"/>
+              <a:gd name="connsiteY2" fmla="*/ 6858002 h 6858002"/>
+              <a:gd name="connsiteX3" fmla="*/ 3292308 w 6278879"/>
+              <a:gd name="connsiteY3" fmla="*/ 6858002 h 6858002"/>
+              <a:gd name="connsiteX4" fmla="*/ 3181526 w 6278879"/>
+              <a:gd name="connsiteY4" fmla="*/ 6786982 h 6858002"/>
+              <a:gd name="connsiteX5" fmla="*/ 0 w 6278879"/>
+              <a:gd name="connsiteY5" fmla="*/ 803254 h 6858002"/>
+              <a:gd name="connsiteX6" fmla="*/ 37255 w 6278879"/>
+              <a:gd name="connsiteY6" fmla="*/ 65447 h 6858002"/>
+            </a:gdLst>
+            <a:ahLst/>
+            <a:cxnLst>
+              <a:cxn ang="0">
+                <a:pos x="connsiteX0" y="connsiteY0"/>
+              </a:cxn>
+              <a:cxn ang="0">
+                <a:pos x="connsiteX1" y="connsiteY1"/>
+              </a:cxn>
+              <a:cxn ang="0">
+                <a:pos x="connsiteX2" y="connsiteY2"/>
+              </a:cxn>
+              <a:cxn ang="0">
+                <a:pos x="connsiteX3" y="connsiteY3"/>
+              </a:cxn>
+              <a:cxn ang="0">
+                <a:pos x="connsiteX4" y="connsiteY4"/>
+              </a:cxn>
+              <a:cxn ang="0">
+                <a:pos x="connsiteX5" y="connsiteY5"/>
+              </a:cxn>
+              <a:cxn ang="0">
+                <a:pos x="connsiteX6" y="connsiteY6"/>
+              </a:cxn>
+            </a:cxnLst>
+            <a:rect l="l" t="t" r="r" b="b"/>
+            <a:pathLst>
+              <a:path w="6278879" h="6858002">
+                <a:moveTo>
+                  <a:pt x="45572" y="0"/>
+                </a:moveTo>
+                <a:lnTo>
+                  <a:pt x="6278879" y="0"/>
+                </a:lnTo>
+                <a:lnTo>
+                  <a:pt x="6278879" y="6858002"/>
+                </a:lnTo>
+                <a:lnTo>
+                  <a:pt x="3292308" y="6858002"/>
+                </a:lnTo>
+                <a:lnTo>
+                  <a:pt x="3181526" y="6786982"/>
+                </a:lnTo>
+                <a:cubicBezTo>
+                  <a:pt x="1262021" y="5490191"/>
+                  <a:pt x="0" y="3294103"/>
+                  <a:pt x="0" y="803254"/>
+                </a:cubicBezTo>
+                <a:cubicBezTo>
+                  <a:pt x="0" y="554169"/>
+                  <a:pt x="12620" y="308032"/>
+                  <a:pt x="37255" y="65447"/>
+                </a:cubicBezTo>
+                <a:close/>
+              </a:path>
+            </a:pathLst>
+          </a:custGeom>
+          <a:solidFill>
+            <a:schemeClr val="bg1">
+              <a:lumMod val="85000"/>
+              <a:lumOff val="15000"/>
+              <a:alpha val="70000"/>
+            </a:schemeClr>
+          </a:solidFill>
+          <a:ln>
+            <a:noFill/>
+          </a:ln>
+        </p:spPr>
+        <p:style>
+          <a:lnRef idx="2">
+            <a:schemeClr val="accent1">
+              <a:shade val="50000"/>
+            </a:schemeClr>
+          </a:lnRef>
+          <a:fillRef idx="1">
+            <a:schemeClr val="accent1"/>
+          </a:fillRef>
+          <a:effectRef idx="0">
+            <a:schemeClr val="accent1"/>
+          </a:effectRef>
+          <a:fontRef idx="minor">
+            <a:schemeClr val="lt1"/>
+          </a:fontRef>
+        </p:style>
+        <p:txBody>
+          <a:bodyPr rtlCol="0" anchor="ctr"/>
+          <a:lstStyle/>
+          <a:p>
+            <a:pPr marL="0" marR="0" lvl="0" indent="0" algn="ctr" defTabSz="914400" rtl="0" eaLnBrk="1" fontAlgn="auto" latinLnBrk="0" hangingPunct="1">
+              <a:lnSpc>
+                <a:spcPct val="100000"/>
+              </a:lnSpc>
+              <a:spcBef>
+                <a:spcPts val="0"/>
+              </a:spcBef>
+              <a:spcAft>
+                <a:spcPts val="0"/>
+              </a:spcAft>
+              <a:buClrTx/>
+              <a:buSzTx/>
+              <a:buFontTx/>
+              <a:buNone/>
+              <a:tabLst/>
+              <a:defRPr/>
+            </a:pPr>
+            <a:endParaRPr kumimoji="0" lang="en-US" sz="1800" b="0" i="0" u="none" strike="noStrike" kern="1200" cap="none" spc="0" normalizeH="0" baseline="0" noProof="0">
+              <a:ln>
+                <a:noFill/>
+              </a:ln>
+              <a:solidFill>
+                <a:prstClr val="white"/>
+              </a:solidFill>
+              <a:effectLst/>
+              <a:uLnTx/>
+              <a:uFillTx/>
+              <a:latin typeface="Calibri" panose="020F0502020204030204"/>
+              <a:ea typeface="+mn-ea"/>
+              <a:cs typeface="+mn-cs"/>
+            </a:endParaRPr>
+          </a:p>
+        </p:txBody>
+      </p:sp>
+      <p:sp>
+        <p:nvSpPr>
           <p:cNvPr id="2" name="Title 1">
             <a:extLst>
               <a:ext uri="{FF2B5EF4-FFF2-40B4-BE49-F238E27FC236}">
@@ -3316,18 +6505,78 @@
             <p:ph type="title"/>
           </p:nvPr>
         </p:nvSpPr>
-        <p:spPr/>
+        <p:spPr>
+          <a:xfrm>
+            <a:off x="655320" y="365125"/>
+            <a:ext cx="9013052" cy="1623312"/>
+          </a:xfrm>
+        </p:spPr>
         <p:txBody>
-          <a:bodyPr/>
+          <a:bodyPr anchor="b">
+            <a:normAutofit/>
+          </a:bodyPr>
           <a:lstStyle/>
           <a:p>
             <a:r>
-              <a:rPr lang="en-US" dirty="0"/>
+              <a:rPr lang="en-US" sz="4000" dirty="0"/>
               <a:t>Project summary I guess</a:t>
             </a:r>
           </a:p>
         </p:txBody>
       </p:sp>
+      <p:cxnSp>
+        <p:nvCxnSpPr>
+          <p:cNvPr id="33" name="Straight Arrow Connector 32">
+            <a:extLst>
+              <a:ext uri="{FF2B5EF4-FFF2-40B4-BE49-F238E27FC236}">
+                <a16:creationId xmlns:a16="http://schemas.microsoft.com/office/drawing/2014/main" id="{B874EF51-C858-4BB9-97C3-D17755787127}"/>
+              </a:ext>
+              <a:ext uri="{C183D7F6-B498-43B3-948B-1728B52AA6E4}">
+                <adec:decorative xmlns:adec="http://schemas.microsoft.com/office/drawing/2017/decorative" val="1"/>
+              </a:ext>
+            </a:extLst>
+          </p:cNvPr>
+          <p:cNvCxnSpPr>
+            <a:cxnSpLocks noGrp="1" noRot="1" noChangeAspect="1" noMove="1" noResize="1" noEditPoints="1" noAdjustHandles="1" noChangeArrowheads="1" noChangeShapeType="1"/>
+          </p:cNvCxnSpPr>
+          <p:nvPr>
+            <p:extLst>
+              <p:ext uri="{386F3935-93C4-4BCD-93E2-E3B085C9AB24}">
+                <p16:designElem xmlns:p16="http://schemas.microsoft.com/office/powerpoint/2015/main" val="1"/>
+              </p:ext>
+            </p:extLst>
+          </p:nvPr>
+        </p:nvCxnSpPr>
+        <p:spPr>
+          <a:xfrm>
+            <a:off x="763661" y="2316480"/>
+            <a:ext cx="8229600" cy="0"/>
+          </a:xfrm>
+          <a:prstGeom prst="straightConnector1">
+            <a:avLst/>
+          </a:prstGeom>
+          <a:ln w="19050" cap="sq">
+            <a:solidFill>
+              <a:schemeClr val="tx1"/>
+            </a:solidFill>
+            <a:tailEnd type="none"/>
+          </a:ln>
+        </p:spPr>
+        <p:style>
+          <a:lnRef idx="1">
+            <a:schemeClr val="accent1"/>
+          </a:lnRef>
+          <a:fillRef idx="0">
+            <a:schemeClr val="accent1"/>
+          </a:fillRef>
+          <a:effectRef idx="0">
+            <a:schemeClr val="accent1"/>
+          </a:effectRef>
+          <a:fontRef idx="minor">
+            <a:schemeClr val="tx1"/>
+          </a:fontRef>
+        </p:style>
+      </p:cxnSp>
       <p:sp>
         <p:nvSpPr>
           <p:cNvPr id="3" name="Content Placeholder 2">
@@ -3344,12 +6593,38 @@
             <p:ph idx="1"/>
           </p:nvPr>
         </p:nvSpPr>
-        <p:spPr/>
+        <p:spPr>
+          <a:xfrm>
+            <a:off x="655320" y="2644518"/>
+            <a:ext cx="9013052" cy="3327251"/>
+          </a:xfrm>
+        </p:spPr>
         <p:txBody>
-          <a:bodyPr/>
+          <a:bodyPr>
+            <a:normAutofit/>
+          </a:bodyPr>
           <a:lstStyle/>
           <a:p>
-            <a:endParaRPr lang="en-US"/>
+            <a:r>
+              <a:rPr lang="en-US" sz="2000" dirty="0" err="1"/>
+              <a:t>DnD</a:t>
+            </a:r>
+            <a:r>
+              <a:rPr lang="en-US" sz="2000" dirty="0"/>
+              <a:t>:  A game.  It exists.</a:t>
+            </a:r>
+          </a:p>
+          <a:p>
+            <a:r>
+              <a:rPr lang="en-US" sz="2000" dirty="0"/>
+              <a:t>Character sheet at the beginning of the game, updated intermittently</a:t>
+            </a:r>
+          </a:p>
+          <a:p>
+            <a:r>
+              <a:rPr lang="en-US" sz="2000" dirty="0"/>
+              <a:t>Basically, you make a character to play in the game because it’s a role playing game. I’m sure literally everyone in the room knows this, but we’ll say it anyway.  </a:t>
+            </a:r>
           </a:p>
         </p:txBody>
       </p:sp>
@@ -3369,6 +6644,14 @@
 <file path=ppt/slides/slide3.xml><?xml version="1.0" encoding="utf-8"?>
 <p:sld xmlns:a="http://schemas.openxmlformats.org/drawingml/2006/main" xmlns:r="http://schemas.openxmlformats.org/officeDocument/2006/relationships" xmlns:p="http://schemas.openxmlformats.org/presentationml/2006/main">
   <p:cSld>
+    <p:bg>
+      <p:bgPr>
+        <a:solidFill>
+          <a:schemeClr val="bg1"/>
+        </a:solidFill>
+        <a:effectLst/>
+      </p:bgPr>
+    </p:bg>
     <p:spTree>
       <p:nvGrpSpPr>
         <p:cNvPr id="1" name=""/>
@@ -3385,6 +6668,600 @@
       </p:grpSpPr>
       <p:sp>
         <p:nvSpPr>
+          <p:cNvPr id="10" name="Freeform: Shape 9">
+            <a:extLst>
+              <a:ext uri="{FF2B5EF4-FFF2-40B4-BE49-F238E27FC236}">
+                <a16:creationId xmlns:a16="http://schemas.microsoft.com/office/drawing/2014/main" id="{42285737-90EE-47DC-AC80-8AE156B11969}"/>
+              </a:ext>
+              <a:ext uri="{C183D7F6-B498-43B3-948B-1728B52AA6E4}">
+                <adec:decorative xmlns:adec="http://schemas.microsoft.com/office/drawing/2017/decorative" val="1"/>
+              </a:ext>
+            </a:extLst>
+          </p:cNvPr>
+          <p:cNvSpPr>
+            <a:spLocks noGrp="1" noRot="1" noChangeAspect="1" noMove="1" noResize="1" noEditPoints="1" noAdjustHandles="1" noChangeArrowheads="1" noChangeShapeType="1" noTextEdit="1"/>
+          </p:cNvSpPr>
+          <p:nvPr>
+            <p:extLst>
+              <p:ext uri="{386F3935-93C4-4BCD-93E2-E3B085C9AB24}">
+                <p16:designElem xmlns:p16="http://schemas.microsoft.com/office/powerpoint/2015/main" val="1"/>
+              </p:ext>
+            </p:extLst>
+          </p:nvPr>
+        </p:nvSpPr>
+        <p:spPr>
+          <a:xfrm flipV="1">
+            <a:off x="-1" y="-1"/>
+            <a:ext cx="4403709" cy="6858001"/>
+          </a:xfrm>
+          <a:custGeom>
+            <a:avLst/>
+            <a:gdLst>
+              <a:gd name="connsiteX0" fmla="*/ 3223890 w 4403709"/>
+              <a:gd name="connsiteY0" fmla="*/ 6858001 h 6858001"/>
+              <a:gd name="connsiteX1" fmla="*/ 4101908 w 4403709"/>
+              <a:gd name="connsiteY1" fmla="*/ 6858001 h 6858001"/>
+              <a:gd name="connsiteX2" fmla="*/ 3254950 w 4403709"/>
+              <a:gd name="connsiteY2" fmla="*/ 1599356 h 6858001"/>
+              <a:gd name="connsiteX3" fmla="*/ 3254950 w 4403709"/>
+              <a:gd name="connsiteY3" fmla="*/ 1594062 h 6858001"/>
+              <a:gd name="connsiteX4" fmla="*/ 4403709 w 4403709"/>
+              <a:gd name="connsiteY4" fmla="*/ 0 h 6858001"/>
+              <a:gd name="connsiteX5" fmla="*/ 3254950 w 4403709"/>
+              <a:gd name="connsiteY5" fmla="*/ 0 h 6858001"/>
+              <a:gd name="connsiteX6" fmla="*/ 2903520 w 4403709"/>
+              <a:gd name="connsiteY6" fmla="*/ 0 h 6858001"/>
+              <a:gd name="connsiteX7" fmla="*/ 0 w 4403709"/>
+              <a:gd name="connsiteY7" fmla="*/ 0 h 6858001"/>
+              <a:gd name="connsiteX8" fmla="*/ 0 w 4403709"/>
+              <a:gd name="connsiteY8" fmla="*/ 6858000 h 6858001"/>
+              <a:gd name="connsiteX9" fmla="*/ 3223890 w 4403709"/>
+              <a:gd name="connsiteY9" fmla="*/ 6858000 h 6858001"/>
+            </a:gdLst>
+            <a:ahLst/>
+            <a:cxnLst>
+              <a:cxn ang="0">
+                <a:pos x="connsiteX0" y="connsiteY0"/>
+              </a:cxn>
+              <a:cxn ang="0">
+                <a:pos x="connsiteX1" y="connsiteY1"/>
+              </a:cxn>
+              <a:cxn ang="0">
+                <a:pos x="connsiteX2" y="connsiteY2"/>
+              </a:cxn>
+              <a:cxn ang="0">
+                <a:pos x="connsiteX3" y="connsiteY3"/>
+              </a:cxn>
+              <a:cxn ang="0">
+                <a:pos x="connsiteX4" y="connsiteY4"/>
+              </a:cxn>
+              <a:cxn ang="0">
+                <a:pos x="connsiteX5" y="connsiteY5"/>
+              </a:cxn>
+              <a:cxn ang="0">
+                <a:pos x="connsiteX6" y="connsiteY6"/>
+              </a:cxn>
+              <a:cxn ang="0">
+                <a:pos x="connsiteX7" y="connsiteY7"/>
+              </a:cxn>
+              <a:cxn ang="0">
+                <a:pos x="connsiteX8" y="connsiteY8"/>
+              </a:cxn>
+              <a:cxn ang="0">
+                <a:pos x="connsiteX9" y="connsiteY9"/>
+              </a:cxn>
+            </a:cxnLst>
+            <a:rect l="l" t="t" r="r" b="b"/>
+            <a:pathLst>
+              <a:path w="4403709" h="6858001">
+                <a:moveTo>
+                  <a:pt x="3223890" y="6858001"/>
+                </a:moveTo>
+                <a:lnTo>
+                  <a:pt x="4101908" y="6858001"/>
+                </a:lnTo>
+                <a:lnTo>
+                  <a:pt x="3254950" y="1599356"/>
+                </a:lnTo>
+                <a:lnTo>
+                  <a:pt x="3254950" y="1594062"/>
+                </a:lnTo>
+                <a:lnTo>
+                  <a:pt x="4403709" y="0"/>
+                </a:lnTo>
+                <a:lnTo>
+                  <a:pt x="3254950" y="0"/>
+                </a:lnTo>
+                <a:lnTo>
+                  <a:pt x="2903520" y="0"/>
+                </a:lnTo>
+                <a:lnTo>
+                  <a:pt x="0" y="0"/>
+                </a:lnTo>
+                <a:lnTo>
+                  <a:pt x="0" y="6858000"/>
+                </a:lnTo>
+                <a:lnTo>
+                  <a:pt x="3223890" y="6858000"/>
+                </a:lnTo>
+                <a:close/>
+              </a:path>
+            </a:pathLst>
+          </a:custGeom>
+          <a:ln>
+            <a:noFill/>
+          </a:ln>
+        </p:spPr>
+        <p:style>
+          <a:lnRef idx="2">
+            <a:schemeClr val="accent1">
+              <a:shade val="50000"/>
+            </a:schemeClr>
+          </a:lnRef>
+          <a:fillRef idx="1002">
+            <a:schemeClr val="dk1"/>
+          </a:fillRef>
+          <a:effectRef idx="0">
+            <a:schemeClr val="accent1"/>
+          </a:effectRef>
+          <a:fontRef idx="minor">
+            <a:schemeClr val="lt1"/>
+          </a:fontRef>
+        </p:style>
+        <p:txBody>
+          <a:bodyPr rtlCol="0" anchor="ctr"/>
+          <a:lstStyle/>
+          <a:p>
+            <a:pPr marL="0" marR="0" lvl="0" indent="0" algn="ctr" defTabSz="457200" rtl="0" eaLnBrk="1" fontAlgn="auto" latinLnBrk="0" hangingPunct="1">
+              <a:lnSpc>
+                <a:spcPct val="100000"/>
+              </a:lnSpc>
+              <a:spcBef>
+                <a:spcPts val="0"/>
+              </a:spcBef>
+              <a:spcAft>
+                <a:spcPts val="0"/>
+              </a:spcAft>
+              <a:buClrTx/>
+              <a:buSzTx/>
+              <a:buFontTx/>
+              <a:buNone/>
+              <a:tabLst/>
+              <a:defRPr/>
+            </a:pPr>
+            <a:endParaRPr kumimoji="0" lang="en-US" sz="1800" b="0" i="0" u="none" strike="noStrike" kern="1200" cap="none" spc="0" normalizeH="0" baseline="0" noProof="0">
+              <a:ln>
+                <a:noFill/>
+              </a:ln>
+              <a:solidFill>
+                <a:prstClr val="black"/>
+              </a:solidFill>
+              <a:effectLst/>
+              <a:uLnTx/>
+              <a:uFillTx/>
+              <a:latin typeface="Calibri" panose="020F0502020204030204"/>
+              <a:ea typeface="+mn-ea"/>
+              <a:cs typeface="+mn-cs"/>
+            </a:endParaRPr>
+          </a:p>
+        </p:txBody>
+      </p:sp>
+      <p:grpSp>
+        <p:nvGrpSpPr>
+          <p:cNvPr id="19" name="Group 11">
+            <a:extLst>
+              <a:ext uri="{FF2B5EF4-FFF2-40B4-BE49-F238E27FC236}">
+                <a16:creationId xmlns:a16="http://schemas.microsoft.com/office/drawing/2014/main" id="{B57BDC17-F1B3-455F-BBF1-680AA1F25C06}"/>
+              </a:ext>
+              <a:ext uri="{C183D7F6-B498-43B3-948B-1728B52AA6E4}">
+                <adec:decorative xmlns:adec="http://schemas.microsoft.com/office/drawing/2017/decorative" val="1"/>
+              </a:ext>
+            </a:extLst>
+          </p:cNvPr>
+          <p:cNvGrpSpPr>
+            <a:grpSpLocks noGrp="1" noUngrp="1" noRot="1" noChangeAspect="1" noMove="1" noResize="1"/>
+          </p:cNvGrpSpPr>
+          <p:nvPr>
+            <p:extLst>
+              <p:ext uri="{386F3935-93C4-4BCD-93E2-E3B085C9AB24}">
+                <p16:designElem xmlns:p16="http://schemas.microsoft.com/office/powerpoint/2015/main" val="1"/>
+              </p:ext>
+            </p:extLst>
+          </p:nvPr>
+        </p:nvGrpSpPr>
+        <p:grpSpPr>
+          <a:xfrm>
+            <a:off x="3315292" y="0"/>
+            <a:ext cx="2436813" cy="6858001"/>
+            <a:chOff x="1320800" y="0"/>
+            <a:chExt cx="2436813" cy="6858001"/>
+          </a:xfrm>
+        </p:grpSpPr>
+        <p:sp>
+          <p:nvSpPr>
+            <p:cNvPr id="20" name="Freeform 6">
+              <a:extLst>
+                <a:ext uri="{FF2B5EF4-FFF2-40B4-BE49-F238E27FC236}">
+                  <a16:creationId xmlns:a16="http://schemas.microsoft.com/office/drawing/2014/main" id="{64E2FA9A-FEF7-4501-B0EB-5E45EDD2177A}"/>
+                </a:ext>
+                <a:ext uri="{C183D7F6-B498-43B3-948B-1728B52AA6E4}">
+                  <adec:decorative xmlns:adec="http://schemas.microsoft.com/office/drawing/2017/decorative" val="1"/>
+                </a:ext>
+              </a:extLst>
+            </p:cNvPr>
+            <p:cNvSpPr/>
+            <p:nvPr>
+              <p:extLst>
+                <p:ext uri="{386F3935-93C4-4BCD-93E2-E3B085C9AB24}">
+                  <p16:designElem xmlns:p16="http://schemas.microsoft.com/office/powerpoint/2015/main" val="1"/>
+                </p:ext>
+              </p:extLst>
+            </p:nvPr>
+          </p:nvSpPr>
+          <p:spPr bwMode="auto">
+            <a:xfrm>
+              <a:off x="1627188" y="0"/>
+              <a:ext cx="1122363" cy="5329238"/>
+            </a:xfrm>
+            <a:custGeom>
+              <a:avLst/>
+              <a:gdLst/>
+              <a:ahLst/>
+              <a:cxnLst/>
+              <a:rect l="0" t="0" r="r" b="b"/>
+              <a:pathLst>
+                <a:path w="707" h="3357">
+                  <a:moveTo>
+                    <a:pt x="0" y="3330"/>
+                  </a:moveTo>
+                  <a:lnTo>
+                    <a:pt x="156" y="3357"/>
+                  </a:lnTo>
+                  <a:lnTo>
+                    <a:pt x="707" y="0"/>
+                  </a:lnTo>
+                  <a:lnTo>
+                    <a:pt x="547" y="0"/>
+                  </a:lnTo>
+                  <a:lnTo>
+                    <a:pt x="0" y="3330"/>
+                  </a:lnTo>
+                  <a:close/>
+                </a:path>
+              </a:pathLst>
+            </a:custGeom>
+            <a:solidFill>
+              <a:schemeClr val="accent1"/>
+            </a:solidFill>
+            <a:ln>
+              <a:noFill/>
+            </a:ln>
+          </p:spPr>
+        </p:sp>
+        <p:sp>
+          <p:nvSpPr>
+            <p:cNvPr id="14" name="Freeform 7">
+              <a:extLst>
+                <a:ext uri="{FF2B5EF4-FFF2-40B4-BE49-F238E27FC236}">
+                  <a16:creationId xmlns:a16="http://schemas.microsoft.com/office/drawing/2014/main" id="{BC38192B-B4CB-47D4-A3B1-10010247F158}"/>
+                </a:ext>
+                <a:ext uri="{C183D7F6-B498-43B3-948B-1728B52AA6E4}">
+                  <adec:decorative xmlns:adec="http://schemas.microsoft.com/office/drawing/2017/decorative" val="1"/>
+                </a:ext>
+              </a:extLst>
+            </p:cNvPr>
+            <p:cNvSpPr/>
+            <p:nvPr>
+              <p:extLst>
+                <p:ext uri="{386F3935-93C4-4BCD-93E2-E3B085C9AB24}">
+                  <p16:designElem xmlns:p16="http://schemas.microsoft.com/office/powerpoint/2015/main" val="1"/>
+                </p:ext>
+              </p:extLst>
+            </p:nvPr>
+          </p:nvSpPr>
+          <p:spPr bwMode="auto">
+            <a:xfrm>
+              <a:off x="1320800" y="0"/>
+              <a:ext cx="1117600" cy="5276850"/>
+            </a:xfrm>
+            <a:custGeom>
+              <a:avLst/>
+              <a:gdLst/>
+              <a:ahLst/>
+              <a:cxnLst/>
+              <a:rect l="0" t="0" r="r" b="b"/>
+              <a:pathLst>
+                <a:path w="704" h="3324">
+                  <a:moveTo>
+                    <a:pt x="704" y="0"/>
+                  </a:moveTo>
+                  <a:lnTo>
+                    <a:pt x="545" y="0"/>
+                  </a:lnTo>
+                  <a:lnTo>
+                    <a:pt x="0" y="3300"/>
+                  </a:lnTo>
+                  <a:lnTo>
+                    <a:pt x="157" y="3324"/>
+                  </a:lnTo>
+                  <a:lnTo>
+                    <a:pt x="704" y="0"/>
+                  </a:lnTo>
+                  <a:close/>
+                </a:path>
+              </a:pathLst>
+            </a:custGeom>
+            <a:solidFill>
+              <a:srgbClr val="595959"/>
+            </a:solidFill>
+            <a:ln>
+              <a:noFill/>
+            </a:ln>
+          </p:spPr>
+        </p:sp>
+        <p:sp>
+          <p:nvSpPr>
+            <p:cNvPr id="15" name="Freeform 8">
+              <a:extLst>
+                <a:ext uri="{FF2B5EF4-FFF2-40B4-BE49-F238E27FC236}">
+                  <a16:creationId xmlns:a16="http://schemas.microsoft.com/office/drawing/2014/main" id="{96330E33-E171-4B0F-82B5-AF7230399B5C}"/>
+                </a:ext>
+                <a:ext uri="{C183D7F6-B498-43B3-948B-1728B52AA6E4}">
+                  <adec:decorative xmlns:adec="http://schemas.microsoft.com/office/drawing/2017/decorative" val="1"/>
+                </a:ext>
+              </a:extLst>
+            </p:cNvPr>
+            <p:cNvSpPr/>
+            <p:nvPr>
+              <p:extLst>
+                <p:ext uri="{386F3935-93C4-4BCD-93E2-E3B085C9AB24}">
+                  <p16:designElem xmlns:p16="http://schemas.microsoft.com/office/powerpoint/2015/main" val="1"/>
+                </p:ext>
+              </p:extLst>
+            </p:nvPr>
+          </p:nvSpPr>
+          <p:spPr bwMode="auto">
+            <a:xfrm>
+              <a:off x="1320800" y="5238750"/>
+              <a:ext cx="1228725" cy="1619250"/>
+            </a:xfrm>
+            <a:custGeom>
+              <a:avLst/>
+              <a:gdLst/>
+              <a:ahLst/>
+              <a:cxnLst/>
+              <a:rect l="0" t="0" r="r" b="b"/>
+              <a:pathLst>
+                <a:path w="774" h="1020">
+                  <a:moveTo>
+                    <a:pt x="0" y="0"/>
+                  </a:moveTo>
+                  <a:lnTo>
+                    <a:pt x="740" y="1020"/>
+                  </a:lnTo>
+                  <a:lnTo>
+                    <a:pt x="774" y="1020"/>
+                  </a:lnTo>
+                  <a:lnTo>
+                    <a:pt x="0" y="0"/>
+                  </a:lnTo>
+                  <a:close/>
+                </a:path>
+              </a:pathLst>
+            </a:custGeom>
+            <a:solidFill>
+              <a:srgbClr val="262626"/>
+            </a:solidFill>
+            <a:ln>
+              <a:noFill/>
+            </a:ln>
+          </p:spPr>
+        </p:sp>
+        <p:sp>
+          <p:nvSpPr>
+            <p:cNvPr id="16" name="Freeform 9">
+              <a:extLst>
+                <a:ext uri="{FF2B5EF4-FFF2-40B4-BE49-F238E27FC236}">
+                  <a16:creationId xmlns:a16="http://schemas.microsoft.com/office/drawing/2014/main" id="{332B1723-69BF-42D7-B757-0FA059E15256}"/>
+                </a:ext>
+                <a:ext uri="{C183D7F6-B498-43B3-948B-1728B52AA6E4}">
+                  <adec:decorative xmlns:adec="http://schemas.microsoft.com/office/drawing/2017/decorative" val="1"/>
+                </a:ext>
+              </a:extLst>
+            </p:cNvPr>
+            <p:cNvSpPr/>
+            <p:nvPr>
+              <p:extLst>
+                <p:ext uri="{386F3935-93C4-4BCD-93E2-E3B085C9AB24}">
+                  <p16:designElem xmlns:p16="http://schemas.microsoft.com/office/powerpoint/2015/main" val="1"/>
+                </p:ext>
+              </p:extLst>
+            </p:nvPr>
+          </p:nvSpPr>
+          <p:spPr bwMode="auto">
+            <a:xfrm>
+              <a:off x="1627188" y="5291138"/>
+              <a:ext cx="1495425" cy="1566863"/>
+            </a:xfrm>
+            <a:custGeom>
+              <a:avLst/>
+              <a:gdLst/>
+              <a:ahLst/>
+              <a:cxnLst/>
+              <a:rect l="0" t="0" r="r" b="b"/>
+              <a:pathLst>
+                <a:path w="942" h="987">
+                  <a:moveTo>
+                    <a:pt x="0" y="0"/>
+                  </a:moveTo>
+                  <a:lnTo>
+                    <a:pt x="909" y="987"/>
+                  </a:lnTo>
+                  <a:lnTo>
+                    <a:pt x="942" y="987"/>
+                  </a:lnTo>
+                  <a:lnTo>
+                    <a:pt x="0" y="0"/>
+                  </a:lnTo>
+                  <a:close/>
+                </a:path>
+              </a:pathLst>
+            </a:custGeom>
+            <a:solidFill>
+              <a:schemeClr val="accent1">
+                <a:lumMod val="50000"/>
+              </a:schemeClr>
+            </a:solidFill>
+            <a:ln>
+              <a:noFill/>
+            </a:ln>
+          </p:spPr>
+        </p:sp>
+        <p:sp>
+          <p:nvSpPr>
+            <p:cNvPr id="17" name="Freeform 10">
+              <a:extLst>
+                <a:ext uri="{FF2B5EF4-FFF2-40B4-BE49-F238E27FC236}">
+                  <a16:creationId xmlns:a16="http://schemas.microsoft.com/office/drawing/2014/main" id="{F115D62D-1E96-48D1-A78D-D370A0BFB9B5}"/>
+                </a:ext>
+                <a:ext uri="{C183D7F6-B498-43B3-948B-1728B52AA6E4}">
+                  <adec:decorative xmlns:adec="http://schemas.microsoft.com/office/drawing/2017/decorative" val="1"/>
+                </a:ext>
+              </a:extLst>
+            </p:cNvPr>
+            <p:cNvSpPr/>
+            <p:nvPr>
+              <p:extLst>
+                <p:ext uri="{386F3935-93C4-4BCD-93E2-E3B085C9AB24}">
+                  <p16:designElem xmlns:p16="http://schemas.microsoft.com/office/powerpoint/2015/main" val="1"/>
+                </p:ext>
+              </p:extLst>
+            </p:nvPr>
+          </p:nvSpPr>
+          <p:spPr bwMode="auto">
+            <a:xfrm>
+              <a:off x="1627188" y="5286375"/>
+              <a:ext cx="2130425" cy="1571625"/>
+            </a:xfrm>
+            <a:custGeom>
+              <a:avLst/>
+              <a:gdLst/>
+              <a:ahLst/>
+              <a:cxnLst/>
+              <a:rect l="0" t="0" r="r" b="b"/>
+              <a:pathLst>
+                <a:path w="1342" h="990">
+                  <a:moveTo>
+                    <a:pt x="0" y="3"/>
+                  </a:moveTo>
+                  <a:lnTo>
+                    <a:pt x="942" y="990"/>
+                  </a:lnTo>
+                  <a:lnTo>
+                    <a:pt x="1342" y="990"/>
+                  </a:lnTo>
+                  <a:lnTo>
+                    <a:pt x="156" y="27"/>
+                  </a:lnTo>
+                  <a:lnTo>
+                    <a:pt x="0" y="0"/>
+                  </a:lnTo>
+                  <a:lnTo>
+                    <a:pt x="0" y="3"/>
+                  </a:lnTo>
+                  <a:close/>
+                </a:path>
+              </a:pathLst>
+            </a:custGeom>
+            <a:solidFill>
+              <a:schemeClr val="accent1">
+                <a:lumMod val="75000"/>
+              </a:schemeClr>
+            </a:solidFill>
+            <a:ln>
+              <a:noFill/>
+            </a:ln>
+          </p:spPr>
+        </p:sp>
+        <p:sp>
+          <p:nvSpPr>
+            <p:cNvPr id="18" name="Freeform 11">
+              <a:extLst>
+                <a:ext uri="{FF2B5EF4-FFF2-40B4-BE49-F238E27FC236}">
+                  <a16:creationId xmlns:a16="http://schemas.microsoft.com/office/drawing/2014/main" id="{91C2876A-169D-4822-A766-C00578C88B4B}"/>
+                </a:ext>
+                <a:ext uri="{C183D7F6-B498-43B3-948B-1728B52AA6E4}">
+                  <adec:decorative xmlns:adec="http://schemas.microsoft.com/office/drawing/2017/decorative" val="1"/>
+                </a:ext>
+              </a:extLst>
+            </p:cNvPr>
+            <p:cNvSpPr/>
+            <p:nvPr>
+              <p:extLst>
+                <p:ext uri="{386F3935-93C4-4BCD-93E2-E3B085C9AB24}">
+                  <p16:designElem xmlns:p16="http://schemas.microsoft.com/office/powerpoint/2015/main" val="1"/>
+                </p:ext>
+              </p:extLst>
+            </p:nvPr>
+          </p:nvSpPr>
+          <p:spPr bwMode="auto">
+            <a:xfrm>
+              <a:off x="1320800" y="5238750"/>
+              <a:ext cx="1695450" cy="1619250"/>
+            </a:xfrm>
+            <a:custGeom>
+              <a:avLst/>
+              <a:gdLst/>
+              <a:ahLst/>
+              <a:cxnLst/>
+              <a:rect l="0" t="0" r="r" b="b"/>
+              <a:pathLst>
+                <a:path w="1068" h="1020">
+                  <a:moveTo>
+                    <a:pt x="1068" y="1020"/>
+                  </a:moveTo>
+                  <a:lnTo>
+                    <a:pt x="184" y="60"/>
+                  </a:lnTo>
+                  <a:lnTo>
+                    <a:pt x="154" y="27"/>
+                  </a:lnTo>
+                  <a:lnTo>
+                    <a:pt x="157" y="27"/>
+                  </a:lnTo>
+                  <a:lnTo>
+                    <a:pt x="157" y="24"/>
+                  </a:lnTo>
+                  <a:lnTo>
+                    <a:pt x="154" y="24"/>
+                  </a:lnTo>
+                  <a:lnTo>
+                    <a:pt x="0" y="0"/>
+                  </a:lnTo>
+                  <a:lnTo>
+                    <a:pt x="0" y="0"/>
+                  </a:lnTo>
+                  <a:lnTo>
+                    <a:pt x="774" y="1020"/>
+                  </a:lnTo>
+                  <a:lnTo>
+                    <a:pt x="1068" y="1020"/>
+                  </a:lnTo>
+                  <a:close/>
+                </a:path>
+              </a:pathLst>
+            </a:custGeom>
+            <a:solidFill>
+              <a:srgbClr val="404040"/>
+            </a:solidFill>
+            <a:ln>
+              <a:noFill/>
+            </a:ln>
+          </p:spPr>
+        </p:sp>
+      </p:grpSp>
+      <p:sp>
+        <p:nvSpPr>
           <p:cNvPr id="2" name="Title 1">
             <a:extLst>
               <a:ext uri="{FF2B5EF4-FFF2-40B4-BE49-F238E27FC236}">
@@ -3399,43 +7276,60 @@
             <p:ph type="title"/>
           </p:nvPr>
         </p:nvSpPr>
-        <p:spPr/>
+        <p:spPr>
+          <a:xfrm>
+            <a:off x="535020" y="685800"/>
+            <a:ext cx="2780271" cy="5105400"/>
+          </a:xfrm>
+        </p:spPr>
         <p:txBody>
-          <a:bodyPr/>
+          <a:bodyPr>
+            <a:normAutofit/>
+          </a:bodyPr>
           <a:lstStyle/>
           <a:p>
             <a:r>
-              <a:rPr lang="en-US" dirty="0"/>
+              <a:rPr lang="en-US" sz="4000">
+                <a:solidFill>
+                  <a:srgbClr val="FFFFFF"/>
+                </a:solidFill>
+              </a:rPr>
               <a:t>Division of labor</a:t>
             </a:r>
           </a:p>
         </p:txBody>
       </p:sp>
-      <p:sp>
-        <p:nvSpPr>
-          <p:cNvPr id="3" name="Content Placeholder 2">
+      <p:graphicFrame>
+        <p:nvGraphicFramePr>
+          <p:cNvPr id="5" name="Content Placeholder 2">
             <a:extLst>
               <a:ext uri="{FF2B5EF4-FFF2-40B4-BE49-F238E27FC236}">
-                <a16:creationId xmlns:a16="http://schemas.microsoft.com/office/drawing/2014/main" id="{55E1E80B-6396-D247-8E7D-D72FD8A2DBD7}"/>
+                <a16:creationId xmlns:a16="http://schemas.microsoft.com/office/drawing/2014/main" id="{632B1C5A-ECA1-4144-A391-5C84C06094B1}"/>
               </a:ext>
             </a:extLst>
           </p:cNvPr>
-          <p:cNvSpPr>
-            <a:spLocks noGrp="1"/>
-          </p:cNvSpPr>
+          <p:cNvGraphicFramePr>
+            <a:graphicFrameLocks noGrp="1"/>
+          </p:cNvGraphicFramePr>
           <p:nvPr>
             <p:ph idx="1"/>
-          </p:nvPr>
-        </p:nvSpPr>
-        <p:spPr/>
-        <p:txBody>
-          <a:bodyPr/>
-          <a:lstStyle/>
-          <a:p>
-            <a:endParaRPr lang="en-US"/>
-          </a:p>
-        </p:txBody>
-      </p:sp>
+            <p:extLst>
+              <p:ext uri="{D42A27DB-BD31-4B8C-83A1-F6EECF244321}">
+                <p14:modId xmlns:p14="http://schemas.microsoft.com/office/powerpoint/2010/main" val="2471502492"/>
+              </p:ext>
+            </p:extLst>
+          </p:nvPr>
+        </p:nvGraphicFramePr>
+        <p:xfrm>
+          <a:off x="5010150" y="685800"/>
+          <a:ext cx="6492875" cy="5105400"/>
+        </p:xfrm>
+        <a:graphic>
+          <a:graphicData uri="http://schemas.openxmlformats.org/drawingml/2006/diagram">
+            <dgm:relIds xmlns:dgm="http://schemas.openxmlformats.org/drawingml/2006/diagram" xmlns:r="http://schemas.openxmlformats.org/officeDocument/2006/relationships" r:dm="rId2" r:lo="rId3" r:qs="rId4" r:cs="rId5"/>
+          </a:graphicData>
+        </a:graphic>
+      </p:graphicFrame>
     </p:spTree>
     <p:extLst>
       <p:ext uri="{BB962C8B-B14F-4D97-AF65-F5344CB8AC3E}">
@@ -3452,6 +7346,14 @@
 <file path=ppt/slides/slide4.xml><?xml version="1.0" encoding="utf-8"?>
 <p:sld xmlns:a="http://schemas.openxmlformats.org/drawingml/2006/main" xmlns:r="http://schemas.openxmlformats.org/officeDocument/2006/relationships" xmlns:p="http://schemas.openxmlformats.org/presentationml/2006/main">
   <p:cSld>
+    <p:bg>
+      <p:bgPr>
+        <a:solidFill>
+          <a:schemeClr val="bg1"/>
+        </a:solidFill>
+        <a:effectLst/>
+      </p:bgPr>
+    </p:bg>
     <p:spTree>
       <p:nvGrpSpPr>
         <p:cNvPr id="1" name=""/>
@@ -3468,6 +7370,71 @@
       </p:grpSpPr>
       <p:sp>
         <p:nvSpPr>
+          <p:cNvPr id="8" name="Rectangle 7">
+            <a:extLst>
+              <a:ext uri="{FF2B5EF4-FFF2-40B4-BE49-F238E27FC236}">
+                <a16:creationId xmlns:a16="http://schemas.microsoft.com/office/drawing/2014/main" id="{8D70B121-56F4-4848-B38B-182089D909FA}"/>
+              </a:ext>
+              <a:ext uri="{C183D7F6-B498-43B3-948B-1728B52AA6E4}">
+                <adec:decorative xmlns:adec="http://schemas.microsoft.com/office/drawing/2017/decorative" val="1"/>
+              </a:ext>
+            </a:extLst>
+          </p:cNvPr>
+          <p:cNvSpPr>
+            <a:spLocks noGrp="1" noRot="1" noChangeAspect="1" noMove="1" noResize="1" noEditPoints="1" noAdjustHandles="1" noChangeArrowheads="1" noChangeShapeType="1" noTextEdit="1"/>
+          </p:cNvSpPr>
+          <p:nvPr>
+            <p:extLst>
+              <p:ext uri="{386F3935-93C4-4BCD-93E2-E3B085C9AB24}">
+                <p16:designElem xmlns:p16="http://schemas.microsoft.com/office/powerpoint/2015/main" val="1"/>
+              </p:ext>
+            </p:extLst>
+          </p:nvPr>
+        </p:nvSpPr>
+        <p:spPr bwMode="ltGray">
+          <a:xfrm>
+            <a:off x="321564" y="320040"/>
+            <a:ext cx="11548872" cy="6217920"/>
+          </a:xfrm>
+          <a:prstGeom prst="rect">
+            <a:avLst/>
+          </a:prstGeom>
+          <a:solidFill>
+            <a:schemeClr val="tx1">
+              <a:alpha val="8000"/>
+            </a:schemeClr>
+          </a:solidFill>
+          <a:ln w="127000" cap="sq" cmpd="thinThick">
+            <a:noFill/>
+          </a:ln>
+        </p:spPr>
+        <p:style>
+          <a:lnRef idx="2">
+            <a:schemeClr val="accent1">
+              <a:shade val="50000"/>
+            </a:schemeClr>
+          </a:lnRef>
+          <a:fillRef idx="1">
+            <a:schemeClr val="accent1"/>
+          </a:fillRef>
+          <a:effectRef idx="0">
+            <a:schemeClr val="accent1"/>
+          </a:effectRef>
+          <a:fontRef idx="minor">
+            <a:schemeClr val="lt1"/>
+          </a:fontRef>
+        </p:style>
+        <p:txBody>
+          <a:bodyPr rtlCol="0" anchor="ctr"/>
+          <a:lstStyle/>
+          <a:p>
+            <a:pPr algn="ctr"/>
+            <a:endParaRPr lang="en-US"/>
+          </a:p>
+        </p:txBody>
+      </p:sp>
+      <p:sp>
+        <p:nvSpPr>
           <p:cNvPr id="2" name="Title 1">
             <a:extLst>
               <a:ext uri="{FF2B5EF4-FFF2-40B4-BE49-F238E27FC236}">
@@ -3482,11 +7449,19 @@
             <p:ph type="title"/>
           </p:nvPr>
         </p:nvSpPr>
-        <p:spPr/>
+        <p:spPr>
+          <a:xfrm>
+            <a:off x="838200" y="963877"/>
+            <a:ext cx="3494362" cy="4930246"/>
+          </a:xfrm>
+        </p:spPr>
         <p:txBody>
-          <a:bodyPr/>
+          <a:bodyPr>
+            <a:normAutofit/>
+          </a:bodyPr>
           <a:lstStyle/>
           <a:p>
+            <a:pPr algn="r"/>
             <a:r>
               <a:rPr lang="en-US" dirty="0"/>
               <a:t>Plot (challenges, time frame, etc.)</a:t>
@@ -3494,9 +7469,64 @@
           </a:p>
         </p:txBody>
       </p:sp>
+      <p:cxnSp>
+        <p:nvCxnSpPr>
+          <p:cNvPr id="10" name="Straight Connector 9">
+            <a:extLst>
+              <a:ext uri="{FF2B5EF4-FFF2-40B4-BE49-F238E27FC236}">
+                <a16:creationId xmlns:a16="http://schemas.microsoft.com/office/drawing/2014/main" id="{2D72A2C9-F3CA-4216-8BAD-FA4C970C3C4E}"/>
+              </a:ext>
+              <a:ext uri="{C183D7F6-B498-43B3-948B-1728B52AA6E4}">
+                <adec:decorative xmlns:adec="http://schemas.microsoft.com/office/drawing/2017/decorative" val="1"/>
+              </a:ext>
+            </a:extLst>
+          </p:cNvPr>
+          <p:cNvCxnSpPr>
+            <a:cxnSpLocks noGrp="1" noRot="1" noChangeAspect="1" noMove="1" noResize="1" noEditPoints="1" noAdjustHandles="1" noChangeArrowheads="1" noChangeShapeType="1"/>
+          </p:cNvCxnSpPr>
+          <p:nvPr>
+            <p:extLst>
+              <p:ext uri="{386F3935-93C4-4BCD-93E2-E3B085C9AB24}">
+                <p16:designElem xmlns:p16="http://schemas.microsoft.com/office/powerpoint/2015/main" val="1"/>
+              </p:ext>
+            </p:extLst>
+          </p:nvPr>
+        </p:nvCxnSpPr>
+        <p:spPr>
+          <a:xfrm>
+            <a:off x="4654296" y="2057400"/>
+            <a:ext cx="0" cy="2743200"/>
+          </a:xfrm>
+          <a:prstGeom prst="line">
+            <a:avLst/>
+          </a:prstGeom>
+          <a:ln w="19050">
+            <a:solidFill>
+              <a:schemeClr val="tx1">
+                <a:lumMod val="85000"/>
+                <a:lumOff val="15000"/>
+              </a:schemeClr>
+            </a:solidFill>
+          </a:ln>
+        </p:spPr>
+        <p:style>
+          <a:lnRef idx="1">
+            <a:schemeClr val="accent1"/>
+          </a:lnRef>
+          <a:fillRef idx="0">
+            <a:schemeClr val="accent1"/>
+          </a:fillRef>
+          <a:effectRef idx="0">
+            <a:schemeClr val="accent1"/>
+          </a:effectRef>
+          <a:fontRef idx="minor">
+            <a:schemeClr val="tx1"/>
+          </a:fontRef>
+        </p:style>
+      </p:cxnSp>
       <p:sp>
         <p:nvSpPr>
-          <p:cNvPr id="3" name="Content Placeholder 2">
+          <p:cNvPr id="24" name="Content Placeholder 2">
             <a:extLst>
               <a:ext uri="{FF2B5EF4-FFF2-40B4-BE49-F238E27FC236}">
                 <a16:creationId xmlns:a16="http://schemas.microsoft.com/office/drawing/2014/main" id="{1B4EC15B-7E89-7344-BE22-9EF1ED0E545D}"/>
@@ -3510,12 +7540,40 @@
             <p:ph idx="1"/>
           </p:nvPr>
         </p:nvSpPr>
-        <p:spPr/>
+        <p:spPr>
+          <a:xfrm>
+            <a:off x="4976031" y="963877"/>
+            <a:ext cx="6377769" cy="4930246"/>
+          </a:xfrm>
+        </p:spPr>
         <p:txBody>
-          <a:bodyPr/>
+          <a:bodyPr anchor="ctr">
+            <a:normAutofit/>
+          </a:bodyPr>
           <a:lstStyle/>
           <a:p>
-            <a:endParaRPr lang="en-US"/>
+            <a:r>
+              <a:rPr lang="en-US" sz="2400" dirty="0"/>
+              <a:t>We did work</a:t>
+            </a:r>
+          </a:p>
+          <a:p>
+            <a:r>
+              <a:rPr lang="en-US" sz="2400" dirty="0"/>
+              <a:t>Jack did a lot of work</a:t>
+            </a:r>
+          </a:p>
+          <a:p>
+            <a:r>
+              <a:rPr lang="en-US" sz="2400" dirty="0"/>
+              <a:t>We all did a lot of work</a:t>
+            </a:r>
+          </a:p>
+          <a:p>
+            <a:pPr marL="0" indent="0">
+              <a:buNone/>
+            </a:pPr>
+            <a:endParaRPr lang="en-US" sz="2400" dirty="0"/>
           </a:p>
         </p:txBody>
       </p:sp>
@@ -3598,7 +7656,7 @@
           <a:bodyPr/>
           <a:lstStyle/>
           <a:p>
-            <a:endParaRPr lang="en-US"/>
+            <a:endParaRPr lang="en-US" dirty="0"/>
           </a:p>
         </p:txBody>
       </p:sp>
@@ -3681,7 +7739,7 @@
           <a:bodyPr/>
           <a:lstStyle/>
           <a:p>
-            <a:endParaRPr lang="en-US"/>
+            <a:endParaRPr lang="en-US" dirty="0"/>
           </a:p>
         </p:txBody>
       </p:sp>
@@ -3701,6 +7759,14 @@
 <file path=ppt/slides/slide7.xml><?xml version="1.0" encoding="utf-8"?>
 <p:sld xmlns:a="http://schemas.openxmlformats.org/drawingml/2006/main" xmlns:r="http://schemas.openxmlformats.org/officeDocument/2006/relationships" xmlns:p="http://schemas.openxmlformats.org/presentationml/2006/main">
   <p:cSld>
+    <p:bg>
+      <p:bgPr>
+        <a:solidFill>
+          <a:schemeClr val="bg1"/>
+        </a:solidFill>
+        <a:effectLst/>
+      </p:bgPr>
+    </p:bg>
     <p:spTree>
       <p:nvGrpSpPr>
         <p:cNvPr id="1" name=""/>
@@ -3731,9 +7797,16 @@
             <p:ph type="title"/>
           </p:nvPr>
         </p:nvSpPr>
-        <p:spPr/>
+        <p:spPr>
+          <a:xfrm>
+            <a:off x="1136428" y="627564"/>
+            <a:ext cx="7474172" cy="1325563"/>
+          </a:xfrm>
+        </p:spPr>
         <p:txBody>
-          <a:bodyPr/>
+          <a:bodyPr>
+            <a:normAutofit/>
+          </a:bodyPr>
           <a:lstStyle/>
           <a:p>
             <a:r>
@@ -3759,102 +7832,217 @@
             <p:ph idx="1"/>
           </p:nvPr>
         </p:nvSpPr>
-        <p:spPr/>
+        <p:spPr>
+          <a:xfrm>
+            <a:off x="1136429" y="2278173"/>
+            <a:ext cx="6467867" cy="3450613"/>
+          </a:xfrm>
+        </p:spPr>
         <p:txBody>
-          <a:bodyPr/>
+          <a:bodyPr anchor="ctr">
+            <a:normAutofit/>
+          </a:bodyPr>
           <a:lstStyle/>
           <a:p>
-            <a:endParaRPr lang="en-US"/>
+            <a:r>
+              <a:rPr lang="en-US" sz="2400" dirty="0"/>
+              <a:t>Attack Roll function</a:t>
+            </a:r>
+          </a:p>
+          <a:p>
+            <a:r>
+              <a:rPr lang="en-US" sz="2400" dirty="0"/>
+              <a:t>Extra skills for background</a:t>
+            </a:r>
+          </a:p>
+          <a:p>
+            <a:r>
+              <a:rPr lang="en-US" sz="2400" dirty="0"/>
+              <a:t>Make forms more cohesive in size</a:t>
+            </a:r>
+          </a:p>
+          <a:p>
+            <a:r>
+              <a:rPr lang="en-US" sz="2400" dirty="0"/>
+              <a:t>Clean up old code/comments</a:t>
+            </a:r>
+          </a:p>
+          <a:p>
+            <a:endParaRPr lang="en-US" sz="2400" dirty="0"/>
           </a:p>
         </p:txBody>
       </p:sp>
+      <p:sp>
+        <p:nvSpPr>
+          <p:cNvPr id="10" name="Rectangle 9">
+            <a:extLst>
+              <a:ext uri="{FF2B5EF4-FFF2-40B4-BE49-F238E27FC236}">
+                <a16:creationId xmlns:a16="http://schemas.microsoft.com/office/drawing/2014/main" id="{59A309A7-1751-4ABE-A3C1-EEC40366AD89}"/>
+              </a:ext>
+              <a:ext uri="{C183D7F6-B498-43B3-948B-1728B52AA6E4}">
+                <adec:decorative xmlns:adec="http://schemas.microsoft.com/office/drawing/2017/decorative" val="1"/>
+              </a:ext>
+            </a:extLst>
+          </p:cNvPr>
+          <p:cNvSpPr>
+            <a:spLocks noGrp="1" noRot="1" noChangeAspect="1" noMove="1" noResize="1" noEditPoints="1" noAdjustHandles="1" noChangeArrowheads="1" noChangeShapeType="1" noTextEdit="1"/>
+          </p:cNvSpPr>
+          <p:nvPr>
+            <p:extLst>
+              <p:ext uri="{386F3935-93C4-4BCD-93E2-E3B085C9AB24}">
+                <p16:designElem xmlns:p16="http://schemas.microsoft.com/office/powerpoint/2015/main" val="1"/>
+              </p:ext>
+            </p:extLst>
+          </p:nvPr>
+        </p:nvSpPr>
+        <p:spPr>
+          <a:xfrm>
+            <a:off x="10088880" y="0"/>
+            <a:ext cx="2103120" cy="6858000"/>
+          </a:xfrm>
+          <a:prstGeom prst="rect">
+            <a:avLst/>
+          </a:prstGeom>
+          <a:solidFill>
+            <a:schemeClr val="accent1"/>
+          </a:solidFill>
+          <a:ln>
+            <a:noFill/>
+          </a:ln>
+        </p:spPr>
+        <p:style>
+          <a:lnRef idx="2">
+            <a:schemeClr val="accent1">
+              <a:shade val="50000"/>
+            </a:schemeClr>
+          </a:lnRef>
+          <a:fillRef idx="1">
+            <a:schemeClr val="accent1"/>
+          </a:fillRef>
+          <a:effectRef idx="0">
+            <a:schemeClr val="accent1"/>
+          </a:effectRef>
+          <a:fontRef idx="minor">
+            <a:schemeClr val="lt1"/>
+          </a:fontRef>
+        </p:style>
+        <p:txBody>
+          <a:bodyPr rtlCol="0" anchor="ctr"/>
+          <a:lstStyle/>
+          <a:p>
+            <a:pPr algn="ctr"/>
+            <a:endParaRPr lang="en-US"/>
+          </a:p>
+        </p:txBody>
+      </p:sp>
+      <p:sp>
+        <p:nvSpPr>
+          <p:cNvPr id="12" name="Oval 11">
+            <a:extLst>
+              <a:ext uri="{FF2B5EF4-FFF2-40B4-BE49-F238E27FC236}">
+                <a16:creationId xmlns:a16="http://schemas.microsoft.com/office/drawing/2014/main" id="{967D8EB6-EAE1-4F9C-B398-83321E287204}"/>
+              </a:ext>
+              <a:ext uri="{C183D7F6-B498-43B3-948B-1728B52AA6E4}">
+                <adec:decorative xmlns:adec="http://schemas.microsoft.com/office/drawing/2017/decorative" val="1"/>
+              </a:ext>
+            </a:extLst>
+          </p:cNvPr>
+          <p:cNvSpPr>
+            <a:spLocks noGrp="1" noRot="1" noChangeAspect="1" noMove="1" noResize="1" noEditPoints="1" noAdjustHandles="1" noChangeArrowheads="1" noChangeShapeType="1" noTextEdit="1"/>
+          </p:cNvSpPr>
+          <p:nvPr>
+            <p:extLst>
+              <p:ext uri="{386F3935-93C4-4BCD-93E2-E3B085C9AB24}">
+                <p16:designElem xmlns:p16="http://schemas.microsoft.com/office/powerpoint/2015/main" val="1"/>
+              </p:ext>
+            </p:extLst>
+          </p:nvPr>
+        </p:nvSpPr>
+        <p:spPr>
+          <a:xfrm>
+            <a:off x="8915400" y="2358913"/>
+            <a:ext cx="2140172" cy="2140172"/>
+          </a:xfrm>
+          <a:prstGeom prst="ellipse">
+            <a:avLst/>
+          </a:prstGeom>
+          <a:solidFill>
+            <a:srgbClr val="FFFFFF"/>
+          </a:solidFill>
+          <a:ln w="22225">
+            <a:solidFill>
+              <a:schemeClr val="accent1"/>
+            </a:solidFill>
+          </a:ln>
+        </p:spPr>
+        <p:style>
+          <a:lnRef idx="2">
+            <a:schemeClr val="accent1">
+              <a:shade val="50000"/>
+            </a:schemeClr>
+          </a:lnRef>
+          <a:fillRef idx="1">
+            <a:schemeClr val="accent1"/>
+          </a:fillRef>
+          <a:effectRef idx="0">
+            <a:schemeClr val="accent1"/>
+          </a:effectRef>
+          <a:fontRef idx="minor">
+            <a:schemeClr val="lt1"/>
+          </a:fontRef>
+        </p:style>
+        <p:txBody>
+          <a:bodyPr rtlCol="0" anchor="ctr"/>
+          <a:lstStyle/>
+          <a:p>
+            <a:pPr algn="ctr"/>
+            <a:endParaRPr lang="en-US"/>
+          </a:p>
+        </p:txBody>
+      </p:sp>
+      <p:pic>
+        <p:nvPicPr>
+          <p:cNvPr id="7" name="Graphic 6" descr="Right Pointing Backhand Index">
+            <a:extLst>
+              <a:ext uri="{FF2B5EF4-FFF2-40B4-BE49-F238E27FC236}">
+                <a16:creationId xmlns:a16="http://schemas.microsoft.com/office/drawing/2014/main" id="{6A2EAFA7-CC5A-4B0F-BE2C-4567D0789141}"/>
+              </a:ext>
+            </a:extLst>
+          </p:cNvPr>
+          <p:cNvPicPr>
+            <a:picLocks noChangeAspect="1"/>
+          </p:cNvPicPr>
+          <p:nvPr/>
+        </p:nvPicPr>
+        <p:blipFill>
+          <a:blip r:embed="rId2">
+            <a:extLst>
+              <a:ext uri="{28A0092B-C50C-407E-A947-70E740481C1C}">
+                <a14:useLocalDpi xmlns:a14="http://schemas.microsoft.com/office/drawing/2010/main" val="0"/>
+              </a:ext>
+              <a:ext uri="{96DAC541-7B7A-43D3-8B79-37D633B846F1}">
+                <asvg:svgBlip xmlns:asvg="http://schemas.microsoft.com/office/drawing/2016/SVG/main" r:embed="rId3"/>
+              </a:ext>
+            </a:extLst>
+          </a:blip>
+          <a:stretch>
+            <a:fillRect/>
+          </a:stretch>
+        </p:blipFill>
+        <p:spPr>
+          <a:xfrm>
+            <a:off x="9413987" y="2857501"/>
+            <a:ext cx="1142998" cy="1142998"/>
+          </a:xfrm>
+          <a:prstGeom prst="rect">
+            <a:avLst/>
+          </a:prstGeom>
+        </p:spPr>
+      </p:pic>
     </p:spTree>
     <p:extLst>
       <p:ext uri="{BB962C8B-B14F-4D97-AF65-F5344CB8AC3E}">
         <p14:creationId xmlns:p14="http://schemas.microsoft.com/office/powerpoint/2010/main" val="2560098488"/>
-      </p:ext>
-    </p:extLst>
-  </p:cSld>
-  <p:clrMapOvr>
-    <a:masterClrMapping/>
-  </p:clrMapOvr>
-</p:sld>
-</file>
-
-<file path=ppt/slides/slide8.xml><?xml version="1.0" encoding="utf-8"?>
-<p:sld xmlns:a="http://schemas.openxmlformats.org/drawingml/2006/main" xmlns:r="http://schemas.openxmlformats.org/officeDocument/2006/relationships" xmlns:p="http://schemas.openxmlformats.org/presentationml/2006/main">
-  <p:cSld>
-    <p:spTree>
-      <p:nvGrpSpPr>
-        <p:cNvPr id="1" name=""/>
-        <p:cNvGrpSpPr/>
-        <p:nvPr/>
-      </p:nvGrpSpPr>
-      <p:grpSpPr>
-        <a:xfrm>
-          <a:off x="0" y="0"/>
-          <a:ext cx="0" cy="0"/>
-          <a:chOff x="0" y="0"/>
-          <a:chExt cx="0" cy="0"/>
-        </a:xfrm>
-      </p:grpSpPr>
-      <p:sp>
-        <p:nvSpPr>
-          <p:cNvPr id="2" name="Title 1">
-            <a:extLst>
-              <a:ext uri="{FF2B5EF4-FFF2-40B4-BE49-F238E27FC236}">
-                <a16:creationId xmlns:a16="http://schemas.microsoft.com/office/drawing/2014/main" id="{9977DF6A-2D3A-4641-833B-A58BFAB1091D}"/>
-              </a:ext>
-            </a:extLst>
-          </p:cNvPr>
-          <p:cNvSpPr>
-            <a:spLocks noGrp="1"/>
-          </p:cNvSpPr>
-          <p:nvPr>
-            <p:ph type="title"/>
-          </p:nvPr>
-        </p:nvSpPr>
-        <p:spPr/>
-        <p:txBody>
-          <a:bodyPr/>
-          <a:lstStyle/>
-          <a:p>
-            <a:r>
-              <a:rPr lang="en-US" dirty="0"/>
-              <a:t>Conclusion?</a:t>
-            </a:r>
-          </a:p>
-        </p:txBody>
-      </p:sp>
-      <p:sp>
-        <p:nvSpPr>
-          <p:cNvPr id="3" name="Content Placeholder 2">
-            <a:extLst>
-              <a:ext uri="{FF2B5EF4-FFF2-40B4-BE49-F238E27FC236}">
-                <a16:creationId xmlns:a16="http://schemas.microsoft.com/office/drawing/2014/main" id="{CC1C0D23-4EF0-4B46-AED1-6EE2E34385BC}"/>
-              </a:ext>
-            </a:extLst>
-          </p:cNvPr>
-          <p:cNvSpPr>
-            <a:spLocks noGrp="1"/>
-          </p:cNvSpPr>
-          <p:nvPr>
-            <p:ph idx="1"/>
-          </p:nvPr>
-        </p:nvSpPr>
-        <p:spPr/>
-        <p:txBody>
-          <a:bodyPr/>
-          <a:lstStyle/>
-          <a:p>
-            <a:endParaRPr lang="en-US"/>
-          </a:p>
-        </p:txBody>
-      </p:sp>
-    </p:spTree>
-    <p:extLst>
-      <p:ext uri="{BB962C8B-B14F-4D97-AF65-F5344CB8AC3E}">
-        <p14:creationId xmlns:p14="http://schemas.microsoft.com/office/powerpoint/2010/main" val="711292686"/>
       </p:ext>
     </p:extLst>
   </p:cSld>

--- a/DnDPresentation.pptx
+++ b/DnDPresentation.pptx
@@ -9,9 +9,7 @@
     <p:sldId id="257" r:id="rId3"/>
     <p:sldId id="258" r:id="rId4"/>
     <p:sldId id="259" r:id="rId5"/>
-    <p:sldId id="260" r:id="rId6"/>
-    <p:sldId id="261" r:id="rId7"/>
-    <p:sldId id="262" r:id="rId8"/>
+    <p:sldId id="262" r:id="rId6"/>
   </p:sldIdLst>
   <p:sldSz cx="12192000" cy="6858000"/>
   <p:notesSz cx="6858000" cy="9144000"/>
@@ -194,7 +192,7 @@
           </a:lstStyle>
           <a:p>
             <a:r>
-              <a:rPr lang="en-US" smtClean="0"/>
+              <a:rPr lang="en-US"/>
               <a:t>Click to edit Master title style</a:t>
             </a:r>
             <a:endParaRPr lang="en-US" dirty="0"/>
@@ -313,7 +311,7 @@
           </a:lstStyle>
           <a:p>
             <a:r>
-              <a:rPr lang="en-US" smtClean="0"/>
+              <a:rPr lang="en-US"/>
               <a:t>Click to edit Master subtitle style</a:t>
             </a:r>
             <a:endParaRPr lang="en-US" dirty="0"/>
@@ -487,7 +485,7 @@
           </a:lstStyle>
           <a:p>
             <a:r>
-              <a:rPr lang="en-US" smtClean="0"/>
+              <a:rPr lang="en-US"/>
               <a:t>Click to edit Master title style</a:t>
             </a:r>
             <a:endParaRPr lang="en-US" dirty="0"/>
@@ -585,7 +583,7 @@
           </a:lstStyle>
           <a:p>
             <a:r>
-              <a:rPr lang="en-US" smtClean="0"/>
+              <a:rPr lang="en-US"/>
               <a:t>Click icon to add picture</a:t>
             </a:r>
             <a:endParaRPr lang="en-US" dirty="0"/>
@@ -653,7 +651,7 @@
           <a:p>
             <a:pPr lvl="0"/>
             <a:r>
-              <a:rPr lang="en-US" smtClean="0"/>
+              <a:rPr lang="en-US"/>
               <a:t>Edit Master text styles</a:t>
             </a:r>
           </a:p>
@@ -811,7 +809,7 @@
           </a:lstStyle>
           <a:p>
             <a:r>
-              <a:rPr lang="en-US" smtClean="0"/>
+              <a:rPr lang="en-US"/>
               <a:t>Click to edit Master title style</a:t>
             </a:r>
             <a:endParaRPr lang="en-US" dirty="0"/>
@@ -931,7 +929,7 @@
           <a:p>
             <a:pPr lvl="0"/>
             <a:r>
-              <a:rPr lang="en-US" smtClean="0"/>
+              <a:rPr lang="en-US"/>
               <a:t>Edit Master text styles</a:t>
             </a:r>
           </a:p>
@@ -1325,7 +1323,7 @@
           </a:lstStyle>
           <a:p>
             <a:r>
-              <a:rPr lang="en-US" smtClean="0"/>
+              <a:rPr lang="en-US"/>
               <a:t>Click to edit Master title style</a:t>
             </a:r>
             <a:endParaRPr lang="en-US" dirty="0"/>
@@ -1380,7 +1378,7 @@
           <a:p>
             <a:pPr lvl="0"/>
             <a:r>
-              <a:rPr lang="en-US" smtClean="0"/>
+              <a:rPr lang="en-US"/>
               <a:t>Edit Master text styles</a:t>
             </a:r>
           </a:p>
@@ -1499,7 +1497,7 @@
           <a:p>
             <a:pPr lvl="0"/>
             <a:r>
-              <a:rPr lang="en-US" smtClean="0"/>
+              <a:rPr lang="en-US"/>
               <a:t>Edit Master text styles</a:t>
             </a:r>
           </a:p>
@@ -1657,7 +1655,7 @@
           </a:lstStyle>
           <a:p>
             <a:r>
-              <a:rPr lang="en-US" smtClean="0"/>
+              <a:rPr lang="en-US"/>
               <a:t>Click to edit Master title style</a:t>
             </a:r>
             <a:endParaRPr lang="en-US" dirty="0"/>
@@ -1777,7 +1775,7 @@
           <a:p>
             <a:pPr lvl="0"/>
             <a:r>
-              <a:rPr lang="en-US" smtClean="0"/>
+              <a:rPr lang="en-US"/>
               <a:t>Edit Master text styles</a:t>
             </a:r>
           </a:p>
@@ -2171,7 +2169,7 @@
           </a:lstStyle>
           <a:p>
             <a:r>
-              <a:rPr lang="en-US" smtClean="0"/>
+              <a:rPr lang="en-US"/>
               <a:t>Click to edit Master title style</a:t>
             </a:r>
             <a:endParaRPr lang="en-US" dirty="0"/>
@@ -2220,7 +2218,7 @@
               <a:buNone/>
             </a:pPr>
             <a:r>
-              <a:rPr lang="en-US" smtClean="0"/>
+              <a:rPr lang="en-US"/>
               <a:t>Edit Master text styles</a:t>
             </a:r>
           </a:p>
@@ -2339,7 +2337,7 @@
           <a:p>
             <a:pPr lvl="0"/>
             <a:r>
-              <a:rPr lang="en-US" smtClean="0"/>
+              <a:rPr lang="en-US"/>
               <a:t>Edit Master text styles</a:t>
             </a:r>
           </a:p>
@@ -2498,7 +2496,7 @@
           <a:p>
             <a:pPr marL="0" lvl="0"/>
             <a:r>
-              <a:rPr lang="en-US" smtClean="0"/>
+              <a:rPr lang="en-US"/>
               <a:t>Click to edit Master title style</a:t>
             </a:r>
             <a:endParaRPr lang="en-US" dirty="0"/>
@@ -2547,7 +2545,7 @@
               <a:buNone/>
             </a:pPr>
             <a:r>
-              <a:rPr lang="en-US" smtClean="0"/>
+              <a:rPr lang="en-US"/>
               <a:t>Edit Master text styles</a:t>
             </a:r>
           </a:p>
@@ -2666,7 +2664,7 @@
           <a:p>
             <a:pPr lvl="0"/>
             <a:r>
-              <a:rPr lang="en-US" smtClean="0"/>
+              <a:rPr lang="en-US"/>
               <a:t>Edit Master text styles</a:t>
             </a:r>
           </a:p>
@@ -2814,35 +2812,35 @@
           <a:p>
             <a:pPr lvl="0"/>
             <a:r>
-              <a:rPr lang="en-US" smtClean="0"/>
+              <a:rPr lang="en-US"/>
               <a:t>Edit Master text styles</a:t>
             </a:r>
           </a:p>
           <a:p>
             <a:pPr lvl="1"/>
             <a:r>
-              <a:rPr lang="en-US" smtClean="0"/>
+              <a:rPr lang="en-US"/>
               <a:t>Second level</a:t>
             </a:r>
           </a:p>
           <a:p>
             <a:pPr lvl="2"/>
             <a:r>
-              <a:rPr lang="en-US" smtClean="0"/>
+              <a:rPr lang="en-US"/>
               <a:t>Third level</a:t>
             </a:r>
           </a:p>
           <a:p>
             <a:pPr lvl="3"/>
             <a:r>
-              <a:rPr lang="en-US" smtClean="0"/>
+              <a:rPr lang="en-US"/>
               <a:t>Fourth level</a:t>
             </a:r>
           </a:p>
           <a:p>
             <a:pPr lvl="4"/>
             <a:r>
-              <a:rPr lang="en-US" smtClean="0"/>
+              <a:rPr lang="en-US"/>
               <a:t>Fifth level</a:t>
             </a:r>
             <a:endParaRPr lang="en-US" dirty="0"/>
@@ -2935,7 +2933,7 @@
           <a:lstStyle/>
           <a:p>
             <a:r>
-              <a:rPr lang="en-US" smtClean="0"/>
+              <a:rPr lang="en-US"/>
               <a:t>Click to edit Master title style</a:t>
             </a:r>
             <a:endParaRPr lang="en-US" dirty="0"/>
@@ -3023,7 +3021,7 @@
           <a:lstStyle/>
           <a:p>
             <a:r>
-              <a:rPr lang="en-US" smtClean="0"/>
+              <a:rPr lang="en-US"/>
               <a:t>Click to edit Master title style</a:t>
             </a:r>
             <a:endParaRPr lang="en-US" dirty="0"/>
@@ -3052,35 +3050,35 @@
           <a:p>
             <a:pPr lvl="0"/>
             <a:r>
-              <a:rPr lang="en-US" smtClean="0"/>
+              <a:rPr lang="en-US"/>
               <a:t>Edit Master text styles</a:t>
             </a:r>
           </a:p>
           <a:p>
             <a:pPr lvl="1"/>
             <a:r>
-              <a:rPr lang="en-US" smtClean="0"/>
+              <a:rPr lang="en-US"/>
               <a:t>Second level</a:t>
             </a:r>
           </a:p>
           <a:p>
             <a:pPr lvl="2"/>
             <a:r>
-              <a:rPr lang="en-US" smtClean="0"/>
+              <a:rPr lang="en-US"/>
               <a:t>Third level</a:t>
             </a:r>
           </a:p>
           <a:p>
             <a:pPr lvl="3"/>
             <a:r>
-              <a:rPr lang="en-US" smtClean="0"/>
+              <a:rPr lang="en-US"/>
               <a:t>Fourth level</a:t>
             </a:r>
           </a:p>
           <a:p>
             <a:pPr lvl="4"/>
             <a:r>
-              <a:rPr lang="en-US" smtClean="0"/>
+              <a:rPr lang="en-US"/>
               <a:t>Fifth level</a:t>
             </a:r>
             <a:endParaRPr lang="en-US" dirty="0"/>
@@ -3228,7 +3226,7 @@
           <a:lstStyle/>
           <a:p>
             <a:r>
-              <a:rPr lang="en-US" smtClean="0"/>
+              <a:rPr lang="en-US"/>
               <a:t>Click to edit Master title style</a:t>
             </a:r>
             <a:endParaRPr lang="en-US" dirty="0"/>
@@ -3252,35 +3250,35 @@
           <a:p>
             <a:pPr lvl="0"/>
             <a:r>
-              <a:rPr lang="en-US" smtClean="0"/>
+              <a:rPr lang="en-US"/>
               <a:t>Edit Master text styles</a:t>
             </a:r>
           </a:p>
           <a:p>
             <a:pPr lvl="1"/>
             <a:r>
-              <a:rPr lang="en-US" smtClean="0"/>
+              <a:rPr lang="en-US"/>
               <a:t>Second level</a:t>
             </a:r>
           </a:p>
           <a:p>
             <a:pPr lvl="2"/>
             <a:r>
-              <a:rPr lang="en-US" smtClean="0"/>
+              <a:rPr lang="en-US"/>
               <a:t>Third level</a:t>
             </a:r>
           </a:p>
           <a:p>
             <a:pPr lvl="3"/>
             <a:r>
-              <a:rPr lang="en-US" smtClean="0"/>
+              <a:rPr lang="en-US"/>
               <a:t>Fourth level</a:t>
             </a:r>
           </a:p>
           <a:p>
             <a:pPr lvl="4"/>
             <a:r>
-              <a:rPr lang="en-US" smtClean="0"/>
+              <a:rPr lang="en-US"/>
               <a:t>Fifth level</a:t>
             </a:r>
             <a:endParaRPr lang="en-US" dirty="0"/>
@@ -3437,7 +3435,7 @@
           </a:lstStyle>
           <a:p>
             <a:r>
-              <a:rPr lang="en-US" smtClean="0"/>
+              <a:rPr lang="en-US"/>
               <a:t>Click to edit Master title style</a:t>
             </a:r>
             <a:endParaRPr lang="en-US" dirty="0"/>
@@ -3557,7 +3555,7 @@
           <a:p>
             <a:pPr lvl="0"/>
             <a:r>
-              <a:rPr lang="en-US" smtClean="0"/>
+              <a:rPr lang="en-US"/>
               <a:t>Edit Master text styles</a:t>
             </a:r>
           </a:p>
@@ -3704,7 +3702,7 @@
           <a:lstStyle/>
           <a:p>
             <a:r>
-              <a:rPr lang="en-US" smtClean="0"/>
+              <a:rPr lang="en-US"/>
               <a:t>Click to edit Master title style</a:t>
             </a:r>
             <a:endParaRPr lang="en-US" dirty="0"/>
@@ -3735,35 +3733,35 @@
           <a:p>
             <a:pPr lvl="0"/>
             <a:r>
-              <a:rPr lang="en-US" smtClean="0"/>
+              <a:rPr lang="en-US"/>
               <a:t>Edit Master text styles</a:t>
             </a:r>
           </a:p>
           <a:p>
             <a:pPr lvl="1"/>
             <a:r>
-              <a:rPr lang="en-US" smtClean="0"/>
+              <a:rPr lang="en-US"/>
               <a:t>Second level</a:t>
             </a:r>
           </a:p>
           <a:p>
             <a:pPr lvl="2"/>
             <a:r>
-              <a:rPr lang="en-US" smtClean="0"/>
+              <a:rPr lang="en-US"/>
               <a:t>Third level</a:t>
             </a:r>
           </a:p>
           <a:p>
             <a:pPr lvl="3"/>
             <a:r>
-              <a:rPr lang="en-US" smtClean="0"/>
+              <a:rPr lang="en-US"/>
               <a:t>Fourth level</a:t>
             </a:r>
           </a:p>
           <a:p>
             <a:pPr lvl="4"/>
             <a:r>
-              <a:rPr lang="en-US" smtClean="0"/>
+              <a:rPr lang="en-US"/>
               <a:t>Fifth level</a:t>
             </a:r>
             <a:endParaRPr lang="en-US" dirty="0"/>
@@ -3794,35 +3792,35 @@
           <a:p>
             <a:pPr lvl="0"/>
             <a:r>
-              <a:rPr lang="en-US" smtClean="0"/>
+              <a:rPr lang="en-US"/>
               <a:t>Edit Master text styles</a:t>
             </a:r>
           </a:p>
           <a:p>
             <a:pPr lvl="1"/>
             <a:r>
-              <a:rPr lang="en-US" smtClean="0"/>
+              <a:rPr lang="en-US"/>
               <a:t>Second level</a:t>
             </a:r>
           </a:p>
           <a:p>
             <a:pPr lvl="2"/>
             <a:r>
-              <a:rPr lang="en-US" smtClean="0"/>
+              <a:rPr lang="en-US"/>
               <a:t>Third level</a:t>
             </a:r>
           </a:p>
           <a:p>
             <a:pPr lvl="3"/>
             <a:r>
-              <a:rPr lang="en-US" smtClean="0"/>
+              <a:rPr lang="en-US"/>
               <a:t>Fourth level</a:t>
             </a:r>
           </a:p>
           <a:p>
             <a:pPr lvl="4"/>
             <a:r>
-              <a:rPr lang="en-US" smtClean="0"/>
+              <a:rPr lang="en-US"/>
               <a:t>Fifth level</a:t>
             </a:r>
             <a:endParaRPr lang="en-US" dirty="0"/>
@@ -3944,7 +3942,7 @@
           </a:lstStyle>
           <a:p>
             <a:r>
-              <a:rPr lang="en-US" smtClean="0"/>
+              <a:rPr lang="en-US"/>
               <a:t>Click to edit Master title style</a:t>
             </a:r>
             <a:endParaRPr lang="en-US" dirty="0"/>
@@ -4012,7 +4010,7 @@
           <a:p>
             <a:pPr lvl="0"/>
             <a:r>
-              <a:rPr lang="en-US" smtClean="0"/>
+              <a:rPr lang="en-US"/>
               <a:t>Edit Master text styles</a:t>
             </a:r>
           </a:p>
@@ -4042,35 +4040,35 @@
           <a:p>
             <a:pPr lvl="0"/>
             <a:r>
-              <a:rPr lang="en-US" smtClean="0"/>
+              <a:rPr lang="en-US"/>
               <a:t>Edit Master text styles</a:t>
             </a:r>
           </a:p>
           <a:p>
             <a:pPr lvl="1"/>
             <a:r>
-              <a:rPr lang="en-US" smtClean="0"/>
+              <a:rPr lang="en-US"/>
               <a:t>Second level</a:t>
             </a:r>
           </a:p>
           <a:p>
             <a:pPr lvl="2"/>
             <a:r>
-              <a:rPr lang="en-US" smtClean="0"/>
+              <a:rPr lang="en-US"/>
               <a:t>Third level</a:t>
             </a:r>
           </a:p>
           <a:p>
             <a:pPr lvl="3"/>
             <a:r>
-              <a:rPr lang="en-US" smtClean="0"/>
+              <a:rPr lang="en-US"/>
               <a:t>Fourth level</a:t>
             </a:r>
           </a:p>
           <a:p>
             <a:pPr lvl="4"/>
             <a:r>
-              <a:rPr lang="en-US" smtClean="0"/>
+              <a:rPr lang="en-US"/>
               <a:t>Fifth level</a:t>
             </a:r>
             <a:endParaRPr lang="en-US" dirty="0"/>
@@ -4138,7 +4136,7 @@
           <a:p>
             <a:pPr lvl="0"/>
             <a:r>
-              <a:rPr lang="en-US" smtClean="0"/>
+              <a:rPr lang="en-US"/>
               <a:t>Edit Master text styles</a:t>
             </a:r>
           </a:p>
@@ -4168,35 +4166,35 @@
           <a:p>
             <a:pPr lvl="0"/>
             <a:r>
-              <a:rPr lang="en-US" smtClean="0"/>
+              <a:rPr lang="en-US"/>
               <a:t>Edit Master text styles</a:t>
             </a:r>
           </a:p>
           <a:p>
             <a:pPr lvl="1"/>
             <a:r>
-              <a:rPr lang="en-US" smtClean="0"/>
+              <a:rPr lang="en-US"/>
               <a:t>Second level</a:t>
             </a:r>
           </a:p>
           <a:p>
             <a:pPr lvl="2"/>
             <a:r>
-              <a:rPr lang="en-US" smtClean="0"/>
+              <a:rPr lang="en-US"/>
               <a:t>Third level</a:t>
             </a:r>
           </a:p>
           <a:p>
             <a:pPr lvl="3"/>
             <a:r>
-              <a:rPr lang="en-US" smtClean="0"/>
+              <a:rPr lang="en-US"/>
               <a:t>Fourth level</a:t>
             </a:r>
           </a:p>
           <a:p>
             <a:pPr lvl="4"/>
             <a:r>
-              <a:rPr lang="en-US" smtClean="0"/>
+              <a:rPr lang="en-US"/>
               <a:t>Fifth level</a:t>
             </a:r>
             <a:endParaRPr lang="en-US" dirty="0"/>
@@ -4344,7 +4342,7 @@
           <a:lstStyle/>
           <a:p>
             <a:r>
-              <a:rPr lang="en-US" smtClean="0"/>
+              <a:rPr lang="en-US"/>
               <a:t>Click to edit Master title style</a:t>
             </a:r>
             <a:endParaRPr lang="en-US" dirty="0"/>
@@ -4628,7 +4626,7 @@
           </a:lstStyle>
           <a:p>
             <a:r>
-              <a:rPr lang="en-US" smtClean="0"/>
+              <a:rPr lang="en-US"/>
               <a:t>Click to edit Master title style</a:t>
             </a:r>
             <a:endParaRPr lang="en-US" dirty="0"/>
@@ -4659,35 +4657,35 @@
           <a:p>
             <a:pPr lvl="0"/>
             <a:r>
-              <a:rPr lang="en-US" smtClean="0"/>
+              <a:rPr lang="en-US"/>
               <a:t>Edit Master text styles</a:t>
             </a:r>
           </a:p>
           <a:p>
             <a:pPr lvl="1"/>
             <a:r>
-              <a:rPr lang="en-US" smtClean="0"/>
+              <a:rPr lang="en-US"/>
               <a:t>Second level</a:t>
             </a:r>
           </a:p>
           <a:p>
             <a:pPr lvl="2"/>
             <a:r>
-              <a:rPr lang="en-US" smtClean="0"/>
+              <a:rPr lang="en-US"/>
               <a:t>Third level</a:t>
             </a:r>
           </a:p>
           <a:p>
             <a:pPr lvl="3"/>
             <a:r>
-              <a:rPr lang="en-US" smtClean="0"/>
+              <a:rPr lang="en-US"/>
               <a:t>Fourth level</a:t>
             </a:r>
           </a:p>
           <a:p>
             <a:pPr lvl="4"/>
             <a:r>
-              <a:rPr lang="en-US" smtClean="0"/>
+              <a:rPr lang="en-US"/>
               <a:t>Fifth level</a:t>
             </a:r>
             <a:endParaRPr lang="en-US" dirty="0"/>
@@ -4755,7 +4753,7 @@
           <a:p>
             <a:pPr lvl="0"/>
             <a:r>
-              <a:rPr lang="en-US" smtClean="0"/>
+              <a:rPr lang="en-US"/>
               <a:t>Edit Master text styles</a:t>
             </a:r>
           </a:p>
@@ -4913,7 +4911,7 @@
           </a:lstStyle>
           <a:p>
             <a:r>
-              <a:rPr lang="en-US" smtClean="0"/>
+              <a:rPr lang="en-US"/>
               <a:t>Click to edit Master title style</a:t>
             </a:r>
             <a:endParaRPr lang="en-US" dirty="0"/>
@@ -5011,7 +5009,7 @@
           </a:lstStyle>
           <a:p>
             <a:r>
-              <a:rPr lang="en-US" smtClean="0"/>
+              <a:rPr lang="en-US"/>
               <a:t>Click icon to add picture</a:t>
             </a:r>
             <a:endParaRPr lang="en-US" dirty="0"/>
@@ -5079,7 +5077,7 @@
           <a:p>
             <a:pPr lvl="0"/>
             <a:r>
-              <a:rPr lang="en-US" smtClean="0"/>
+              <a:rPr lang="en-US"/>
               <a:t>Edit Master text styles</a:t>
             </a:r>
           </a:p>
@@ -5212,7 +5210,7 @@
           <a:lstStyle/>
           <a:p>
             <a:r>
-              <a:rPr lang="en-US" smtClean="0"/>
+              <a:rPr lang="en-US"/>
               <a:t>Click to edit Master title style</a:t>
             </a:r>
             <a:endParaRPr lang="en-US" dirty="0"/>
@@ -5246,35 +5244,35 @@
           <a:p>
             <a:pPr lvl="0"/>
             <a:r>
-              <a:rPr lang="en-US" smtClean="0"/>
+              <a:rPr lang="en-US"/>
               <a:t>Edit Master text styles</a:t>
             </a:r>
           </a:p>
           <a:p>
             <a:pPr lvl="1"/>
             <a:r>
-              <a:rPr lang="en-US" smtClean="0"/>
+              <a:rPr lang="en-US"/>
               <a:t>Second level</a:t>
             </a:r>
           </a:p>
           <a:p>
             <a:pPr lvl="2"/>
             <a:r>
-              <a:rPr lang="en-US" smtClean="0"/>
+              <a:rPr lang="en-US"/>
               <a:t>Third level</a:t>
             </a:r>
           </a:p>
           <a:p>
             <a:pPr lvl="3"/>
             <a:r>
-              <a:rPr lang="en-US" smtClean="0"/>
+              <a:rPr lang="en-US"/>
               <a:t>Fourth level</a:t>
             </a:r>
           </a:p>
           <a:p>
             <a:pPr lvl="4"/>
             <a:r>
-              <a:rPr lang="en-US" smtClean="0"/>
+              <a:rPr lang="en-US"/>
               <a:t>Fifth level</a:t>
             </a:r>
             <a:endParaRPr lang="en-US" dirty="0"/>
@@ -5939,13 +5937,6 @@
   <p:clrMapOvr>
     <a:masterClrMapping/>
   </p:clrMapOvr>
-  <p:timing>
-    <p:tnLst>
-      <p:par>
-        <p:cTn id="1" dur="indefinite" restart="never" nodeType="tmRoot"/>
-      </p:par>
-    </p:tnLst>
-  </p:timing>
 </p:sld>
 </file>
 
@@ -6012,7 +6003,7 @@
               <a:rPr lang="en-US" sz="4000" dirty="0">
                 <a:latin typeface="Baskerville Old Face" panose="02020602080505020303" pitchFamily="18" charset="0"/>
               </a:rPr>
-              <a:t>Project summary I guess</a:t>
+              <a:t>Project summary</a:t>
             </a:r>
           </a:p>
         </p:txBody>
@@ -6055,7 +6046,7 @@
               <a:rPr lang="en-US" sz="2000" dirty="0">
                 <a:latin typeface="Baskerville Old Face" panose="02020602080505020303" pitchFamily="18" charset="0"/>
               </a:rPr>
-              <a:t>:  A game.  It exists.</a:t>
+              <a:t>: Character Generator</a:t>
             </a:r>
           </a:p>
           <a:p>
@@ -6071,7 +6062,7 @@
               <a:rPr lang="en-US" sz="2000" dirty="0">
                 <a:latin typeface="Baskerville Old Face" panose="02020602080505020303" pitchFamily="18" charset="0"/>
               </a:rPr>
-              <a:t>Basically, you make a character to play in the game because it’s a role playing game. I’m sure literally everyone in the room knows this, but we’ll say it anyway.  </a:t>
+              <a:t>Character creation can be time-consuming; why not speed it up?</a:t>
             </a:r>
           </a:p>
         </p:txBody>
@@ -6086,13 +6077,6 @@
   <p:clrMapOvr>
     <a:masterClrMapping/>
   </p:clrMapOvr>
-  <p:timing>
-    <p:tnLst>
-      <p:par>
-        <p:cTn id="1" dur="indefinite" restart="never" nodeType="tmRoot"/>
-      </p:par>
-    </p:tnLst>
-  </p:timing>
 </p:sld>
 </file>
 
@@ -6229,13 +6213,6 @@
   <p:clrMapOvr>
     <a:masterClrMapping/>
   </p:clrMapOvr>
-  <p:timing>
-    <p:tnLst>
-      <p:par>
-        <p:cTn id="1" dur="indefinite" restart="never" nodeType="tmRoot"/>
-      </p:par>
-    </p:tnLst>
-  </p:timing>
 </p:sld>
 </file>
 
@@ -6340,7 +6317,7 @@
               <a:rPr lang="en-US" sz="2400" dirty="0">
                 <a:latin typeface="Baskerville Old Face" panose="02020602080505020303" pitchFamily="18" charset="0"/>
               </a:rPr>
-              <a:t>We did work</a:t>
+              <a:t>Filling a PDF form(Thank you, Jack)</a:t>
             </a:r>
           </a:p>
           <a:p>
@@ -6348,7 +6325,7 @@
               <a:rPr lang="en-US" sz="2400" dirty="0">
                 <a:latin typeface="Baskerville Old Face" panose="02020602080505020303" pitchFamily="18" charset="0"/>
               </a:rPr>
-              <a:t>Jack did a lot of work</a:t>
+              <a:t>Ensuring a large codebase interacted cleanly</a:t>
             </a:r>
           </a:p>
           <a:p>
@@ -6356,14 +6333,8 @@
               <a:rPr lang="en-US" sz="2400" dirty="0">
                 <a:latin typeface="Baskerville Old Face" panose="02020602080505020303" pitchFamily="18" charset="0"/>
               </a:rPr>
-              <a:t>We all did a lot of work</a:t>
-            </a:r>
-          </a:p>
-          <a:p>
-            <a:pPr marL="0" indent="0">
-              <a:buNone/>
-            </a:pPr>
-            <a:endParaRPr lang="en-US" sz="2400" dirty="0"/>
+              <a:t>Reached a good place for minimum product, expanded well to the end.</a:t>
+            </a:r>
           </a:p>
         </p:txBody>
       </p:sp>
@@ -6377,227 +6348,10 @@
   <p:clrMapOvr>
     <a:masterClrMapping/>
   </p:clrMapOvr>
-  <p:timing>
-    <p:tnLst>
-      <p:par>
-        <p:cTn id="1" dur="indefinite" restart="never" nodeType="tmRoot"/>
-      </p:par>
-    </p:tnLst>
-  </p:timing>
 </p:sld>
 </file>
 
 <file path=ppt/slides/slide5.xml><?xml version="1.0" encoding="utf-8"?>
-<p:sld xmlns:a="http://schemas.openxmlformats.org/drawingml/2006/main" xmlns:r="http://schemas.openxmlformats.org/officeDocument/2006/relationships" xmlns:p="http://schemas.openxmlformats.org/presentationml/2006/main">
-  <p:cSld>
-    <p:bg>
-      <p:bgPr>
-        <a:blipFill dpi="0" rotWithShape="1">
-          <a:blip r:embed="rId2">
-            <a:lum/>
-          </a:blip>
-          <a:srcRect/>
-          <a:stretch>
-            <a:fillRect t="-8000" b="-8000"/>
-          </a:stretch>
-        </a:blipFill>
-        <a:effectLst/>
-      </p:bgPr>
-    </p:bg>
-    <p:spTree>
-      <p:nvGrpSpPr>
-        <p:cNvPr id="1" name=""/>
-        <p:cNvGrpSpPr/>
-        <p:nvPr/>
-      </p:nvGrpSpPr>
-      <p:grpSpPr>
-        <a:xfrm>
-          <a:off x="0" y="0"/>
-          <a:ext cx="0" cy="0"/>
-          <a:chOff x="0" y="0"/>
-          <a:chExt cx="0" cy="0"/>
-        </a:xfrm>
-      </p:grpSpPr>
-      <p:sp>
-        <p:nvSpPr>
-          <p:cNvPr id="2" name="Title 1">
-            <a:extLst>
-              <a:ext uri="{FF2B5EF4-FFF2-40B4-BE49-F238E27FC236}">
-                <a16:creationId xmlns:a16="http://schemas.microsoft.com/office/drawing/2014/main" id="{22D39E52-E6AB-CB47-B111-EF500229B544}"/>
-              </a:ext>
-            </a:extLst>
-          </p:cNvPr>
-          <p:cNvSpPr>
-            <a:spLocks noGrp="1"/>
-          </p:cNvSpPr>
-          <p:nvPr>
-            <p:ph type="title"/>
-          </p:nvPr>
-        </p:nvSpPr>
-        <p:spPr/>
-        <p:txBody>
-          <a:bodyPr/>
-          <a:lstStyle/>
-          <a:p>
-            <a:r>
-              <a:rPr lang="en-US" dirty="0">
-                <a:latin typeface="Baskerville Old Face" panose="02020602080505020303" pitchFamily="18" charset="0"/>
-              </a:rPr>
-              <a:t>Finished Product</a:t>
-            </a:r>
-          </a:p>
-        </p:txBody>
-      </p:sp>
-      <p:sp>
-        <p:nvSpPr>
-          <p:cNvPr id="3" name="Content Placeholder 2">
-            <a:extLst>
-              <a:ext uri="{FF2B5EF4-FFF2-40B4-BE49-F238E27FC236}">
-                <a16:creationId xmlns:a16="http://schemas.microsoft.com/office/drawing/2014/main" id="{305DDAE9-EE44-3744-9281-8E2639C03E9C}"/>
-              </a:ext>
-            </a:extLst>
-          </p:cNvPr>
-          <p:cNvSpPr>
-            <a:spLocks noGrp="1"/>
-          </p:cNvSpPr>
-          <p:nvPr>
-            <p:ph idx="1"/>
-          </p:nvPr>
-        </p:nvSpPr>
-        <p:spPr/>
-        <p:txBody>
-          <a:bodyPr/>
-          <a:lstStyle/>
-          <a:p>
-            <a:endParaRPr lang="en-US" dirty="0"/>
-          </a:p>
-        </p:txBody>
-      </p:sp>
-    </p:spTree>
-    <p:extLst>
-      <p:ext uri="{BB962C8B-B14F-4D97-AF65-F5344CB8AC3E}">
-        <p14:creationId xmlns:p14="http://schemas.microsoft.com/office/powerpoint/2010/main" val="1368755499"/>
-      </p:ext>
-    </p:extLst>
-  </p:cSld>
-  <p:clrMapOvr>
-    <a:masterClrMapping/>
-  </p:clrMapOvr>
-  <p:timing>
-    <p:tnLst>
-      <p:par>
-        <p:cTn id="1" dur="indefinite" restart="never" nodeType="tmRoot"/>
-      </p:par>
-    </p:tnLst>
-  </p:timing>
-</p:sld>
-</file>
-
-<file path=ppt/slides/slide6.xml><?xml version="1.0" encoding="utf-8"?>
-<p:sld xmlns:a="http://schemas.openxmlformats.org/drawingml/2006/main" xmlns:r="http://schemas.openxmlformats.org/officeDocument/2006/relationships" xmlns:p="http://schemas.openxmlformats.org/presentationml/2006/main">
-  <p:cSld>
-    <p:bg>
-      <p:bgPr>
-        <a:blipFill dpi="0" rotWithShape="1">
-          <a:blip r:embed="rId2">
-            <a:lum/>
-          </a:blip>
-          <a:srcRect/>
-          <a:stretch>
-            <a:fillRect t="-8000" b="-8000"/>
-          </a:stretch>
-        </a:blipFill>
-        <a:effectLst/>
-      </p:bgPr>
-    </p:bg>
-    <p:spTree>
-      <p:nvGrpSpPr>
-        <p:cNvPr id="1" name=""/>
-        <p:cNvGrpSpPr/>
-        <p:nvPr/>
-      </p:nvGrpSpPr>
-      <p:grpSpPr>
-        <a:xfrm>
-          <a:off x="0" y="0"/>
-          <a:ext cx="0" cy="0"/>
-          <a:chOff x="0" y="0"/>
-          <a:chExt cx="0" cy="0"/>
-        </a:xfrm>
-      </p:grpSpPr>
-      <p:sp>
-        <p:nvSpPr>
-          <p:cNvPr id="2" name="Title 1">
-            <a:extLst>
-              <a:ext uri="{FF2B5EF4-FFF2-40B4-BE49-F238E27FC236}">
-                <a16:creationId xmlns:a16="http://schemas.microsoft.com/office/drawing/2014/main" id="{8AE54053-3C7B-0243-B599-E8A70C956B6F}"/>
-              </a:ext>
-            </a:extLst>
-          </p:cNvPr>
-          <p:cNvSpPr>
-            <a:spLocks noGrp="1"/>
-          </p:cNvSpPr>
-          <p:nvPr>
-            <p:ph type="title"/>
-          </p:nvPr>
-        </p:nvSpPr>
-        <p:spPr/>
-        <p:txBody>
-          <a:bodyPr/>
-          <a:lstStyle/>
-          <a:p>
-            <a:r>
-              <a:rPr lang="en-US" dirty="0"/>
-              <a:t>Examples?</a:t>
-            </a:r>
-          </a:p>
-        </p:txBody>
-      </p:sp>
-      <p:sp>
-        <p:nvSpPr>
-          <p:cNvPr id="3" name="Content Placeholder 2">
-            <a:extLst>
-              <a:ext uri="{FF2B5EF4-FFF2-40B4-BE49-F238E27FC236}">
-                <a16:creationId xmlns:a16="http://schemas.microsoft.com/office/drawing/2014/main" id="{EAF3ABD4-A5A7-5845-9C3A-1D532A0BDEC4}"/>
-              </a:ext>
-            </a:extLst>
-          </p:cNvPr>
-          <p:cNvSpPr>
-            <a:spLocks noGrp="1"/>
-          </p:cNvSpPr>
-          <p:nvPr>
-            <p:ph idx="1"/>
-          </p:nvPr>
-        </p:nvSpPr>
-        <p:spPr/>
-        <p:txBody>
-          <a:bodyPr/>
-          <a:lstStyle/>
-          <a:p>
-            <a:endParaRPr lang="en-US" dirty="0"/>
-          </a:p>
-        </p:txBody>
-      </p:sp>
-    </p:spTree>
-    <p:extLst>
-      <p:ext uri="{BB962C8B-B14F-4D97-AF65-F5344CB8AC3E}">
-        <p14:creationId xmlns:p14="http://schemas.microsoft.com/office/powerpoint/2010/main" val="2811137282"/>
-      </p:ext>
-    </p:extLst>
-  </p:cSld>
-  <p:clrMapOvr>
-    <a:masterClrMapping/>
-  </p:clrMapOvr>
-  <p:timing>
-    <p:tnLst>
-      <p:par>
-        <p:cTn id="1" dur="indefinite" restart="never" nodeType="tmRoot"/>
-      </p:par>
-    </p:tnLst>
-  </p:timing>
-</p:sld>
-</file>
-
-<file path=ppt/slides/slide7.xml><?xml version="1.0" encoding="utf-8"?>
 <p:sld xmlns:a="http://schemas.openxmlformats.org/drawingml/2006/main" xmlns:r="http://schemas.openxmlformats.org/officeDocument/2006/relationships" xmlns:p="http://schemas.openxmlformats.org/presentationml/2006/main" showMasterSp="0">
   <p:cSld>
     <p:bg>
@@ -6689,7 +6443,7 @@
         </p:spPr>
         <p:txBody>
           <a:bodyPr anchor="ctr">
-            <a:normAutofit/>
+            <a:normAutofit lnSpcReduction="10000"/>
           </a:bodyPr>
           <a:lstStyle/>
           <a:p>
@@ -6723,6 +6477,95 @@
               </a:rPr>
               <a:t>Clean up old code/comments</a:t>
             </a:r>
+          </a:p>
+          <a:p>
+            <a:pPr marL="342900" lvl="0" indent="-342900">
+              <a:lnSpc>
+                <a:spcPct val="107000"/>
+              </a:lnSpc>
+              <a:spcAft>
+                <a:spcPts val="800"/>
+              </a:spcAft>
+              <a:buFont typeface="Arial" panose="020B0604020202020204" pitchFamily="34" charset="0"/>
+              <a:buChar char="•"/>
+              <a:tabLst>
+                <a:tab pos="457200" algn="l"/>
+              </a:tabLst>
+            </a:pPr>
+            <a:r>
+              <a:rPr lang="en-US" sz="2400" dirty="0">
+                <a:latin typeface="Times New Roman" panose="02020603050405020304" pitchFamily="18" charset="0"/>
+                <a:ea typeface="Calibri" panose="020F0502020204030204" pitchFamily="34" charset="0"/>
+                <a:cs typeface="Times New Roman" panose="02020603050405020304" pitchFamily="18" charset="0"/>
+              </a:rPr>
+              <a:t>Implement spellcasting</a:t>
+            </a:r>
+            <a:endParaRPr lang="en-US" sz="2000" dirty="0">
+              <a:latin typeface="Calibri" panose="020F0502020204030204" pitchFamily="34" charset="0"/>
+              <a:ea typeface="Calibri" panose="020F0502020204030204" pitchFamily="34" charset="0"/>
+              <a:cs typeface="Times New Roman" panose="02020603050405020304" pitchFamily="18" charset="0"/>
+            </a:endParaRPr>
+          </a:p>
+          <a:p>
+            <a:pPr marL="342900" lvl="0" indent="-342900">
+              <a:lnSpc>
+                <a:spcPct val="107000"/>
+              </a:lnSpc>
+              <a:spcAft>
+                <a:spcPts val="800"/>
+              </a:spcAft>
+              <a:buFont typeface="Arial" panose="020B0604020202020204" pitchFamily="34" charset="0"/>
+              <a:buChar char="•"/>
+              <a:tabLst>
+                <a:tab pos="457200" algn="l"/>
+              </a:tabLst>
+            </a:pPr>
+            <a:r>
+              <a:rPr lang="en-US" sz="2400" dirty="0">
+                <a:latin typeface="Times New Roman" panose="02020603050405020304" pitchFamily="18" charset="0"/>
+                <a:ea typeface="Calibri" panose="020F0502020204030204" pitchFamily="34" charset="0"/>
+                <a:cs typeface="Times New Roman" panose="02020603050405020304" pitchFamily="18" charset="0"/>
+              </a:rPr>
+              <a:t>Auto generate character background details</a:t>
+            </a:r>
+            <a:endParaRPr lang="en-US" sz="2000" dirty="0">
+              <a:latin typeface="Calibri" panose="020F0502020204030204" pitchFamily="34" charset="0"/>
+              <a:ea typeface="Calibri" panose="020F0502020204030204" pitchFamily="34" charset="0"/>
+              <a:cs typeface="Times New Roman" panose="02020603050405020304" pitchFamily="18" charset="0"/>
+            </a:endParaRPr>
+          </a:p>
+          <a:p>
+            <a:pPr marL="342900" lvl="0" indent="-342900">
+              <a:lnSpc>
+                <a:spcPct val="107000"/>
+              </a:lnSpc>
+              <a:spcAft>
+                <a:spcPts val="800"/>
+              </a:spcAft>
+              <a:buFont typeface="Arial" panose="020B0604020202020204" pitchFamily="34" charset="0"/>
+              <a:buChar char="•"/>
+              <a:tabLst>
+                <a:tab pos="457200" algn="l"/>
+              </a:tabLst>
+            </a:pPr>
+            <a:r>
+              <a:rPr lang="en-US" sz="2400" dirty="0">
+                <a:latin typeface="Times New Roman" panose="02020603050405020304" pitchFamily="18" charset="0"/>
+                <a:ea typeface="Calibri" panose="020F0502020204030204" pitchFamily="34" charset="0"/>
+                <a:cs typeface="Times New Roman" panose="02020603050405020304" pitchFamily="18" charset="0"/>
+              </a:rPr>
+              <a:t>Make race more interactive with attacks</a:t>
+            </a:r>
+            <a:endParaRPr lang="en-US" sz="2000" dirty="0">
+              <a:latin typeface="Calibri" panose="020F0502020204030204" pitchFamily="34" charset="0"/>
+              <a:ea typeface="Calibri" panose="020F0502020204030204" pitchFamily="34" charset="0"/>
+              <a:cs typeface="Times New Roman" panose="02020603050405020304" pitchFamily="18" charset="0"/>
+            </a:endParaRPr>
+          </a:p>
+          <a:p>
+            <a:endParaRPr lang="en-US" sz="2400" dirty="0">
+              <a:latin typeface="Baskerville Old Face" panose="02020602080505020303" pitchFamily="18" charset="0"/>
+            </a:endParaRPr>
           </a:p>
           <a:p>
             <a:endParaRPr lang="en-US" sz="2400" dirty="0"/>
@@ -6739,13 +6582,6 @@
   <p:clrMapOvr>
     <a:masterClrMapping/>
   </p:clrMapOvr>
-  <p:timing>
-    <p:tnLst>
-      <p:par>
-        <p:cTn id="1" dur="indefinite" restart="never" nodeType="tmRoot"/>
-      </p:par>
-    </p:tnLst>
-  </p:timing>
 </p:sld>
 </file>
 
